--- a/Fixed-BNG-PGW_GO-NFF.pptx
+++ b/Fixed-BNG-PGW_GO-NFF.pptx
@@ -5,10 +5,10 @@
     <p:sldMasterId id="2147483648" r:id="rId1"/>
   </p:sldMasterIdLst>
   <p:notesMasterIdLst>
-    <p:notesMasterId r:id="rId12"/>
+    <p:notesMasterId r:id="rId13"/>
   </p:notesMasterIdLst>
   <p:handoutMasterIdLst>
-    <p:handoutMasterId r:id="rId13"/>
+    <p:handoutMasterId r:id="rId14"/>
   </p:handoutMasterIdLst>
   <p:sldIdLst>
     <p:sldId id="365" r:id="rId2"/>
@@ -16,11 +16,12 @@
     <p:sldId id="369" r:id="rId4"/>
     <p:sldId id="367" r:id="rId5"/>
     <p:sldId id="392" r:id="rId6"/>
-    <p:sldId id="388" r:id="rId7"/>
-    <p:sldId id="384" r:id="rId8"/>
-    <p:sldId id="383" r:id="rId9"/>
-    <p:sldId id="389" r:id="rId10"/>
-    <p:sldId id="390" r:id="rId11"/>
+    <p:sldId id="393" r:id="rId7"/>
+    <p:sldId id="388" r:id="rId8"/>
+    <p:sldId id="384" r:id="rId9"/>
+    <p:sldId id="383" r:id="rId10"/>
+    <p:sldId id="389" r:id="rId11"/>
+    <p:sldId id="390" r:id="rId12"/>
   </p:sldIdLst>
   <p:sldSz cx="12192000" cy="6858000"/>
   <p:notesSz cx="6858000" cy="9144000"/>
@@ -253,7 +254,7 @@
           <a:p>
             <a:fld id="{D4A5829C-7C6A-DF41-92FC-FE30E34D6DBD}" type="datetimeFigureOut">
               <a:rPr lang="en-US" smtClean="0"/>
-              <a:t>3/8/2018</a:t>
+              <a:t>3/18/2018</a:t>
             </a:fld>
             <a:endParaRPr lang="en-US"/>
           </a:p>
@@ -419,7 +420,7 @@
           <a:p>
             <a:fld id="{16C7A9F4-9AF1-BE4F-A500-2756F8488435}" type="datetimeFigureOut">
               <a:rPr lang="en-US" smtClean="0"/>
-              <a:t>3/8/2018</a:t>
+              <a:t>3/18/2018</a:t>
             </a:fld>
             <a:endParaRPr lang="en-US"/>
           </a:p>
@@ -18561,6 +18562,216 @@
             <p:ph type="title"/>
           </p:nvPr>
         </p:nvSpPr>
+        <p:spPr>
+          <a:xfrm>
+            <a:off x="1890768" y="153208"/>
+            <a:ext cx="8408988" cy="342206"/>
+          </a:xfrm>
+        </p:spPr>
+        <p:txBody>
+          <a:bodyPr/>
+          <a:lstStyle/>
+          <a:p>
+            <a:r>
+              <a:rPr lang="en-US" dirty="0" smtClean="0"/>
+              <a:t>Miscellaneous notes/comments</a:t>
+            </a:r>
+            <a:endParaRPr lang="en-US" dirty="0"/>
+          </a:p>
+        </p:txBody>
+      </p:sp>
+      <p:sp>
+        <p:nvSpPr>
+          <p:cNvPr id="4" name="Content Placeholder 3"/>
+          <p:cNvSpPr>
+            <a:spLocks noGrp="1"/>
+          </p:cNvSpPr>
+          <p:nvPr>
+            <p:ph sz="quarter" idx="12"/>
+          </p:nvPr>
+        </p:nvSpPr>
+        <p:spPr>
+          <a:xfrm>
+            <a:off x="1890768" y="744906"/>
+            <a:ext cx="8408988" cy="4812167"/>
+          </a:xfrm>
+        </p:spPr>
+        <p:txBody>
+          <a:bodyPr/>
+          <a:lstStyle/>
+          <a:p>
+            <a:r>
+              <a:rPr lang="en-US" sz="1800" dirty="0">
+                <a:solidFill>
+                  <a:schemeClr val="tx2"/>
+                </a:solidFill>
+              </a:rPr>
+              <a:t>Networks behind UE model:</a:t>
+            </a:r>
+          </a:p>
+          <a:p>
+            <a:pPr lvl="1"/>
+            <a:r>
+              <a:rPr lang="en-US" sz="1400" dirty="0"/>
+              <a:t>Why does this require so many networks?   UE IPv4, RG WAN IPv4, UE IPv6 /64, RG WAN IPv6 /64, RG LAN IPv6 PD (/60);  Plus an optional static IPv4 LAN subnet.</a:t>
+            </a:r>
+          </a:p>
+          <a:p>
+            <a:pPr lvl="3"/>
+            <a:r>
+              <a:rPr lang="en-US" sz="1400" dirty="0"/>
+              <a:t>For broadband service we now have networks behind the mobile UE and not just a single UE host.  The mobile hotspot approach is very limiting and would have problems supporting some home network setups and business broadband network setups.</a:t>
+            </a:r>
+          </a:p>
+          <a:p>
+            <a:pPr lvl="3"/>
+            <a:r>
+              <a:rPr lang="en-US" sz="1400" dirty="0"/>
+              <a:t>Alternatively: do a </a:t>
+            </a:r>
+            <a:r>
+              <a:rPr lang="en-US" sz="1400" dirty="0" err="1"/>
+              <a:t>passthrough</a:t>
+            </a:r>
+            <a:r>
+              <a:rPr lang="en-US" sz="1400" dirty="0"/>
+              <a:t> type model with one route for IPv4 and one for IPv6</a:t>
+            </a:r>
+          </a:p>
+          <a:p>
+            <a:pPr lvl="4"/>
+            <a:r>
+              <a:rPr lang="en-US" sz="1200" dirty="0"/>
+              <a:t>UE gets public IPv4 and passes through to RG WAN.  UE intercepts certain IPv4 traffic for its own purposes (assuming not running a separate management APN on UE)</a:t>
+            </a:r>
+          </a:p>
+          <a:p>
+            <a:pPr lvl="4"/>
+            <a:r>
+              <a:rPr lang="en-US" sz="1200" dirty="0"/>
+              <a:t>For IPv6 use a /59 – first /64 goes to UE, second /64 goes to RG WAN, second /60 goes to RG LAN PD.  UE does DHCPv6 for a PD and gets the /59 with the Prefix Exclude Option covering the UE /64</a:t>
+            </a:r>
+          </a:p>
+          <a:p>
+            <a:pPr lvl="3"/>
+            <a:r>
+              <a:rPr lang="en-US" sz="1400" dirty="0"/>
+              <a:t>However, our target model for broadband is to keep user Internet traffic addressing separate from internal management.   </a:t>
+            </a:r>
+          </a:p>
+          <a:p>
+            <a:pPr lvl="4"/>
+            <a:r>
+              <a:rPr lang="en-US" sz="1200" dirty="0"/>
+              <a:t>The RG WAN IPv4 is Internet </a:t>
+            </a:r>
+            <a:r>
+              <a:rPr lang="en-US" sz="1200" dirty="0" err="1"/>
+              <a:t>routeable</a:t>
+            </a:r>
+            <a:r>
+              <a:rPr lang="en-US" sz="1200" dirty="0"/>
+              <a:t> and used for the customers home traffic and for management.  We have to use difficult to manage whitelists for RG management.  </a:t>
+            </a:r>
+          </a:p>
+          <a:p>
+            <a:pPr lvl="4"/>
+            <a:r>
+              <a:rPr lang="en-US" sz="1200" dirty="0"/>
+              <a:t>Would prefer that the UE IPv4 management not use the same address as the RG and then also have to implement whitelist management.</a:t>
+            </a:r>
+          </a:p>
+          <a:p>
+            <a:pPr lvl="4"/>
+            <a:r>
+              <a:rPr lang="en-US" sz="1200" dirty="0"/>
+              <a:t>For IPv6 subscriber Internet traffic uses the /60 on the LAN and comes from an Internet reachable address space.  The RG WAN IPv6 comes from a different address space that is not routed to the Internet, but only routed inside AT&amp;T networks.  Again, don’t want the UE address space to be combined with RG LAN.</a:t>
+            </a:r>
+          </a:p>
+          <a:p>
+            <a:pPr lvl="4"/>
+            <a:r>
+              <a:rPr lang="en-US" sz="1200" dirty="0"/>
+              <a:t>Could save one network by using a /63 to create the UE bearer /64 and RG WAN /64 or could try passing through the UE /64 for the RG WAN.  But would still the RG LAN /60 PD.</a:t>
+            </a:r>
+          </a:p>
+          <a:p>
+            <a:pPr lvl="4"/>
+            <a:r>
+              <a:rPr lang="en-US" sz="1200" dirty="0"/>
+              <a:t>If we have 10,000 subs and 5 routes each then that is 50,000 routes.  That should not be a problem for a longest prefix match FIB, when compared to the internet route table that has ~700,000 routes inside AT&amp;T backbone</a:t>
+            </a:r>
+          </a:p>
+        </p:txBody>
+      </p:sp>
+    </p:spTree>
+    <p:extLst>
+      <p:ext uri="{BB962C8B-B14F-4D97-AF65-F5344CB8AC3E}">
+        <p14:creationId xmlns:p14="http://schemas.microsoft.com/office/powerpoint/2010/main" val="1121663276"/>
+      </p:ext>
+    </p:extLst>
+  </p:cSld>
+  <p:clrMapOvr>
+    <a:masterClrMapping/>
+  </p:clrMapOvr>
+</p:sld>
+</file>
+
+<file path=ppt/slides/slide11.xml><?xml version="1.0" encoding="utf-8"?>
+<p:sld xmlns:a="http://schemas.openxmlformats.org/drawingml/2006/main" xmlns:r="http://schemas.openxmlformats.org/officeDocument/2006/relationships" xmlns:p="http://schemas.openxmlformats.org/presentationml/2006/main">
+  <p:cSld>
+    <p:spTree>
+      <p:nvGrpSpPr>
+        <p:cNvPr id="1" name=""/>
+        <p:cNvGrpSpPr/>
+        <p:nvPr/>
+      </p:nvGrpSpPr>
+      <p:grpSpPr>
+        <a:xfrm>
+          <a:off x="0" y="0"/>
+          <a:ext cx="0" cy="0"/>
+          <a:chOff x="0" y="0"/>
+          <a:chExt cx="0" cy="0"/>
+        </a:xfrm>
+      </p:grpSpPr>
+      <p:sp>
+        <p:nvSpPr>
+          <p:cNvPr id="2" name="Slide Number Placeholder 1"/>
+          <p:cNvSpPr>
+            <a:spLocks noGrp="1"/>
+          </p:cNvSpPr>
+          <p:nvPr>
+            <p:ph type="sldNum" sz="quarter" idx="11"/>
+          </p:nvPr>
+        </p:nvSpPr>
+        <p:spPr/>
+        <p:txBody>
+          <a:bodyPr/>
+          <a:lstStyle/>
+          <a:p>
+            <a:fld id="{12CB907E-C602-C34B-93F7-CA9E40714286}" type="slidenum">
+              <a:rPr lang="en-US" smtClean="0"/>
+              <a:pPr/>
+              <a:t>11</a:t>
+            </a:fld>
+            <a:r>
+              <a:rPr lang="en-US" smtClean="0"/>
+              <a:t> </a:t>
+            </a:r>
+            <a:endParaRPr lang="en-US" dirty="0"/>
+          </a:p>
+        </p:txBody>
+      </p:sp>
+      <p:sp>
+        <p:nvSpPr>
+          <p:cNvPr id="3" name="Title 2"/>
+          <p:cNvSpPr>
+            <a:spLocks noGrp="1"/>
+          </p:cNvSpPr>
+          <p:nvPr>
+            <p:ph type="title"/>
+          </p:nvPr>
+        </p:nvSpPr>
         <p:spPr/>
         <p:txBody>
           <a:bodyPr/>
@@ -24954,14 +25165,14 @@
       </p:grpSpPr>
       <p:sp>
         <p:nvSpPr>
-          <p:cNvPr id="103" name="Rounded Rectangle 102"/>
+          <p:cNvPr id="11" name="Rounded Rectangle 10"/>
           <p:cNvSpPr/>
           <p:nvPr/>
         </p:nvSpPr>
         <p:spPr>
           <a:xfrm>
-            <a:off x="3825412" y="2741505"/>
-            <a:ext cx="7917855" cy="2138503"/>
+            <a:off x="7503784" y="204209"/>
+            <a:ext cx="4239483" cy="2530524"/>
           </a:xfrm>
           <a:prstGeom prst="roundRect">
             <a:avLst/>
@@ -25004,15 +25215,8 @@
                   </a:schemeClr>
                 </a:solidFill>
               </a:rPr>
-              <a:t>3</a:t>
-            </a:r>
-            <a:endParaRPr lang="en-US" b="1" dirty="0" smtClean="0">
-              <a:solidFill>
-                <a:schemeClr val="accent4">
-                  <a:lumMod val="50000"/>
-                </a:schemeClr>
-              </a:solidFill>
-            </a:endParaRPr>
+              <a:t>1</a:t>
+            </a:r>
           </a:p>
         </p:txBody>
       </p:sp>
@@ -25069,90 +25273,19 @@
               </a:rPr>
               <a:t>2</a:t>
             </a:r>
-            <a:endParaRPr lang="en-US" b="1" dirty="0" smtClean="0">
-              <a:solidFill>
-                <a:schemeClr val="accent4">
-                  <a:lumMod val="50000"/>
-                </a:schemeClr>
-              </a:solidFill>
-            </a:endParaRPr>
-          </a:p>
-        </p:txBody>
-      </p:sp>
-      <p:sp>
-        <p:nvSpPr>
-          <p:cNvPr id="11" name="Rounded Rectangle 10"/>
+          </a:p>
+        </p:txBody>
+      </p:sp>
+      <p:sp>
+        <p:nvSpPr>
+          <p:cNvPr id="107" name="Rectangle 106"/>
           <p:cNvSpPr/>
           <p:nvPr/>
         </p:nvSpPr>
         <p:spPr>
           <a:xfrm>
-            <a:off x="7503784" y="204209"/>
-            <a:ext cx="4239483" cy="2530524"/>
-          </a:xfrm>
-          <a:prstGeom prst="roundRect">
-            <a:avLst/>
-          </a:prstGeom>
-          <a:solidFill>
-            <a:schemeClr val="accent1">
-              <a:lumMod val="20000"/>
-              <a:lumOff val="80000"/>
-            </a:schemeClr>
-          </a:solidFill>
-          <a:ln>
-            <a:noFill/>
-          </a:ln>
-          <a:effectLst/>
-        </p:spPr>
-        <p:style>
-          <a:lnRef idx="1">
-            <a:schemeClr val="accent1"/>
-          </a:lnRef>
-          <a:fillRef idx="3">
-            <a:schemeClr val="accent1"/>
-          </a:fillRef>
-          <a:effectRef idx="2">
-            <a:schemeClr val="accent1"/>
-          </a:effectRef>
-          <a:fontRef idx="minor">
-            <a:schemeClr val="lt1"/>
-          </a:fontRef>
-        </p:style>
-        <p:txBody>
-          <a:bodyPr lIns="0" tIns="0" rIns="0" bIns="0" rtlCol="0" anchor="t"/>
-          <a:lstStyle/>
-          <a:p>
-            <a:pPr algn="r"/>
-            <a:r>
-              <a:rPr lang="en-US" b="1" dirty="0" smtClean="0">
-                <a:solidFill>
-                  <a:schemeClr val="accent4">
-                    <a:lumMod val="50000"/>
-                  </a:schemeClr>
-                </a:solidFill>
-              </a:rPr>
-              <a:t>1</a:t>
-            </a:r>
-            <a:endParaRPr lang="en-US" b="1" dirty="0" smtClean="0">
-              <a:solidFill>
-                <a:schemeClr val="accent4">
-                  <a:lumMod val="50000"/>
-                </a:schemeClr>
-              </a:solidFill>
-            </a:endParaRPr>
-          </a:p>
-        </p:txBody>
-      </p:sp>
-      <p:sp>
-        <p:nvSpPr>
-          <p:cNvPr id="79" name="Rectangle 78"/>
-          <p:cNvSpPr/>
-          <p:nvPr/>
-        </p:nvSpPr>
-        <p:spPr>
-          <a:xfrm>
-            <a:off x="7503784" y="204210"/>
-            <a:ext cx="3290590" cy="700891"/>
+            <a:off x="4026629" y="1349842"/>
+            <a:ext cx="7501646" cy="1318280"/>
           </a:xfrm>
           <a:prstGeom prst="rect">
             <a:avLst/>
@@ -25200,14 +25333,14 @@
       </p:sp>
       <p:sp>
         <p:nvSpPr>
-          <p:cNvPr id="74" name="Rectangle 73"/>
+          <p:cNvPr id="106" name="Rectangle 105"/>
           <p:cNvSpPr/>
           <p:nvPr/>
         </p:nvSpPr>
         <p:spPr>
           <a:xfrm>
-            <a:off x="4026630" y="1393825"/>
-            <a:ext cx="7501646" cy="1269451"/>
+            <a:off x="4026629" y="1399725"/>
+            <a:ext cx="3443033" cy="1269451"/>
           </a:xfrm>
           <a:prstGeom prst="rect">
             <a:avLst/>
@@ -25255,14 +25388,71 @@
       </p:sp>
       <p:sp>
         <p:nvSpPr>
-          <p:cNvPr id="90" name="Rectangle 89"/>
+          <p:cNvPr id="103" name="Rounded Rectangle 102"/>
           <p:cNvSpPr/>
           <p:nvPr/>
         </p:nvSpPr>
         <p:spPr>
           <a:xfrm>
-            <a:off x="4532464" y="1466856"/>
-            <a:ext cx="2971320" cy="1107671"/>
+            <a:off x="3825412" y="2741505"/>
+            <a:ext cx="7917855" cy="2138503"/>
+          </a:xfrm>
+          <a:prstGeom prst="roundRect">
+            <a:avLst/>
+          </a:prstGeom>
+          <a:solidFill>
+            <a:schemeClr val="accent1">
+              <a:lumMod val="20000"/>
+              <a:lumOff val="80000"/>
+            </a:schemeClr>
+          </a:solidFill>
+          <a:ln>
+            <a:noFill/>
+          </a:ln>
+          <a:effectLst/>
+        </p:spPr>
+        <p:style>
+          <a:lnRef idx="1">
+            <a:schemeClr val="accent1"/>
+          </a:lnRef>
+          <a:fillRef idx="3">
+            <a:schemeClr val="accent1"/>
+          </a:fillRef>
+          <a:effectRef idx="2">
+            <a:schemeClr val="accent1"/>
+          </a:effectRef>
+          <a:fontRef idx="minor">
+            <a:schemeClr val="lt1"/>
+          </a:fontRef>
+        </p:style>
+        <p:txBody>
+          <a:bodyPr lIns="0" tIns="0" rIns="0" bIns="0" rtlCol="0" anchor="t"/>
+          <a:lstStyle/>
+          <a:p>
+            <a:pPr algn="r"/>
+            <a:r>
+              <a:rPr lang="en-US" b="1" dirty="0" smtClean="0">
+                <a:solidFill>
+                  <a:schemeClr val="accent4">
+                    <a:lumMod val="50000"/>
+                  </a:schemeClr>
+                </a:solidFill>
+              </a:rPr>
+              <a:t>3</a:t>
+            </a:r>
+          </a:p>
+        </p:txBody>
+      </p:sp>
+      <p:sp>
+        <p:nvSpPr>
+          <p:cNvPr id="79" name="Rectangle 78"/>
+          <p:cNvSpPr/>
+          <p:nvPr/>
+        </p:nvSpPr>
+        <p:spPr>
+          <a:xfrm>
+            <a:off x="7503784" y="204210"/>
+            <a:ext cx="3290590" cy="700891"/>
           </a:xfrm>
           <a:prstGeom prst="rect">
             <a:avLst/>
@@ -25294,12 +25484,12 @@
           </a:fontRef>
         </p:style>
         <p:txBody>
-          <a:bodyPr lIns="0" tIns="0" rIns="0" bIns="0" rtlCol="0" anchor="ctr">
+          <a:bodyPr lIns="0" tIns="0" rIns="0" bIns="0" rtlCol="0" anchor="t">
             <a:normAutofit/>
           </a:bodyPr>
           <a:lstStyle/>
           <a:p>
-            <a:pPr algn="ctr"/>
+            <a:pPr algn="r"/>
             <a:endParaRPr lang="en-US" sz="1200" dirty="0">
               <a:solidFill>
                 <a:schemeClr val="tx2"/>
@@ -25310,14 +25500,14 @@
       </p:sp>
       <p:sp>
         <p:nvSpPr>
-          <p:cNvPr id="28" name="Rectangle 27"/>
+          <p:cNvPr id="74" name="Rectangle 73"/>
           <p:cNvSpPr/>
           <p:nvPr/>
         </p:nvSpPr>
         <p:spPr>
           <a:xfrm>
-            <a:off x="579333" y="3921020"/>
-            <a:ext cx="926275" cy="843148"/>
+            <a:off x="7910024" y="1393825"/>
+            <a:ext cx="3618251" cy="1269451"/>
           </a:xfrm>
           <a:prstGeom prst="rect">
             <a:avLst/>
@@ -25349,33 +25539,30 @@
           </a:fontRef>
         </p:style>
         <p:txBody>
-          <a:bodyPr lIns="0" tIns="0" rIns="0" bIns="0" rtlCol="0" anchor="ctr">
+          <a:bodyPr lIns="0" tIns="0" rIns="0" bIns="0" rtlCol="0" anchor="t">
             <a:normAutofit/>
           </a:bodyPr>
           <a:lstStyle/>
           <a:p>
-            <a:pPr algn="ctr"/>
-            <a:r>
-              <a:rPr lang="en-US" sz="1200" dirty="0">
-                <a:solidFill>
-                  <a:schemeClr val="tx2"/>
-                </a:solidFill>
-              </a:rPr>
-              <a:t>RG</a:t>
-            </a:r>
-          </a:p>
-        </p:txBody>
-      </p:sp>
-      <p:sp>
-        <p:nvSpPr>
-          <p:cNvPr id="29" name="Rectangle 28"/>
+            <a:pPr algn="r"/>
+            <a:endParaRPr lang="en-US" sz="1200" dirty="0">
+              <a:solidFill>
+                <a:schemeClr val="tx2"/>
+              </a:solidFill>
+            </a:endParaRPr>
+          </a:p>
+        </p:txBody>
+      </p:sp>
+      <p:sp>
+        <p:nvSpPr>
+          <p:cNvPr id="90" name="Rectangle 89"/>
           <p:cNvSpPr/>
           <p:nvPr/>
         </p:nvSpPr>
         <p:spPr>
           <a:xfrm>
-            <a:off x="1602235" y="3921674"/>
-            <a:ext cx="362029" cy="843148"/>
+            <a:off x="4443976" y="1466856"/>
+            <a:ext cx="2971320" cy="1107671"/>
           </a:xfrm>
           <a:prstGeom prst="rect">
             <a:avLst/>
@@ -25407,30 +25594,29 @@
           </a:fontRef>
         </p:style>
         <p:txBody>
-          <a:bodyPr lIns="0" tIns="0" rIns="0" bIns="0" rtlCol="0" anchor="ctr"/>
+          <a:bodyPr lIns="0" tIns="0" rIns="0" bIns="0" rtlCol="0" anchor="ctr">
+            <a:normAutofit/>
+          </a:bodyPr>
           <a:lstStyle/>
           <a:p>
             <a:pPr algn="ctr"/>
-            <a:r>
-              <a:rPr lang="en-US" sz="1200" dirty="0">
-                <a:solidFill>
-                  <a:schemeClr val="tx2"/>
-                </a:solidFill>
-              </a:rPr>
-              <a:t>UE</a:t>
-            </a:r>
-          </a:p>
-        </p:txBody>
-      </p:sp>
-      <p:sp>
-        <p:nvSpPr>
-          <p:cNvPr id="32" name="Rectangle 31"/>
+            <a:endParaRPr lang="en-US" sz="1200" dirty="0">
+              <a:solidFill>
+                <a:schemeClr val="tx2"/>
+              </a:solidFill>
+            </a:endParaRPr>
+          </a:p>
+        </p:txBody>
+      </p:sp>
+      <p:sp>
+        <p:nvSpPr>
+          <p:cNvPr id="28" name="Rectangle 27"/>
           <p:cNvSpPr/>
           <p:nvPr/>
         </p:nvSpPr>
         <p:spPr>
           <a:xfrm>
-            <a:off x="2149849" y="3921674"/>
+            <a:off x="579333" y="3921020"/>
             <a:ext cx="926275" cy="843148"/>
           </a:xfrm>
           <a:prstGeom prst="rect">
@@ -25470,6 +25656,120 @@
           <a:p>
             <a:pPr algn="ctr"/>
             <a:r>
+              <a:rPr lang="en-US" sz="1200" dirty="0">
+                <a:solidFill>
+                  <a:schemeClr val="tx2"/>
+                </a:solidFill>
+              </a:rPr>
+              <a:t>RG</a:t>
+            </a:r>
+          </a:p>
+        </p:txBody>
+      </p:sp>
+      <p:sp>
+        <p:nvSpPr>
+          <p:cNvPr id="29" name="Rectangle 28"/>
+          <p:cNvSpPr/>
+          <p:nvPr/>
+        </p:nvSpPr>
+        <p:spPr>
+          <a:xfrm>
+            <a:off x="1602235" y="3921674"/>
+            <a:ext cx="362029" cy="843148"/>
+          </a:xfrm>
+          <a:prstGeom prst="rect">
+            <a:avLst/>
+          </a:prstGeom>
+          <a:solidFill>
+            <a:schemeClr val="bg1"/>
+          </a:solidFill>
+          <a:ln>
+            <a:solidFill>
+              <a:schemeClr val="bg2">
+                <a:lumMod val="75000"/>
+              </a:schemeClr>
+            </a:solidFill>
+          </a:ln>
+          <a:effectLst/>
+        </p:spPr>
+        <p:style>
+          <a:lnRef idx="1">
+            <a:schemeClr val="accent1"/>
+          </a:lnRef>
+          <a:fillRef idx="3">
+            <a:schemeClr val="accent1"/>
+          </a:fillRef>
+          <a:effectRef idx="2">
+            <a:schemeClr val="accent1"/>
+          </a:effectRef>
+          <a:fontRef idx="minor">
+            <a:schemeClr val="lt1"/>
+          </a:fontRef>
+        </p:style>
+        <p:txBody>
+          <a:bodyPr lIns="0" tIns="0" rIns="0" bIns="0" rtlCol="0" anchor="ctr"/>
+          <a:lstStyle/>
+          <a:p>
+            <a:pPr algn="ctr"/>
+            <a:r>
+              <a:rPr lang="en-US" sz="1200" dirty="0">
+                <a:solidFill>
+                  <a:schemeClr val="tx2"/>
+                </a:solidFill>
+              </a:rPr>
+              <a:t>UE</a:t>
+            </a:r>
+          </a:p>
+        </p:txBody>
+      </p:sp>
+      <p:sp>
+        <p:nvSpPr>
+          <p:cNvPr id="32" name="Rectangle 31"/>
+          <p:cNvSpPr/>
+          <p:nvPr/>
+        </p:nvSpPr>
+        <p:spPr>
+          <a:xfrm>
+            <a:off x="2149849" y="3921674"/>
+            <a:ext cx="926275" cy="843148"/>
+          </a:xfrm>
+          <a:prstGeom prst="rect">
+            <a:avLst/>
+          </a:prstGeom>
+          <a:solidFill>
+            <a:schemeClr val="bg1"/>
+          </a:solidFill>
+          <a:ln>
+            <a:solidFill>
+              <a:schemeClr val="bg2">
+                <a:lumMod val="75000"/>
+              </a:schemeClr>
+            </a:solidFill>
+          </a:ln>
+          <a:effectLst/>
+        </p:spPr>
+        <p:style>
+          <a:lnRef idx="1">
+            <a:schemeClr val="accent1"/>
+          </a:lnRef>
+          <a:fillRef idx="3">
+            <a:schemeClr val="accent1"/>
+          </a:fillRef>
+          <a:effectRef idx="2">
+            <a:schemeClr val="accent1"/>
+          </a:effectRef>
+          <a:fontRef idx="minor">
+            <a:schemeClr val="lt1"/>
+          </a:fontRef>
+        </p:style>
+        <p:txBody>
+          <a:bodyPr lIns="0" tIns="0" rIns="0" bIns="0" rtlCol="0" anchor="ctr">
+            <a:normAutofit/>
+          </a:bodyPr>
+          <a:lstStyle/>
+          <a:p>
+            <a:pPr algn="ctr"/>
+            <a:r>
               <a:rPr lang="en-US" sz="1200" dirty="0" err="1">
                 <a:solidFill>
                   <a:schemeClr val="tx2"/>
@@ -25493,7 +25793,7 @@
         </p:nvSpPr>
         <p:spPr>
           <a:xfrm>
-            <a:off x="4549303" y="945062"/>
+            <a:off x="4469178" y="943902"/>
             <a:ext cx="926275" cy="333955"/>
           </a:xfrm>
           <a:prstGeom prst="rect">
@@ -25815,7 +26115,7 @@
         </p:nvSpPr>
         <p:spPr>
           <a:xfrm>
-            <a:off x="8387050" y="1072079"/>
+            <a:off x="8390374" y="1071788"/>
             <a:ext cx="898497" cy="204671"/>
           </a:xfrm>
           <a:prstGeom prst="roundRect">
@@ -25962,9 +26262,9 @@
           <p:nvPr/>
         </p:nvCxnSpPr>
         <p:spPr>
-          <a:xfrm>
-            <a:off x="3076124" y="1112040"/>
-            <a:ext cx="1473179" cy="0"/>
+          <a:xfrm flipV="1">
+            <a:off x="3076124" y="1110880"/>
+            <a:ext cx="1393054" cy="1160"/>
           </a:xfrm>
           <a:prstGeom prst="straightConnector1">
             <a:avLst/>
@@ -26170,7 +26470,7 @@
         </p:nvSpPr>
         <p:spPr>
           <a:xfrm>
-            <a:off x="5545463" y="1852130"/>
+            <a:off x="5456975" y="1852130"/>
             <a:ext cx="926275" cy="333955"/>
           </a:xfrm>
           <a:prstGeom prst="flowChartMagneticDisk">
@@ -26236,7 +26536,7 @@
         </p:nvSpPr>
         <p:spPr>
           <a:xfrm>
-            <a:off x="6544530" y="1852130"/>
+            <a:off x="6456042" y="1852130"/>
             <a:ext cx="926275" cy="333955"/>
           </a:xfrm>
           <a:prstGeom prst="flowChartMagneticDisk">
@@ -26302,7 +26602,7 @@
         </p:nvSpPr>
         <p:spPr>
           <a:xfrm>
-            <a:off x="4554865" y="1495207"/>
+            <a:off x="4466377" y="1495207"/>
             <a:ext cx="926275" cy="333955"/>
           </a:xfrm>
           <a:prstGeom prst="rect">
@@ -26365,7 +26665,7 @@
         </p:nvSpPr>
         <p:spPr>
           <a:xfrm>
-            <a:off x="4554865" y="1852130"/>
+            <a:off x="4466377" y="1852130"/>
             <a:ext cx="926275" cy="333955"/>
           </a:xfrm>
           <a:prstGeom prst="rect">
@@ -26436,7 +26736,7 @@
         </p:nvSpPr>
         <p:spPr>
           <a:xfrm>
-            <a:off x="4549303" y="2212568"/>
+            <a:off x="4460815" y="2212568"/>
             <a:ext cx="926275" cy="333955"/>
           </a:xfrm>
           <a:prstGeom prst="rect">
@@ -26502,7 +26802,7 @@
         </p:nvCxnSpPr>
         <p:spPr>
           <a:xfrm>
-            <a:off x="5481140" y="2019108"/>
+            <a:off x="5392652" y="2019108"/>
             <a:ext cx="64323" cy="0"/>
           </a:xfrm>
           <a:prstGeom prst="straightConnector1">
@@ -26543,7 +26843,7 @@
         </p:nvCxnSpPr>
         <p:spPr>
           <a:xfrm>
-            <a:off x="6471738" y="2019108"/>
+            <a:off x="6383250" y="2019108"/>
             <a:ext cx="72792" cy="0"/>
           </a:xfrm>
           <a:prstGeom prst="straightConnector1">
@@ -26581,7 +26881,7 @@
         </p:nvSpPr>
         <p:spPr>
           <a:xfrm>
-            <a:off x="6687892" y="1463688"/>
+            <a:off x="6599404" y="1463688"/>
             <a:ext cx="815892" cy="176534"/>
           </a:xfrm>
           <a:prstGeom prst="rect">
@@ -26605,15 +26905,7 @@
                   <a:schemeClr val="tx2"/>
                 </a:solidFill>
               </a:rPr>
-              <a:t>UE Context </a:t>
-            </a:r>
-            <a:r>
-              <a:rPr lang="en-US" sz="900" b="1" dirty="0" smtClean="0">
-                <a:solidFill>
-                  <a:schemeClr val="tx2"/>
-                </a:solidFill>
-              </a:rPr>
-              <a:t>DB</a:t>
+              <a:t>UE Context DB</a:t>
             </a:r>
             <a:endParaRPr lang="en-US" sz="900" b="1" dirty="0">
               <a:solidFill>
@@ -27116,9 +27408,9 @@
           <p:nvPr/>
         </p:nvCxnSpPr>
         <p:spPr>
-          <a:xfrm flipH="1" flipV="1">
-            <a:off x="5012441" y="1279017"/>
-            <a:ext cx="5562" cy="216190"/>
+          <a:xfrm flipV="1">
+            <a:off x="4929515" y="1277857"/>
+            <a:ext cx="2801" cy="217350"/>
           </a:xfrm>
           <a:prstGeom prst="straightConnector1">
             <a:avLst/>
@@ -27158,8 +27450,8 @@
         </p:nvCxnSpPr>
         <p:spPr>
           <a:xfrm flipH="1" flipV="1">
-            <a:off x="8836299" y="1276750"/>
-            <a:ext cx="8887" cy="218457"/>
+            <a:off x="8839623" y="1276459"/>
+            <a:ext cx="5563" cy="218748"/>
           </a:xfrm>
           <a:prstGeom prst="straightConnector1">
             <a:avLst/>
@@ -27987,8 +28279,8 @@
         </p:nvCxnSpPr>
         <p:spPr>
           <a:xfrm rot="16200000" flipH="1">
-            <a:off x="5904179" y="1654784"/>
-            <a:ext cx="356977" cy="2140453"/>
+            <a:off x="5859935" y="1610540"/>
+            <a:ext cx="356977" cy="2228941"/>
           </a:xfrm>
           <a:prstGeom prst="bentConnector3">
             <a:avLst/>
@@ -28577,7 +28869,7 @@
         <p:spPr>
           <a:xfrm>
             <a:off x="124229" y="36714"/>
-            <a:ext cx="3324435" cy="492649"/>
+            <a:ext cx="3516988" cy="492649"/>
           </a:xfrm>
           <a:prstGeom prst="rect">
             <a:avLst/>
@@ -28589,18 +28881,26 @@
         </p:spPr>
         <p:txBody>
           <a:bodyPr wrap="square" lIns="0" tIns="0" rIns="0" bIns="0" rtlCol="0" anchor="ctr">
-            <a:normAutofit/>
+            <a:normAutofit fontScale="92500"/>
           </a:bodyPr>
           <a:lstStyle/>
           <a:p>
             <a:pPr algn="ctr"/>
             <a:r>
+              <a:rPr lang="en-US" sz="2000" b="1" dirty="0">
+                <a:solidFill>
+                  <a:schemeClr val="tx2"/>
+                </a:solidFill>
+              </a:rPr>
+              <a:t>BNG-PGW on GO | NFF </a:t>
+            </a:r>
+            <a:r>
               <a:rPr lang="en-US" sz="2000" b="1" dirty="0" smtClean="0">
                 <a:solidFill>
                   <a:schemeClr val="tx2"/>
                 </a:solidFill>
               </a:rPr>
-              <a:t>BNG-PGW on GO | NFF Design</a:t>
+              <a:t>Design_v2</a:t>
             </a:r>
             <a:endParaRPr lang="en-US" sz="2000" b="1" dirty="0">
               <a:solidFill>
@@ -28641,21 +28941,8 @@
                   <a:schemeClr val="tx2"/>
                 </a:solidFill>
               </a:rPr>
-              <a:t>Preliminary Requirement/Feature </a:t>
-            </a:r>
-            <a:r>
-              <a:rPr lang="en-US" sz="1400" b="1" dirty="0" smtClean="0">
-                <a:solidFill>
-                  <a:schemeClr val="tx2"/>
-                </a:solidFill>
-              </a:rPr>
-              <a:t>set: Phase 1 Q1’18:</a:t>
-            </a:r>
-            <a:endParaRPr lang="en-US" sz="1400" b="1" dirty="0" smtClean="0">
-              <a:solidFill>
-                <a:schemeClr val="tx2"/>
-              </a:solidFill>
-            </a:endParaRPr>
+              <a:t>Preliminary Requirement/Feature set: Phase 1 Q1’18:</a:t>
+            </a:r>
           </a:p>
           <a:p>
             <a:pPr marL="233363" indent="-233363">
@@ -28800,55 +29087,28 @@
                   </a:schemeClr>
                 </a:solidFill>
               </a:rPr>
-              <a:t>ARP </a:t>
-            </a:r>
-            <a:r>
-              <a:rPr lang="en-US" sz="1400" dirty="0" smtClean="0">
+              <a:t>ARP on S1U/</a:t>
+            </a:r>
+            <a:r>
+              <a:rPr lang="en-US" sz="1400" dirty="0" err="1" smtClean="0">
                 <a:solidFill>
                   <a:schemeClr val="bg2">
                     <a:lumMod val="75000"/>
                   </a:schemeClr>
                 </a:solidFill>
               </a:rPr>
-              <a:t>on S1U/</a:t>
-            </a:r>
-            <a:r>
-              <a:rPr lang="en-US" sz="1400" dirty="0" err="1" smtClean="0">
+              <a:t>SGi</a:t>
+            </a:r>
+            <a:r>
+              <a:rPr lang="en-US" sz="1400" dirty="0" smtClean="0">
                 <a:solidFill>
                   <a:schemeClr val="bg2">
                     <a:lumMod val="75000"/>
                   </a:schemeClr>
                 </a:solidFill>
               </a:rPr>
-              <a:t>SGi</a:t>
-            </a:r>
-            <a:r>
-              <a:rPr lang="en-US" sz="1400" dirty="0" smtClean="0">
-                <a:solidFill>
-                  <a:schemeClr val="bg2">
-                    <a:lumMod val="75000"/>
-                  </a:schemeClr>
-                </a:solidFill>
-              </a:rPr>
-              <a:t>. ICMP </a:t>
-            </a:r>
-            <a:r>
-              <a:rPr lang="en-US" sz="1400" dirty="0" smtClean="0">
-                <a:solidFill>
-                  <a:schemeClr val="bg2">
-                    <a:lumMod val="75000"/>
-                  </a:schemeClr>
-                </a:solidFill>
-              </a:rPr>
-              <a:t>Phase 2 ~Q2’18</a:t>
-            </a:r>
-            <a:endParaRPr lang="en-US" sz="1400" dirty="0" smtClean="0">
-              <a:solidFill>
-                <a:schemeClr val="bg2">
-                  <a:lumMod val="75000"/>
-                </a:schemeClr>
-              </a:solidFill>
-            </a:endParaRPr>
+              <a:t>. ICMP Phase 2 ~Q2’18</a:t>
+            </a:r>
           </a:p>
           <a:p>
             <a:pPr marL="233363" indent="-233363">
@@ -28868,13 +29128,6 @@
               </a:rPr>
               <a:t>IPv6 Phase 2 Q2’18 target</a:t>
             </a:r>
-            <a:endParaRPr lang="en-US" sz="1400" dirty="0" smtClean="0">
-              <a:solidFill>
-                <a:schemeClr val="bg2">
-                  <a:lumMod val="75000"/>
-                </a:schemeClr>
-              </a:solidFill>
-            </a:endParaRPr>
           </a:p>
         </p:txBody>
       </p:sp>
@@ -28886,7 +29139,7 @@
         </p:nvSpPr>
         <p:spPr>
           <a:xfrm>
-            <a:off x="10640838" y="1393825"/>
+            <a:off x="10633954" y="1032693"/>
             <a:ext cx="887437" cy="346076"/>
           </a:xfrm>
           <a:prstGeom prst="rect">
@@ -29284,8 +29537,8 @@
         </p:nvCxnSpPr>
         <p:spPr>
           <a:xfrm rot="16200000" flipH="1">
-            <a:off x="8354480" y="590259"/>
-            <a:ext cx="266327" cy="697312"/>
+            <a:off x="8356287" y="588452"/>
+            <a:ext cx="266036" cy="700636"/>
           </a:xfrm>
           <a:prstGeom prst="bentConnector3">
             <a:avLst/>
@@ -29325,8 +29578,8 @@
         </p:nvCxnSpPr>
         <p:spPr>
           <a:xfrm rot="5400000">
-            <a:off x="8866028" y="769663"/>
-            <a:ext cx="272688" cy="332145"/>
+            <a:off x="8867836" y="771179"/>
+            <a:ext cx="272397" cy="328821"/>
           </a:xfrm>
           <a:prstGeom prst="bentConnector3">
             <a:avLst/>
@@ -29366,8 +29619,8 @@
         </p:nvCxnSpPr>
         <p:spPr>
           <a:xfrm rot="5400000">
-            <a:off x="9384954" y="259716"/>
-            <a:ext cx="263708" cy="1361018"/>
+            <a:off x="9386762" y="261232"/>
+            <a:ext cx="263417" cy="1357694"/>
           </a:xfrm>
           <a:prstGeom prst="bentConnector3">
             <a:avLst>
@@ -29519,11 +29772,6 @@
               </a:rPr>
               <a:t>Phase 1 Q1’18 stages:</a:t>
             </a:r>
-            <a:endParaRPr lang="en-US" sz="1400" b="1" dirty="0" smtClean="0">
-              <a:solidFill>
-                <a:schemeClr val="tx2"/>
-              </a:solidFill>
-            </a:endParaRPr>
           </a:p>
           <a:p>
             <a:pPr marL="233363" indent="-233363">
@@ -29585,6 +29833,132 @@
               </a:rPr>
               <a:t>#3: Ashok + ng4T + Areg </a:t>
             </a:r>
+          </a:p>
+        </p:txBody>
+      </p:sp>
+      <p:sp>
+        <p:nvSpPr>
+          <p:cNvPr id="110" name="TextBox 109"/>
+          <p:cNvSpPr txBox="1"/>
+          <p:nvPr/>
+        </p:nvSpPr>
+        <p:spPr>
+          <a:xfrm>
+            <a:off x="4026630" y="1399070"/>
+            <a:ext cx="411314" cy="314648"/>
+          </a:xfrm>
+          <a:prstGeom prst="rect">
+            <a:avLst/>
+          </a:prstGeom>
+          <a:noFill/>
+          <a:ln>
+            <a:noFill/>
+          </a:ln>
+        </p:spPr>
+        <p:txBody>
+          <a:bodyPr wrap="square" lIns="0" tIns="0" rIns="0" bIns="0" rtlCol="0" anchor="ctr">
+            <a:normAutofit/>
+          </a:bodyPr>
+          <a:lstStyle/>
+          <a:p>
+            <a:pPr algn="ctr"/>
+            <a:r>
+              <a:rPr lang="en-US" sz="900" b="1" dirty="0" smtClean="0">
+                <a:solidFill>
+                  <a:schemeClr val="tx2"/>
+                </a:solidFill>
+              </a:rPr>
+              <a:t>CP S11 VM</a:t>
+            </a:r>
+            <a:endParaRPr lang="en-US" sz="900" b="1" dirty="0">
+              <a:solidFill>
+                <a:schemeClr val="tx2"/>
+              </a:solidFill>
+            </a:endParaRPr>
+          </a:p>
+        </p:txBody>
+      </p:sp>
+      <p:sp>
+        <p:nvSpPr>
+          <p:cNvPr id="111" name="TextBox 110"/>
+          <p:cNvSpPr txBox="1"/>
+          <p:nvPr/>
+        </p:nvSpPr>
+        <p:spPr>
+          <a:xfrm>
+            <a:off x="7914002" y="1399070"/>
+            <a:ext cx="411314" cy="314648"/>
+          </a:xfrm>
+          <a:prstGeom prst="rect">
+            <a:avLst/>
+          </a:prstGeom>
+          <a:noFill/>
+          <a:ln>
+            <a:noFill/>
+          </a:ln>
+        </p:spPr>
+        <p:txBody>
+          <a:bodyPr wrap="square" lIns="0" tIns="0" rIns="0" bIns="0" rtlCol="0" anchor="ctr">
+            <a:normAutofit/>
+          </a:bodyPr>
+          <a:lstStyle/>
+          <a:p>
+            <a:pPr algn="ctr"/>
+            <a:r>
+              <a:rPr lang="en-US" sz="900" b="1" dirty="0" smtClean="0">
+                <a:solidFill>
+                  <a:schemeClr val="tx2"/>
+                </a:solidFill>
+              </a:rPr>
+              <a:t>CP SLA VM</a:t>
+            </a:r>
+            <a:endParaRPr lang="en-US" sz="900" b="1" dirty="0">
+              <a:solidFill>
+                <a:schemeClr val="tx2"/>
+              </a:solidFill>
+            </a:endParaRPr>
+          </a:p>
+        </p:txBody>
+      </p:sp>
+      <p:sp>
+        <p:nvSpPr>
+          <p:cNvPr id="112" name="TextBox 111"/>
+          <p:cNvSpPr txBox="1"/>
+          <p:nvPr/>
+        </p:nvSpPr>
+        <p:spPr>
+          <a:xfrm>
+            <a:off x="4020563" y="2814556"/>
+            <a:ext cx="714443" cy="314648"/>
+          </a:xfrm>
+          <a:prstGeom prst="rect">
+            <a:avLst/>
+          </a:prstGeom>
+          <a:noFill/>
+          <a:ln>
+            <a:noFill/>
+          </a:ln>
+        </p:spPr>
+        <p:txBody>
+          <a:bodyPr wrap="square" lIns="0" tIns="0" rIns="0" bIns="0" rtlCol="0" anchor="ctr">
+            <a:normAutofit/>
+          </a:bodyPr>
+          <a:lstStyle/>
+          <a:p>
+            <a:pPr algn="ctr"/>
+            <a:r>
+              <a:rPr lang="en-US" sz="900" b="1" dirty="0" smtClean="0">
+                <a:solidFill>
+                  <a:schemeClr val="tx2"/>
+                </a:solidFill>
+              </a:rPr>
+              <a:t>BNG-PGW VM </a:t>
+            </a:r>
+            <a:endParaRPr lang="en-US" sz="900" b="1" dirty="0">
+              <a:solidFill>
+                <a:schemeClr val="tx2"/>
+              </a:solidFill>
+            </a:endParaRPr>
           </a:p>
         </p:txBody>
       </p:sp>
@@ -29620,171 +29994,4563 @@
       </p:grpSpPr>
       <p:sp>
         <p:nvSpPr>
-          <p:cNvPr id="2" name="Slide Number Placeholder 1"/>
-          <p:cNvSpPr>
-            <a:spLocks noGrp="1"/>
-          </p:cNvSpPr>
-          <p:nvPr>
-            <p:ph type="sldNum" sz="quarter" idx="11"/>
-          </p:nvPr>
-        </p:nvSpPr>
-        <p:spPr/>
-        <p:txBody>
-          <a:bodyPr/>
+          <p:cNvPr id="103" name="Rounded Rectangle 102"/>
+          <p:cNvSpPr/>
+          <p:nvPr/>
+        </p:nvSpPr>
+        <p:spPr>
+          <a:xfrm>
+            <a:off x="3825412" y="2741505"/>
+            <a:ext cx="7917855" cy="2138503"/>
+          </a:xfrm>
+          <a:prstGeom prst="roundRect">
+            <a:avLst/>
+          </a:prstGeom>
+          <a:solidFill>
+            <a:schemeClr val="accent1">
+              <a:lumMod val="20000"/>
+              <a:lumOff val="80000"/>
+            </a:schemeClr>
+          </a:solidFill>
+          <a:ln>
+            <a:noFill/>
+          </a:ln>
+          <a:effectLst/>
+        </p:spPr>
+        <p:style>
+          <a:lnRef idx="1">
+            <a:schemeClr val="accent1"/>
+          </a:lnRef>
+          <a:fillRef idx="3">
+            <a:schemeClr val="accent1"/>
+          </a:fillRef>
+          <a:effectRef idx="2">
+            <a:schemeClr val="accent1"/>
+          </a:effectRef>
+          <a:fontRef idx="minor">
+            <a:schemeClr val="lt1"/>
+          </a:fontRef>
+        </p:style>
+        <p:txBody>
+          <a:bodyPr lIns="0" tIns="0" rIns="0" bIns="0" rtlCol="0" anchor="t"/>
           <a:lstStyle/>
           <a:p>
-            <a:fld id="{12CB907E-C602-C34B-93F7-CA9E40714286}" type="slidenum">
-              <a:rPr lang="en-US" smtClean="0"/>
-              <a:pPr/>
-              <a:t>6</a:t>
-            </a:fld>
-            <a:r>
-              <a:rPr lang="en-US" smtClean="0"/>
-              <a:t> </a:t>
-            </a:r>
-            <a:endParaRPr lang="en-US" dirty="0"/>
-          </a:p>
-        </p:txBody>
-      </p:sp>
-      <p:sp>
-        <p:nvSpPr>
-          <p:cNvPr id="3" name="Title 2"/>
-          <p:cNvSpPr>
-            <a:spLocks noGrp="1"/>
-          </p:cNvSpPr>
-          <p:nvPr>
-            <p:ph type="title"/>
-          </p:nvPr>
-        </p:nvSpPr>
-        <p:spPr>
-          <a:xfrm>
-            <a:off x="1890768" y="276465"/>
-            <a:ext cx="8408988" cy="342206"/>
-          </a:xfrm>
-        </p:spPr>
-        <p:txBody>
-          <a:bodyPr/>
+            <a:pPr algn="r"/>
+            <a:r>
+              <a:rPr lang="en-US" b="1" dirty="0" smtClean="0">
+                <a:solidFill>
+                  <a:schemeClr val="accent4">
+                    <a:lumMod val="50000"/>
+                  </a:schemeClr>
+                </a:solidFill>
+              </a:rPr>
+              <a:t>3</a:t>
+            </a:r>
+          </a:p>
+        </p:txBody>
+      </p:sp>
+      <p:sp>
+        <p:nvSpPr>
+          <p:cNvPr id="102" name="Rounded Rectangle 101"/>
+          <p:cNvSpPr/>
+          <p:nvPr/>
+        </p:nvSpPr>
+        <p:spPr>
+          <a:xfrm>
+            <a:off x="3811639" y="203554"/>
+            <a:ext cx="3686457" cy="2530524"/>
+          </a:xfrm>
+          <a:prstGeom prst="roundRect">
+            <a:avLst/>
+          </a:prstGeom>
+          <a:solidFill>
+            <a:schemeClr val="accent1">
+              <a:lumMod val="20000"/>
+              <a:lumOff val="80000"/>
+            </a:schemeClr>
+          </a:solidFill>
+          <a:ln>
+            <a:noFill/>
+          </a:ln>
+          <a:effectLst/>
+        </p:spPr>
+        <p:style>
+          <a:lnRef idx="1">
+            <a:schemeClr val="accent1"/>
+          </a:lnRef>
+          <a:fillRef idx="3">
+            <a:schemeClr val="accent1"/>
+          </a:fillRef>
+          <a:effectRef idx="2">
+            <a:schemeClr val="accent1"/>
+          </a:effectRef>
+          <a:fontRef idx="minor">
+            <a:schemeClr val="lt1"/>
+          </a:fontRef>
+        </p:style>
+        <p:txBody>
+          <a:bodyPr lIns="0" tIns="0" rIns="0" bIns="0" rtlCol="0" anchor="t"/>
           <a:lstStyle/>
           <a:p>
             <a:r>
-              <a:rPr lang="en-US" dirty="0" smtClean="0"/>
-              <a:t>BNG Forwarded Architecture Model – high level</a:t>
-            </a:r>
-            <a:endParaRPr lang="en-US" dirty="0"/>
-          </a:p>
-        </p:txBody>
-      </p:sp>
-      <p:sp>
-        <p:nvSpPr>
-          <p:cNvPr id="4" name="Content Placeholder 3"/>
-          <p:cNvSpPr>
-            <a:spLocks noGrp="1"/>
-          </p:cNvSpPr>
-          <p:nvPr>
-            <p:ph sz="quarter" idx="12"/>
-          </p:nvPr>
-        </p:nvSpPr>
-        <p:spPr>
-          <a:xfrm>
-            <a:off x="1890768" y="1034595"/>
-            <a:ext cx="8408988" cy="6004380"/>
-          </a:xfrm>
-        </p:spPr>
-        <p:txBody>
-          <a:bodyPr/>
+              <a:rPr lang="en-US" b="1" dirty="0" smtClean="0">
+                <a:solidFill>
+                  <a:schemeClr val="accent4">
+                    <a:lumMod val="50000"/>
+                  </a:schemeClr>
+                </a:solidFill>
+              </a:rPr>
+              <a:t>2</a:t>
+            </a:r>
+          </a:p>
+        </p:txBody>
+      </p:sp>
+      <p:sp>
+        <p:nvSpPr>
+          <p:cNvPr id="11" name="Rounded Rectangle 10"/>
+          <p:cNvSpPr/>
+          <p:nvPr/>
+        </p:nvSpPr>
+        <p:spPr>
+          <a:xfrm>
+            <a:off x="7503784" y="204209"/>
+            <a:ext cx="4239483" cy="2530524"/>
+          </a:xfrm>
+          <a:prstGeom prst="roundRect">
+            <a:avLst/>
+          </a:prstGeom>
+          <a:solidFill>
+            <a:schemeClr val="accent1">
+              <a:lumMod val="20000"/>
+              <a:lumOff val="80000"/>
+            </a:schemeClr>
+          </a:solidFill>
+          <a:ln>
+            <a:noFill/>
+          </a:ln>
+          <a:effectLst/>
+        </p:spPr>
+        <p:style>
+          <a:lnRef idx="1">
+            <a:schemeClr val="accent1"/>
+          </a:lnRef>
+          <a:fillRef idx="3">
+            <a:schemeClr val="accent1"/>
+          </a:fillRef>
+          <a:effectRef idx="2">
+            <a:schemeClr val="accent1"/>
+          </a:effectRef>
+          <a:fontRef idx="minor">
+            <a:schemeClr val="lt1"/>
+          </a:fontRef>
+        </p:style>
+        <p:txBody>
+          <a:bodyPr lIns="0" tIns="0" rIns="0" bIns="0" rtlCol="0" anchor="t"/>
           <a:lstStyle/>
           <a:p>
-            <a:r>
-              <a:rPr lang="en-US" sz="2400" dirty="0"/>
-              <a:t>YANFF BNG</a:t>
-            </a:r>
-          </a:p>
-          <a:p>
-            <a:pPr lvl="3"/>
-            <a:r>
-              <a:rPr lang="en-US" sz="1800" dirty="0"/>
-              <a:t>In user space</a:t>
-            </a:r>
-          </a:p>
-          <a:p>
-            <a:pPr lvl="3"/>
-            <a:r>
-              <a:rPr lang="en-US" sz="1800" dirty="0"/>
-              <a:t>Owns SR-IOV S1U and </a:t>
-            </a:r>
-            <a:r>
-              <a:rPr lang="en-US" sz="1800" dirty="0" err="1"/>
+            <a:pPr algn="r"/>
+            <a:r>
+              <a:rPr lang="en-US" b="1" dirty="0" smtClean="0">
+                <a:solidFill>
+                  <a:schemeClr val="accent4">
+                    <a:lumMod val="50000"/>
+                  </a:schemeClr>
+                </a:solidFill>
+              </a:rPr>
+              <a:t>1</a:t>
+            </a:r>
+          </a:p>
+        </p:txBody>
+      </p:sp>
+      <p:sp>
+        <p:nvSpPr>
+          <p:cNvPr id="79" name="Rectangle 78"/>
+          <p:cNvSpPr/>
+          <p:nvPr/>
+        </p:nvSpPr>
+        <p:spPr>
+          <a:xfrm>
+            <a:off x="7503784" y="204210"/>
+            <a:ext cx="3290590" cy="700891"/>
+          </a:xfrm>
+          <a:prstGeom prst="rect">
+            <a:avLst/>
+          </a:prstGeom>
+          <a:solidFill>
+            <a:schemeClr val="bg1"/>
+          </a:solidFill>
+          <a:ln>
+            <a:solidFill>
+              <a:schemeClr val="bg2">
+                <a:lumMod val="75000"/>
+              </a:schemeClr>
+            </a:solidFill>
+          </a:ln>
+          <a:effectLst/>
+        </p:spPr>
+        <p:style>
+          <a:lnRef idx="1">
+            <a:schemeClr val="accent1"/>
+          </a:lnRef>
+          <a:fillRef idx="3">
+            <a:schemeClr val="accent1"/>
+          </a:fillRef>
+          <a:effectRef idx="2">
+            <a:schemeClr val="accent1"/>
+          </a:effectRef>
+          <a:fontRef idx="minor">
+            <a:schemeClr val="lt1"/>
+          </a:fontRef>
+        </p:style>
+        <p:txBody>
+          <a:bodyPr lIns="0" tIns="0" rIns="0" bIns="0" rtlCol="0" anchor="t">
+            <a:normAutofit/>
+          </a:bodyPr>
+          <a:lstStyle/>
+          <a:p>
+            <a:pPr algn="r"/>
+            <a:endParaRPr lang="en-US" sz="1200" dirty="0">
+              <a:solidFill>
+                <a:schemeClr val="tx2"/>
+              </a:solidFill>
+            </a:endParaRPr>
+          </a:p>
+        </p:txBody>
+      </p:sp>
+      <p:sp>
+        <p:nvSpPr>
+          <p:cNvPr id="74" name="Rectangle 73"/>
+          <p:cNvSpPr/>
+          <p:nvPr/>
+        </p:nvSpPr>
+        <p:spPr>
+          <a:xfrm>
+            <a:off x="4026630" y="1393825"/>
+            <a:ext cx="7501646" cy="1269451"/>
+          </a:xfrm>
+          <a:prstGeom prst="rect">
+            <a:avLst/>
+          </a:prstGeom>
+          <a:solidFill>
+            <a:schemeClr val="bg1"/>
+          </a:solidFill>
+          <a:ln>
+            <a:solidFill>
+              <a:schemeClr val="bg2">
+                <a:lumMod val="75000"/>
+              </a:schemeClr>
+            </a:solidFill>
+          </a:ln>
+          <a:effectLst/>
+        </p:spPr>
+        <p:style>
+          <a:lnRef idx="1">
+            <a:schemeClr val="accent1"/>
+          </a:lnRef>
+          <a:fillRef idx="3">
+            <a:schemeClr val="accent1"/>
+          </a:fillRef>
+          <a:effectRef idx="2">
+            <a:schemeClr val="accent1"/>
+          </a:effectRef>
+          <a:fontRef idx="minor">
+            <a:schemeClr val="lt1"/>
+          </a:fontRef>
+        </p:style>
+        <p:txBody>
+          <a:bodyPr lIns="0" tIns="0" rIns="0" bIns="0" rtlCol="0" anchor="t">
+            <a:normAutofit/>
+          </a:bodyPr>
+          <a:lstStyle/>
+          <a:p>
+            <a:pPr algn="r"/>
+            <a:endParaRPr lang="en-US" sz="1200" dirty="0">
+              <a:solidFill>
+                <a:schemeClr val="tx2"/>
+              </a:solidFill>
+            </a:endParaRPr>
+          </a:p>
+        </p:txBody>
+      </p:sp>
+      <p:sp>
+        <p:nvSpPr>
+          <p:cNvPr id="90" name="Rectangle 89"/>
+          <p:cNvSpPr/>
+          <p:nvPr/>
+        </p:nvSpPr>
+        <p:spPr>
+          <a:xfrm>
+            <a:off x="4532464" y="1466856"/>
+            <a:ext cx="2971320" cy="1107671"/>
+          </a:xfrm>
+          <a:prstGeom prst="rect">
+            <a:avLst/>
+          </a:prstGeom>
+          <a:solidFill>
+            <a:schemeClr val="bg1"/>
+          </a:solidFill>
+          <a:ln>
+            <a:solidFill>
+              <a:schemeClr val="bg2">
+                <a:lumMod val="75000"/>
+              </a:schemeClr>
+            </a:solidFill>
+          </a:ln>
+          <a:effectLst/>
+        </p:spPr>
+        <p:style>
+          <a:lnRef idx="1">
+            <a:schemeClr val="accent1"/>
+          </a:lnRef>
+          <a:fillRef idx="3">
+            <a:schemeClr val="accent1"/>
+          </a:fillRef>
+          <a:effectRef idx="2">
+            <a:schemeClr val="accent1"/>
+          </a:effectRef>
+          <a:fontRef idx="minor">
+            <a:schemeClr val="lt1"/>
+          </a:fontRef>
+        </p:style>
+        <p:txBody>
+          <a:bodyPr lIns="0" tIns="0" rIns="0" bIns="0" rtlCol="0" anchor="ctr">
+            <a:normAutofit/>
+          </a:bodyPr>
+          <a:lstStyle/>
+          <a:p>
+            <a:pPr algn="ctr"/>
+            <a:endParaRPr lang="en-US" sz="1200" dirty="0">
+              <a:solidFill>
+                <a:schemeClr val="tx2"/>
+              </a:solidFill>
+            </a:endParaRPr>
+          </a:p>
+        </p:txBody>
+      </p:sp>
+      <p:sp>
+        <p:nvSpPr>
+          <p:cNvPr id="28" name="Rectangle 27"/>
+          <p:cNvSpPr/>
+          <p:nvPr/>
+        </p:nvSpPr>
+        <p:spPr>
+          <a:xfrm>
+            <a:off x="579333" y="3921020"/>
+            <a:ext cx="926275" cy="843148"/>
+          </a:xfrm>
+          <a:prstGeom prst="rect">
+            <a:avLst/>
+          </a:prstGeom>
+          <a:solidFill>
+            <a:schemeClr val="bg1"/>
+          </a:solidFill>
+          <a:ln>
+            <a:solidFill>
+              <a:schemeClr val="bg2">
+                <a:lumMod val="75000"/>
+              </a:schemeClr>
+            </a:solidFill>
+          </a:ln>
+          <a:effectLst/>
+        </p:spPr>
+        <p:style>
+          <a:lnRef idx="1">
+            <a:schemeClr val="accent1"/>
+          </a:lnRef>
+          <a:fillRef idx="3">
+            <a:schemeClr val="accent1"/>
+          </a:fillRef>
+          <a:effectRef idx="2">
+            <a:schemeClr val="accent1"/>
+          </a:effectRef>
+          <a:fontRef idx="minor">
+            <a:schemeClr val="lt1"/>
+          </a:fontRef>
+        </p:style>
+        <p:txBody>
+          <a:bodyPr lIns="0" tIns="0" rIns="0" bIns="0" rtlCol="0" anchor="ctr">
+            <a:normAutofit/>
+          </a:bodyPr>
+          <a:lstStyle/>
+          <a:p>
+            <a:pPr algn="ctr"/>
+            <a:r>
+              <a:rPr lang="en-US" sz="1200" dirty="0">
+                <a:solidFill>
+                  <a:schemeClr val="tx2"/>
+                </a:solidFill>
+              </a:rPr>
+              <a:t>RG</a:t>
+            </a:r>
+          </a:p>
+        </p:txBody>
+      </p:sp>
+      <p:sp>
+        <p:nvSpPr>
+          <p:cNvPr id="29" name="Rectangle 28"/>
+          <p:cNvSpPr/>
+          <p:nvPr/>
+        </p:nvSpPr>
+        <p:spPr>
+          <a:xfrm>
+            <a:off x="1602235" y="3921674"/>
+            <a:ext cx="362029" cy="843148"/>
+          </a:xfrm>
+          <a:prstGeom prst="rect">
+            <a:avLst/>
+          </a:prstGeom>
+          <a:solidFill>
+            <a:schemeClr val="bg1"/>
+          </a:solidFill>
+          <a:ln>
+            <a:solidFill>
+              <a:schemeClr val="bg2">
+                <a:lumMod val="75000"/>
+              </a:schemeClr>
+            </a:solidFill>
+          </a:ln>
+          <a:effectLst/>
+        </p:spPr>
+        <p:style>
+          <a:lnRef idx="1">
+            <a:schemeClr val="accent1"/>
+          </a:lnRef>
+          <a:fillRef idx="3">
+            <a:schemeClr val="accent1"/>
+          </a:fillRef>
+          <a:effectRef idx="2">
+            <a:schemeClr val="accent1"/>
+          </a:effectRef>
+          <a:fontRef idx="minor">
+            <a:schemeClr val="lt1"/>
+          </a:fontRef>
+        </p:style>
+        <p:txBody>
+          <a:bodyPr lIns="0" tIns="0" rIns="0" bIns="0" rtlCol="0" anchor="ctr"/>
+          <a:lstStyle/>
+          <a:p>
+            <a:pPr algn="ctr"/>
+            <a:r>
+              <a:rPr lang="en-US" sz="1200" dirty="0">
+                <a:solidFill>
+                  <a:schemeClr val="tx2"/>
+                </a:solidFill>
+              </a:rPr>
+              <a:t>UE</a:t>
+            </a:r>
+          </a:p>
+        </p:txBody>
+      </p:sp>
+      <p:sp>
+        <p:nvSpPr>
+          <p:cNvPr id="32" name="Rectangle 31"/>
+          <p:cNvSpPr/>
+          <p:nvPr/>
+        </p:nvSpPr>
+        <p:spPr>
+          <a:xfrm>
+            <a:off x="2149849" y="3921674"/>
+            <a:ext cx="926275" cy="843148"/>
+          </a:xfrm>
+          <a:prstGeom prst="rect">
+            <a:avLst/>
+          </a:prstGeom>
+          <a:solidFill>
+            <a:schemeClr val="bg1"/>
+          </a:solidFill>
+          <a:ln>
+            <a:solidFill>
+              <a:schemeClr val="bg2">
+                <a:lumMod val="75000"/>
+              </a:schemeClr>
+            </a:solidFill>
+          </a:ln>
+          <a:effectLst/>
+        </p:spPr>
+        <p:style>
+          <a:lnRef idx="1">
+            <a:schemeClr val="accent1"/>
+          </a:lnRef>
+          <a:fillRef idx="3">
+            <a:schemeClr val="accent1"/>
+          </a:fillRef>
+          <a:effectRef idx="2">
+            <a:schemeClr val="accent1"/>
+          </a:effectRef>
+          <a:fontRef idx="minor">
+            <a:schemeClr val="lt1"/>
+          </a:fontRef>
+        </p:style>
+        <p:txBody>
+          <a:bodyPr lIns="0" tIns="0" rIns="0" bIns="0" rtlCol="0" anchor="ctr">
+            <a:normAutofit/>
+          </a:bodyPr>
+          <a:lstStyle/>
+          <a:p>
+            <a:pPr algn="ctr"/>
+            <a:r>
+              <a:rPr lang="en-US" sz="1200" dirty="0" err="1">
+                <a:solidFill>
+                  <a:schemeClr val="tx2"/>
+                </a:solidFill>
+              </a:rPr>
+              <a:t>NodeB</a:t>
+            </a:r>
+            <a:endParaRPr lang="en-US" sz="1200" dirty="0">
+              <a:solidFill>
+                <a:schemeClr val="tx2"/>
+              </a:solidFill>
+            </a:endParaRPr>
+          </a:p>
+        </p:txBody>
+      </p:sp>
+      <p:sp>
+        <p:nvSpPr>
+          <p:cNvPr id="33" name="Rectangle 32"/>
+          <p:cNvSpPr/>
+          <p:nvPr/>
+        </p:nvSpPr>
+        <p:spPr>
+          <a:xfrm>
+            <a:off x="4549303" y="945062"/>
+            <a:ext cx="926275" cy="333955"/>
+          </a:xfrm>
+          <a:prstGeom prst="rect">
+            <a:avLst/>
+          </a:prstGeom>
+          <a:solidFill>
+            <a:schemeClr val="bg1"/>
+          </a:solidFill>
+          <a:ln>
+            <a:solidFill>
+              <a:schemeClr val="bg2">
+                <a:lumMod val="75000"/>
+              </a:schemeClr>
+            </a:solidFill>
+          </a:ln>
+          <a:effectLst/>
+        </p:spPr>
+        <p:style>
+          <a:lnRef idx="1">
+            <a:schemeClr val="accent1"/>
+          </a:lnRef>
+          <a:fillRef idx="3">
+            <a:schemeClr val="accent1"/>
+          </a:fillRef>
+          <a:effectRef idx="2">
+            <a:schemeClr val="accent1"/>
+          </a:effectRef>
+          <a:fontRef idx="minor">
+            <a:schemeClr val="lt1"/>
+          </a:fontRef>
+        </p:style>
+        <p:txBody>
+          <a:bodyPr lIns="0" tIns="0" rIns="0" bIns="0" rtlCol="0" anchor="ctr">
+            <a:normAutofit/>
+          </a:bodyPr>
+          <a:lstStyle/>
+          <a:p>
+            <a:pPr algn="ctr"/>
+            <a:r>
+              <a:rPr lang="en-US" sz="1200" dirty="0" smtClean="0">
+                <a:solidFill>
+                  <a:schemeClr val="tx2"/>
+                </a:solidFill>
+              </a:rPr>
+              <a:t>S11 Adaptor</a:t>
+            </a:r>
+            <a:endParaRPr lang="en-US" sz="1200" dirty="0">
+              <a:solidFill>
+                <a:schemeClr val="tx2"/>
+              </a:solidFill>
+            </a:endParaRPr>
+          </a:p>
+        </p:txBody>
+      </p:sp>
+      <p:sp>
+        <p:nvSpPr>
+          <p:cNvPr id="34" name="Left-Right-Up Arrow 33"/>
+          <p:cNvSpPr/>
+          <p:nvPr/>
+        </p:nvSpPr>
+        <p:spPr>
+          <a:xfrm rot="5400000">
+            <a:off x="38321" y="4134746"/>
+            <a:ext cx="665018" cy="417004"/>
+          </a:xfrm>
+          <a:prstGeom prst="leftRightUpArrow">
+            <a:avLst/>
+          </a:prstGeom>
+          <a:solidFill>
+            <a:schemeClr val="bg1"/>
+          </a:solidFill>
+          <a:ln>
+            <a:solidFill>
+              <a:schemeClr val="bg2">
+                <a:lumMod val="75000"/>
+              </a:schemeClr>
+            </a:solidFill>
+          </a:ln>
+          <a:effectLst/>
+        </p:spPr>
+        <p:style>
+          <a:lnRef idx="1">
+            <a:schemeClr val="accent1"/>
+          </a:lnRef>
+          <a:fillRef idx="3">
+            <a:schemeClr val="accent1"/>
+          </a:fillRef>
+          <a:effectRef idx="2">
+            <a:schemeClr val="accent1"/>
+          </a:effectRef>
+          <a:fontRef idx="minor">
+            <a:schemeClr val="lt1"/>
+          </a:fontRef>
+        </p:style>
+        <p:txBody>
+          <a:bodyPr rot="0" spcFirstLastPara="0" vertOverflow="overflow" horzOverflow="overflow" vert="horz" wrap="square" lIns="0" tIns="0" rIns="0" bIns="0" numCol="1" spcCol="0" rtlCol="0" fromWordArt="0" anchor="ctr" anchorCtr="0" forceAA="0" compatLnSpc="1">
+            <a:prstTxWarp prst="textNoShape">
+              <a:avLst/>
+            </a:prstTxWarp>
+            <a:noAutofit/>
+          </a:bodyPr>
+          <a:lstStyle/>
+          <a:p>
+            <a:pPr algn="ctr"/>
+            <a:endParaRPr lang="en-US" dirty="0">
+              <a:solidFill>
+                <a:schemeClr val="tx2"/>
+              </a:solidFill>
+            </a:endParaRPr>
+          </a:p>
+        </p:txBody>
+      </p:sp>
+      <p:sp>
+        <p:nvSpPr>
+          <p:cNvPr id="36" name="TextBox 35"/>
+          <p:cNvSpPr txBox="1"/>
+          <p:nvPr/>
+        </p:nvSpPr>
+        <p:spPr>
+          <a:xfrm>
+            <a:off x="124229" y="3807181"/>
+            <a:ext cx="396544" cy="159026"/>
+          </a:xfrm>
+          <a:prstGeom prst="rect">
+            <a:avLst/>
+          </a:prstGeom>
+          <a:noFill/>
+          <a:ln>
+            <a:noFill/>
+          </a:ln>
+        </p:spPr>
+        <p:txBody>
+          <a:bodyPr wrap="square" lIns="0" tIns="0" rIns="0" bIns="0" rtlCol="0">
+            <a:noAutofit/>
+          </a:bodyPr>
+          <a:lstStyle/>
+          <a:p>
+            <a:r>
+              <a:rPr lang="en-US" sz="1400" dirty="0">
+                <a:solidFill>
+                  <a:schemeClr val="tx2"/>
+                </a:solidFill>
+              </a:rPr>
+              <a:t>LAN</a:t>
+            </a:r>
+          </a:p>
+        </p:txBody>
+      </p:sp>
+      <p:cxnSp>
+        <p:nvCxnSpPr>
+          <p:cNvPr id="37" name="Straight Connector 36"/>
+          <p:cNvCxnSpPr>
+            <a:stCxn id="28" idx="3"/>
+            <a:endCxn id="29" idx="1"/>
+          </p:cNvCxnSpPr>
+          <p:nvPr/>
+        </p:nvCxnSpPr>
+        <p:spPr>
+          <a:xfrm>
+            <a:off x="1505608" y="4342594"/>
+            <a:ext cx="96627" cy="654"/>
+          </a:xfrm>
+          <a:prstGeom prst="line">
+            <a:avLst/>
+          </a:prstGeom>
+          <a:ln w="6350" cmpd="sng">
+            <a:solidFill>
+              <a:schemeClr val="accent6"/>
+            </a:solidFill>
+          </a:ln>
+          <a:effectLst/>
+        </p:spPr>
+        <p:style>
+          <a:lnRef idx="2">
+            <a:schemeClr val="accent1"/>
+          </a:lnRef>
+          <a:fillRef idx="0">
+            <a:schemeClr val="accent1"/>
+          </a:fillRef>
+          <a:effectRef idx="1">
+            <a:schemeClr val="accent1"/>
+          </a:effectRef>
+          <a:fontRef idx="minor">
+            <a:schemeClr val="tx1"/>
+          </a:fontRef>
+        </p:style>
+      </p:cxnSp>
+      <p:sp>
+        <p:nvSpPr>
+          <p:cNvPr id="39" name="Rounded Rectangle 38"/>
+          <p:cNvSpPr/>
+          <p:nvPr/>
+        </p:nvSpPr>
+        <p:spPr>
+          <a:xfrm>
+            <a:off x="2149850" y="945063"/>
+            <a:ext cx="926274" cy="333954"/>
+          </a:xfrm>
+          <a:prstGeom prst="roundRect">
+            <a:avLst>
+              <a:gd name="adj" fmla="val 40477"/>
+            </a:avLst>
+          </a:prstGeom>
+          <a:solidFill>
+            <a:schemeClr val="bg1"/>
+          </a:solidFill>
+          <a:ln w="12700">
+            <a:solidFill>
+              <a:schemeClr val="bg2">
+                <a:lumMod val="75000"/>
+              </a:schemeClr>
+            </a:solidFill>
+          </a:ln>
+          <a:effectLst/>
+        </p:spPr>
+        <p:style>
+          <a:lnRef idx="1">
+            <a:schemeClr val="accent1"/>
+          </a:lnRef>
+          <a:fillRef idx="3">
+            <a:schemeClr val="accent1"/>
+          </a:fillRef>
+          <a:effectRef idx="2">
+            <a:schemeClr val="accent1"/>
+          </a:effectRef>
+          <a:fontRef idx="minor">
+            <a:schemeClr val="lt1"/>
+          </a:fontRef>
+        </p:style>
+        <p:txBody>
+          <a:bodyPr rot="0" spcFirstLastPara="0" vertOverflow="overflow" horzOverflow="overflow" vert="horz" wrap="square" lIns="0" tIns="0" rIns="0" bIns="0" numCol="1" spcCol="0" rtlCol="0" fromWordArt="0" anchor="ctr" anchorCtr="0" forceAA="0" compatLnSpc="1">
+            <a:prstTxWarp prst="textNoShape">
+              <a:avLst/>
+            </a:prstTxWarp>
+            <a:normAutofit/>
+          </a:bodyPr>
+          <a:lstStyle/>
+          <a:p>
+            <a:pPr algn="ctr"/>
+            <a:r>
+              <a:rPr lang="en-US" sz="1000" dirty="0">
+                <a:solidFill>
+                  <a:schemeClr val="tx2"/>
+                </a:solidFill>
+              </a:rPr>
+              <a:t>MME</a:t>
+            </a:r>
+          </a:p>
+        </p:txBody>
+      </p:sp>
+      <p:sp>
+        <p:nvSpPr>
+          <p:cNvPr id="40" name="Rounded Rectangle 39"/>
+          <p:cNvSpPr/>
+          <p:nvPr/>
+        </p:nvSpPr>
+        <p:spPr>
+          <a:xfrm>
+            <a:off x="2149848" y="451835"/>
+            <a:ext cx="926275" cy="333954"/>
+          </a:xfrm>
+          <a:prstGeom prst="roundRect">
+            <a:avLst>
+              <a:gd name="adj" fmla="val 40477"/>
+            </a:avLst>
+          </a:prstGeom>
+          <a:solidFill>
+            <a:schemeClr val="bg1"/>
+          </a:solidFill>
+          <a:ln w="12700">
+            <a:solidFill>
+              <a:schemeClr val="bg2">
+                <a:lumMod val="75000"/>
+              </a:schemeClr>
+            </a:solidFill>
+          </a:ln>
+          <a:effectLst/>
+        </p:spPr>
+        <p:style>
+          <a:lnRef idx="1">
+            <a:schemeClr val="accent1"/>
+          </a:lnRef>
+          <a:fillRef idx="3">
+            <a:schemeClr val="accent1"/>
+          </a:fillRef>
+          <a:effectRef idx="2">
+            <a:schemeClr val="accent1"/>
+          </a:effectRef>
+          <a:fontRef idx="minor">
+            <a:schemeClr val="lt1"/>
+          </a:fontRef>
+        </p:style>
+        <p:txBody>
+          <a:bodyPr rot="0" spcFirstLastPara="0" vertOverflow="overflow" horzOverflow="overflow" vert="horz" wrap="square" lIns="0" tIns="0" rIns="0" bIns="0" numCol="1" spcCol="0" rtlCol="0" fromWordArt="0" anchor="ctr" anchorCtr="0" forceAA="0" compatLnSpc="1">
+            <a:prstTxWarp prst="textNoShape">
+              <a:avLst/>
+            </a:prstTxWarp>
+            <a:normAutofit/>
+          </a:bodyPr>
+          <a:lstStyle/>
+          <a:p>
+            <a:pPr algn="ctr"/>
+            <a:r>
+              <a:rPr lang="en-US" sz="1000" dirty="0">
+                <a:solidFill>
+                  <a:schemeClr val="tx2"/>
+                </a:solidFill>
+              </a:rPr>
+              <a:t>HSS</a:t>
+            </a:r>
+          </a:p>
+        </p:txBody>
+      </p:sp>
+      <p:sp>
+        <p:nvSpPr>
+          <p:cNvPr id="59" name="Rounded Rectangle 58"/>
+          <p:cNvSpPr/>
+          <p:nvPr/>
+        </p:nvSpPr>
+        <p:spPr>
+          <a:xfrm>
+            <a:off x="8387050" y="1072079"/>
+            <a:ext cx="898497" cy="204671"/>
+          </a:xfrm>
+          <a:prstGeom prst="roundRect">
+            <a:avLst>
+              <a:gd name="adj" fmla="val 40477"/>
+            </a:avLst>
+          </a:prstGeom>
+          <a:solidFill>
+            <a:schemeClr val="bg1"/>
+          </a:solidFill>
+          <a:ln w="12700">
+            <a:solidFill>
+              <a:schemeClr val="bg2">
+                <a:lumMod val="75000"/>
+              </a:schemeClr>
+            </a:solidFill>
+          </a:ln>
+          <a:effectLst/>
+        </p:spPr>
+        <p:style>
+          <a:lnRef idx="1">
+            <a:schemeClr val="accent1"/>
+          </a:lnRef>
+          <a:fillRef idx="3">
+            <a:schemeClr val="accent1"/>
+          </a:fillRef>
+          <a:effectRef idx="2">
+            <a:schemeClr val="accent1"/>
+          </a:effectRef>
+          <a:fontRef idx="minor">
+            <a:schemeClr val="lt1"/>
+          </a:fontRef>
+        </p:style>
+        <p:txBody>
+          <a:bodyPr rot="0" spcFirstLastPara="0" vertOverflow="overflow" horzOverflow="overflow" vert="horz" wrap="square" lIns="0" tIns="0" rIns="0" bIns="0" numCol="1" spcCol="0" rtlCol="0" fromWordArt="0" anchor="ctr" anchorCtr="0" forceAA="0" compatLnSpc="1">
+            <a:prstTxWarp prst="textNoShape">
+              <a:avLst/>
+            </a:prstTxWarp>
+            <a:normAutofit/>
+          </a:bodyPr>
+          <a:lstStyle/>
+          <a:p>
+            <a:pPr algn="ctr"/>
+            <a:r>
+              <a:rPr lang="en-US" sz="1000" dirty="0">
+                <a:solidFill>
+                  <a:schemeClr val="tx2"/>
+                </a:solidFill>
+              </a:rPr>
+              <a:t>RADIUS</a:t>
+            </a:r>
+          </a:p>
+        </p:txBody>
+      </p:sp>
+      <p:cxnSp>
+        <p:nvCxnSpPr>
+          <p:cNvPr id="10" name="Straight Arrow Connector 9"/>
+          <p:cNvCxnSpPr>
+            <a:stCxn id="29" idx="3"/>
+            <a:endCxn id="32" idx="1"/>
+          </p:cNvCxnSpPr>
+          <p:nvPr/>
+        </p:nvCxnSpPr>
+        <p:spPr>
+          <a:xfrm>
+            <a:off x="1964264" y="4343248"/>
+            <a:ext cx="185585" cy="0"/>
+          </a:xfrm>
+          <a:prstGeom prst="straightConnector1">
+            <a:avLst/>
+          </a:prstGeom>
+          <a:ln w="6350" cmpd="sng">
+            <a:solidFill>
+              <a:schemeClr val="accent6"/>
+            </a:solidFill>
+            <a:headEnd type="triangle"/>
+            <a:tailEnd type="triangle"/>
+          </a:ln>
+          <a:effectLst/>
+        </p:spPr>
+        <p:style>
+          <a:lnRef idx="2">
+            <a:schemeClr val="accent1"/>
+          </a:lnRef>
+          <a:fillRef idx="0">
+            <a:schemeClr val="accent1"/>
+          </a:fillRef>
+          <a:effectRef idx="1">
+            <a:schemeClr val="accent1"/>
+          </a:effectRef>
+          <a:fontRef idx="minor">
+            <a:schemeClr val="tx1"/>
+          </a:fontRef>
+        </p:style>
+      </p:cxnSp>
+      <p:cxnSp>
+        <p:nvCxnSpPr>
+          <p:cNvPr id="64" name="Straight Arrow Connector 63"/>
+          <p:cNvCxnSpPr>
+            <a:stCxn id="39" idx="2"/>
+            <a:endCxn id="32" idx="0"/>
+          </p:cNvCxnSpPr>
+          <p:nvPr/>
+        </p:nvCxnSpPr>
+        <p:spPr>
+          <a:xfrm>
+            <a:off x="2612987" y="1279017"/>
+            <a:ext cx="0" cy="2642657"/>
+          </a:xfrm>
+          <a:prstGeom prst="straightConnector1">
+            <a:avLst/>
+          </a:prstGeom>
+          <a:ln w="6350" cmpd="sng">
+            <a:solidFill>
+              <a:schemeClr val="accent6"/>
+            </a:solidFill>
+            <a:headEnd type="triangle"/>
+            <a:tailEnd type="triangle"/>
+          </a:ln>
+          <a:effectLst/>
+        </p:spPr>
+        <p:style>
+          <a:lnRef idx="2">
+            <a:schemeClr val="accent1"/>
+          </a:lnRef>
+          <a:fillRef idx="0">
+            <a:schemeClr val="accent1"/>
+          </a:fillRef>
+          <a:effectRef idx="1">
+            <a:schemeClr val="accent1"/>
+          </a:effectRef>
+          <a:fontRef idx="minor">
+            <a:schemeClr val="tx1"/>
+          </a:fontRef>
+        </p:style>
+      </p:cxnSp>
+      <p:cxnSp>
+        <p:nvCxnSpPr>
+          <p:cNvPr id="67" name="Straight Arrow Connector 66"/>
+          <p:cNvCxnSpPr>
+            <a:stCxn id="39" idx="3"/>
+            <a:endCxn id="33" idx="1"/>
+          </p:cNvCxnSpPr>
+          <p:nvPr/>
+        </p:nvCxnSpPr>
+        <p:spPr>
+          <a:xfrm>
+            <a:off x="3076124" y="1112040"/>
+            <a:ext cx="1473179" cy="0"/>
+          </a:xfrm>
+          <a:prstGeom prst="straightConnector1">
+            <a:avLst/>
+          </a:prstGeom>
+          <a:ln w="6350" cmpd="sng">
+            <a:solidFill>
+              <a:schemeClr val="accent6"/>
+            </a:solidFill>
+            <a:headEnd type="triangle"/>
+            <a:tailEnd type="triangle"/>
+          </a:ln>
+          <a:effectLst/>
+        </p:spPr>
+        <p:style>
+          <a:lnRef idx="2">
+            <a:schemeClr val="accent1"/>
+          </a:lnRef>
+          <a:fillRef idx="0">
+            <a:schemeClr val="accent1"/>
+          </a:fillRef>
+          <a:effectRef idx="1">
+            <a:schemeClr val="accent1"/>
+          </a:effectRef>
+          <a:fontRef idx="minor">
+            <a:schemeClr val="tx1"/>
+          </a:fontRef>
+        </p:style>
+      </p:cxnSp>
+      <p:cxnSp>
+        <p:nvCxnSpPr>
+          <p:cNvPr id="71" name="Straight Arrow Connector 70"/>
+          <p:cNvCxnSpPr>
+            <a:stCxn id="32" idx="3"/>
+            <a:endCxn id="131" idx="1"/>
+          </p:cNvCxnSpPr>
+          <p:nvPr/>
+        </p:nvCxnSpPr>
+        <p:spPr>
+          <a:xfrm>
+            <a:off x="3076124" y="4343248"/>
+            <a:ext cx="591886" cy="6454"/>
+          </a:xfrm>
+          <a:prstGeom prst="straightConnector1">
+            <a:avLst/>
+          </a:prstGeom>
+          <a:ln w="6350" cmpd="sng">
+            <a:solidFill>
+              <a:schemeClr val="accent6"/>
+            </a:solidFill>
+            <a:headEnd type="triangle"/>
+            <a:tailEnd type="triangle"/>
+          </a:ln>
+          <a:effectLst/>
+        </p:spPr>
+        <p:style>
+          <a:lnRef idx="2">
+            <a:schemeClr val="accent1"/>
+          </a:lnRef>
+          <a:fillRef idx="0">
+            <a:schemeClr val="accent1"/>
+          </a:fillRef>
+          <a:effectRef idx="1">
+            <a:schemeClr val="accent1"/>
+          </a:effectRef>
+          <a:fontRef idx="minor">
+            <a:schemeClr val="tx1"/>
+          </a:fontRef>
+        </p:style>
+      </p:cxnSp>
+      <p:sp>
+        <p:nvSpPr>
+          <p:cNvPr id="76" name="TextBox 75"/>
+          <p:cNvSpPr txBox="1"/>
+          <p:nvPr/>
+        </p:nvSpPr>
+        <p:spPr>
+          <a:xfrm>
+            <a:off x="2679283" y="3733486"/>
+            <a:ext cx="476733" cy="125213"/>
+          </a:xfrm>
+          <a:prstGeom prst="rect">
+            <a:avLst/>
+          </a:prstGeom>
+          <a:noFill/>
+          <a:ln>
+            <a:noFill/>
+          </a:ln>
+        </p:spPr>
+        <p:txBody>
+          <a:bodyPr wrap="square" lIns="0" tIns="0" rIns="0" bIns="0" rtlCol="0" anchor="ctr">
+            <a:normAutofit fontScale="92500" lnSpcReduction="20000"/>
+          </a:bodyPr>
+          <a:lstStyle>
+            <a:defPPr>
+              <a:defRPr lang="en-US"/>
+            </a:defPPr>
+            <a:lvl1pPr algn="ctr">
+              <a:defRPr sz="1100">
+                <a:solidFill>
+                  <a:schemeClr val="tx2"/>
+                </a:solidFill>
+              </a:defRPr>
+            </a:lvl1pPr>
+          </a:lstStyle>
+          <a:p>
+            <a:r>
+              <a:rPr lang="en-US" dirty="0"/>
+              <a:t>S1-MME</a:t>
+            </a:r>
+          </a:p>
+        </p:txBody>
+      </p:sp>
+      <p:sp>
+        <p:nvSpPr>
+          <p:cNvPr id="78" name="TextBox 77"/>
+          <p:cNvSpPr txBox="1"/>
+          <p:nvPr/>
+        </p:nvSpPr>
+        <p:spPr>
+          <a:xfrm>
+            <a:off x="3164484" y="4217380"/>
+            <a:ext cx="476733" cy="125213"/>
+          </a:xfrm>
+          <a:prstGeom prst="rect">
+            <a:avLst/>
+          </a:prstGeom>
+          <a:noFill/>
+          <a:ln>
+            <a:noFill/>
+          </a:ln>
+        </p:spPr>
+        <p:txBody>
+          <a:bodyPr wrap="square" lIns="0" tIns="0" rIns="0" bIns="0" rtlCol="0" anchor="ctr">
+            <a:normAutofit fontScale="92500" lnSpcReduction="20000"/>
+          </a:bodyPr>
+          <a:lstStyle>
+            <a:defPPr>
+              <a:defRPr lang="en-US"/>
+            </a:defPPr>
+            <a:lvl1pPr algn="ctr">
+              <a:defRPr sz="1100">
+                <a:solidFill>
+                  <a:schemeClr val="tx2"/>
+                </a:solidFill>
+              </a:defRPr>
+            </a:lvl1pPr>
+          </a:lstStyle>
+          <a:p>
+            <a:r>
+              <a:rPr lang="en-US" dirty="0"/>
+              <a:t>GTP-U</a:t>
+            </a:r>
+          </a:p>
+        </p:txBody>
+      </p:sp>
+      <p:sp>
+        <p:nvSpPr>
+          <p:cNvPr id="80" name="TextBox 79"/>
+          <p:cNvSpPr txBox="1"/>
+          <p:nvPr/>
+        </p:nvSpPr>
+        <p:spPr>
+          <a:xfrm>
+            <a:off x="3198352" y="986826"/>
+            <a:ext cx="535443" cy="125213"/>
+          </a:xfrm>
+          <a:prstGeom prst="rect">
+            <a:avLst/>
+          </a:prstGeom>
+          <a:noFill/>
+          <a:ln>
+            <a:noFill/>
+          </a:ln>
+        </p:spPr>
+        <p:txBody>
+          <a:bodyPr wrap="square" lIns="0" tIns="0" rIns="0" bIns="0" rtlCol="0" anchor="ctr">
+            <a:normAutofit fontScale="70000" lnSpcReduction="20000"/>
+          </a:bodyPr>
+          <a:lstStyle/>
+          <a:p>
+            <a:pPr algn="ctr"/>
+            <a:r>
+              <a:rPr lang="en-US" sz="1100" dirty="0" smtClean="0">
+                <a:solidFill>
+                  <a:schemeClr val="tx2"/>
+                </a:solidFill>
+              </a:rPr>
+              <a:t>S11|GTPV2C</a:t>
+            </a:r>
+            <a:endParaRPr lang="en-US" sz="1100" dirty="0">
+              <a:solidFill>
+                <a:schemeClr val="tx2"/>
+              </a:solidFill>
+            </a:endParaRPr>
+          </a:p>
+        </p:txBody>
+      </p:sp>
+      <p:sp>
+        <p:nvSpPr>
+          <p:cNvPr id="81" name="Flowchart: Magnetic Disk 80"/>
+          <p:cNvSpPr/>
+          <p:nvPr/>
+        </p:nvSpPr>
+        <p:spPr>
+          <a:xfrm>
+            <a:off x="5545463" y="1852130"/>
+            <a:ext cx="926275" cy="333955"/>
+          </a:xfrm>
+          <a:prstGeom prst="flowChartMagneticDisk">
+            <a:avLst/>
+          </a:prstGeom>
+          <a:solidFill>
+            <a:schemeClr val="bg1"/>
+          </a:solidFill>
+          <a:ln w="12700">
+            <a:solidFill>
+              <a:schemeClr val="bg2">
+                <a:lumMod val="75000"/>
+              </a:schemeClr>
+            </a:solidFill>
+          </a:ln>
+          <a:effectLst/>
+        </p:spPr>
+        <p:style>
+          <a:lnRef idx="1">
+            <a:schemeClr val="accent1"/>
+          </a:lnRef>
+          <a:fillRef idx="3">
+            <a:schemeClr val="accent1"/>
+          </a:fillRef>
+          <a:effectRef idx="2">
+            <a:schemeClr val="accent1"/>
+          </a:effectRef>
+          <a:fontRef idx="minor">
+            <a:schemeClr val="lt1"/>
+          </a:fontRef>
+        </p:style>
+        <p:txBody>
+          <a:bodyPr rot="0" spcFirstLastPara="0" vertOverflow="overflow" horzOverflow="overflow" vert="horz" wrap="square" lIns="0" tIns="0" rIns="0" bIns="0" numCol="1" spcCol="0" rtlCol="0" fromWordArt="0" anchor="ctr" anchorCtr="0" forceAA="0" compatLnSpc="1">
+            <a:prstTxWarp prst="textNoShape">
+              <a:avLst/>
+            </a:prstTxWarp>
+            <a:normAutofit/>
+          </a:bodyPr>
+          <a:lstStyle/>
+          <a:p>
+            <a:pPr algn="ctr"/>
+            <a:r>
+              <a:rPr lang="en-US" sz="1050" dirty="0" smtClean="0">
+                <a:solidFill>
+                  <a:schemeClr val="tx2"/>
+                </a:solidFill>
+              </a:rPr>
+              <a:t>UE FTEID Hash</a:t>
+            </a:r>
+            <a:endParaRPr lang="en-US" sz="1050" dirty="0">
+              <a:solidFill>
+                <a:schemeClr val="tx2"/>
+              </a:solidFill>
+            </a:endParaRPr>
+          </a:p>
+        </p:txBody>
+      </p:sp>
+      <p:sp>
+        <p:nvSpPr>
+          <p:cNvPr id="82" name="Flowchart: Magnetic Disk 81"/>
+          <p:cNvSpPr/>
+          <p:nvPr/>
+        </p:nvSpPr>
+        <p:spPr>
+          <a:xfrm>
+            <a:off x="6544530" y="1852130"/>
+            <a:ext cx="926275" cy="333955"/>
+          </a:xfrm>
+          <a:prstGeom prst="flowChartMagneticDisk">
+            <a:avLst/>
+          </a:prstGeom>
+          <a:solidFill>
+            <a:schemeClr val="bg1"/>
+          </a:solidFill>
+          <a:ln w="12700">
+            <a:solidFill>
+              <a:schemeClr val="bg2">
+                <a:lumMod val="75000"/>
+              </a:schemeClr>
+            </a:solidFill>
+          </a:ln>
+          <a:effectLst/>
+        </p:spPr>
+        <p:style>
+          <a:lnRef idx="1">
+            <a:schemeClr val="accent1"/>
+          </a:lnRef>
+          <a:fillRef idx="3">
+            <a:schemeClr val="accent1"/>
+          </a:fillRef>
+          <a:effectRef idx="2">
+            <a:schemeClr val="accent1"/>
+          </a:effectRef>
+          <a:fontRef idx="minor">
+            <a:schemeClr val="lt1"/>
+          </a:fontRef>
+        </p:style>
+        <p:txBody>
+          <a:bodyPr rot="0" spcFirstLastPara="0" vertOverflow="overflow" horzOverflow="overflow" vert="horz" wrap="square" lIns="0" tIns="0" rIns="0" bIns="0" numCol="1" spcCol="0" rtlCol="0" fromWordArt="0" anchor="ctr" anchorCtr="0" forceAA="0" compatLnSpc="1">
+            <a:prstTxWarp prst="textNoShape">
+              <a:avLst/>
+            </a:prstTxWarp>
+            <a:normAutofit/>
+          </a:bodyPr>
+          <a:lstStyle/>
+          <a:p>
+            <a:pPr algn="ctr"/>
+            <a:r>
+              <a:rPr lang="en-US" sz="1050" dirty="0" smtClean="0">
+                <a:solidFill>
+                  <a:schemeClr val="tx2"/>
+                </a:solidFill>
+              </a:rPr>
+              <a:t>UE IMSI Hash</a:t>
+            </a:r>
+            <a:endParaRPr lang="en-US" sz="1050" dirty="0">
+              <a:solidFill>
+                <a:schemeClr val="tx2"/>
+              </a:solidFill>
+            </a:endParaRPr>
+          </a:p>
+        </p:txBody>
+      </p:sp>
+      <p:sp>
+        <p:nvSpPr>
+          <p:cNvPr id="83" name="Rectangle 82"/>
+          <p:cNvSpPr/>
+          <p:nvPr/>
+        </p:nvSpPr>
+        <p:spPr>
+          <a:xfrm>
+            <a:off x="4554865" y="1495207"/>
+            <a:ext cx="926275" cy="333955"/>
+          </a:xfrm>
+          <a:prstGeom prst="rect">
+            <a:avLst/>
+          </a:prstGeom>
+          <a:solidFill>
+            <a:schemeClr val="bg1"/>
+          </a:solidFill>
+          <a:ln>
+            <a:solidFill>
+              <a:schemeClr val="bg2">
+                <a:lumMod val="75000"/>
+              </a:schemeClr>
+            </a:solidFill>
+          </a:ln>
+          <a:effectLst/>
+        </p:spPr>
+        <p:style>
+          <a:lnRef idx="1">
+            <a:schemeClr val="accent1"/>
+          </a:lnRef>
+          <a:fillRef idx="3">
+            <a:schemeClr val="accent1"/>
+          </a:fillRef>
+          <a:effectRef idx="2">
+            <a:schemeClr val="accent1"/>
+          </a:effectRef>
+          <a:fontRef idx="minor">
+            <a:schemeClr val="lt1"/>
+          </a:fontRef>
+        </p:style>
+        <p:txBody>
+          <a:bodyPr lIns="0" tIns="0" rIns="0" bIns="0" rtlCol="0" anchor="ctr">
+            <a:normAutofit/>
+          </a:bodyPr>
+          <a:lstStyle/>
+          <a:p>
+            <a:pPr algn="ctr"/>
+            <a:r>
+              <a:rPr lang="en-US" sz="1000" dirty="0" smtClean="0">
+                <a:solidFill>
+                  <a:schemeClr val="tx2"/>
+                </a:solidFill>
+              </a:rPr>
+              <a:t>Select/Update engine</a:t>
+            </a:r>
+            <a:endParaRPr lang="en-US" sz="1000" dirty="0">
+              <a:solidFill>
+                <a:schemeClr val="tx2"/>
+              </a:solidFill>
+            </a:endParaRPr>
+          </a:p>
+        </p:txBody>
+      </p:sp>
+      <p:sp>
+        <p:nvSpPr>
+          <p:cNvPr id="84" name="Rectangle 83"/>
+          <p:cNvSpPr/>
+          <p:nvPr/>
+        </p:nvSpPr>
+        <p:spPr>
+          <a:xfrm>
+            <a:off x="4554865" y="1852130"/>
+            <a:ext cx="926275" cy="333955"/>
+          </a:xfrm>
+          <a:prstGeom prst="rect">
+            <a:avLst/>
+          </a:prstGeom>
+          <a:solidFill>
+            <a:schemeClr val="bg1"/>
+          </a:solidFill>
+          <a:ln>
+            <a:solidFill>
+              <a:schemeClr val="bg2">
+                <a:lumMod val="75000"/>
+              </a:schemeClr>
+            </a:solidFill>
+          </a:ln>
+          <a:effectLst/>
+        </p:spPr>
+        <p:style>
+          <a:lnRef idx="1">
+            <a:schemeClr val="accent1"/>
+          </a:lnRef>
+          <a:fillRef idx="3">
+            <a:schemeClr val="accent1"/>
+          </a:fillRef>
+          <a:effectRef idx="2">
+            <a:schemeClr val="accent1"/>
+          </a:effectRef>
+          <a:fontRef idx="minor">
+            <a:schemeClr val="lt1"/>
+          </a:fontRef>
+        </p:style>
+        <p:txBody>
+          <a:bodyPr lIns="0" tIns="0" rIns="0" bIns="0" rtlCol="0" anchor="ctr">
+            <a:normAutofit/>
+          </a:bodyPr>
+          <a:lstStyle/>
+          <a:p>
+            <a:pPr algn="ctr"/>
+            <a:r>
+              <a:rPr lang="en-US" sz="1000" dirty="0" smtClean="0">
+                <a:solidFill>
+                  <a:schemeClr val="tx2"/>
+                </a:solidFill>
+              </a:rPr>
+              <a:t>S11 Event Reflector </a:t>
+            </a:r>
+            <a:r>
+              <a:rPr lang="en-US" sz="1000" dirty="0" err="1" smtClean="0">
+                <a:solidFill>
+                  <a:schemeClr val="tx2"/>
+                </a:solidFill>
+              </a:rPr>
+              <a:t>Tbl</a:t>
+            </a:r>
+            <a:endParaRPr lang="en-US" sz="1000" dirty="0">
+              <a:solidFill>
+                <a:schemeClr val="tx2"/>
+              </a:solidFill>
+            </a:endParaRPr>
+          </a:p>
+        </p:txBody>
+      </p:sp>
+      <p:sp>
+        <p:nvSpPr>
+          <p:cNvPr id="86" name="Rectangle 85"/>
+          <p:cNvSpPr/>
+          <p:nvPr/>
+        </p:nvSpPr>
+        <p:spPr>
+          <a:xfrm>
+            <a:off x="4549303" y="2212568"/>
+            <a:ext cx="926275" cy="333955"/>
+          </a:xfrm>
+          <a:prstGeom prst="rect">
+            <a:avLst/>
+          </a:prstGeom>
+          <a:solidFill>
+            <a:schemeClr val="bg1"/>
+          </a:solidFill>
+          <a:ln>
+            <a:solidFill>
+              <a:schemeClr val="bg2">
+                <a:lumMod val="75000"/>
+              </a:schemeClr>
+            </a:solidFill>
+          </a:ln>
+          <a:effectLst/>
+        </p:spPr>
+        <p:style>
+          <a:lnRef idx="1">
+            <a:schemeClr val="accent1"/>
+          </a:lnRef>
+          <a:fillRef idx="3">
+            <a:schemeClr val="accent1"/>
+          </a:fillRef>
+          <a:effectRef idx="2">
+            <a:schemeClr val="accent1"/>
+          </a:effectRef>
+          <a:fontRef idx="minor">
+            <a:schemeClr val="lt1"/>
+          </a:fontRef>
+        </p:style>
+        <p:txBody>
+          <a:bodyPr lIns="0" tIns="0" rIns="0" bIns="0" rtlCol="0" anchor="ctr">
+            <a:normAutofit/>
+          </a:bodyPr>
+          <a:lstStyle/>
+          <a:p>
+            <a:pPr algn="ctr"/>
+            <a:r>
+              <a:rPr lang="en-US" sz="1000" dirty="0" smtClean="0">
+                <a:solidFill>
+                  <a:schemeClr val="tx2"/>
+                </a:solidFill>
+              </a:rPr>
+              <a:t>Query/Update engine</a:t>
+            </a:r>
+            <a:endParaRPr lang="en-US" sz="1000" dirty="0">
+              <a:solidFill>
+                <a:schemeClr val="tx2"/>
+              </a:solidFill>
+            </a:endParaRPr>
+          </a:p>
+        </p:txBody>
+      </p:sp>
+      <p:cxnSp>
+        <p:nvCxnSpPr>
+          <p:cNvPr id="88" name="Straight Arrow Connector 87"/>
+          <p:cNvCxnSpPr>
+            <a:stCxn id="84" idx="3"/>
+            <a:endCxn id="81" idx="2"/>
+          </p:cNvCxnSpPr>
+          <p:nvPr/>
+        </p:nvCxnSpPr>
+        <p:spPr>
+          <a:xfrm>
+            <a:off x="5481140" y="2019108"/>
+            <a:ext cx="64323" cy="0"/>
+          </a:xfrm>
+          <a:prstGeom prst="straightConnector1">
+            <a:avLst/>
+          </a:prstGeom>
+          <a:ln w="6350" cmpd="sng">
+            <a:solidFill>
+              <a:schemeClr val="accent6"/>
+            </a:solidFill>
+            <a:headEnd type="triangle"/>
+            <a:tailEnd type="triangle"/>
+          </a:ln>
+          <a:effectLst/>
+        </p:spPr>
+        <p:style>
+          <a:lnRef idx="2">
+            <a:schemeClr val="accent1"/>
+          </a:lnRef>
+          <a:fillRef idx="0">
+            <a:schemeClr val="accent1"/>
+          </a:fillRef>
+          <a:effectRef idx="1">
+            <a:schemeClr val="accent1"/>
+          </a:effectRef>
+          <a:fontRef idx="minor">
+            <a:schemeClr val="tx1"/>
+          </a:fontRef>
+        </p:style>
+      </p:cxnSp>
+      <p:cxnSp>
+        <p:nvCxnSpPr>
+          <p:cNvPr id="89" name="Straight Arrow Connector 88"/>
+          <p:cNvCxnSpPr>
+            <a:stCxn id="81" idx="4"/>
+            <a:endCxn id="82" idx="2"/>
+          </p:cNvCxnSpPr>
+          <p:nvPr/>
+        </p:nvCxnSpPr>
+        <p:spPr>
+          <a:xfrm>
+            <a:off x="6471738" y="2019108"/>
+            <a:ext cx="72792" cy="0"/>
+          </a:xfrm>
+          <a:prstGeom prst="straightConnector1">
+            <a:avLst/>
+          </a:prstGeom>
+          <a:ln w="6350" cmpd="sng">
+            <a:solidFill>
+              <a:schemeClr val="accent6"/>
+            </a:solidFill>
+            <a:headEnd type="triangle"/>
+            <a:tailEnd type="triangle"/>
+          </a:ln>
+          <a:effectLst/>
+        </p:spPr>
+        <p:style>
+          <a:lnRef idx="2">
+            <a:schemeClr val="accent1"/>
+          </a:lnRef>
+          <a:fillRef idx="0">
+            <a:schemeClr val="accent1"/>
+          </a:fillRef>
+          <a:effectRef idx="1">
+            <a:schemeClr val="accent1"/>
+          </a:effectRef>
+          <a:fontRef idx="minor">
+            <a:schemeClr val="tx1"/>
+          </a:fontRef>
+        </p:style>
+      </p:cxnSp>
+      <p:sp>
+        <p:nvSpPr>
+          <p:cNvPr id="91" name="TextBox 90"/>
+          <p:cNvSpPr txBox="1"/>
+          <p:nvPr/>
+        </p:nvSpPr>
+        <p:spPr>
+          <a:xfrm>
+            <a:off x="6687892" y="1463688"/>
+            <a:ext cx="815892" cy="176534"/>
+          </a:xfrm>
+          <a:prstGeom prst="rect">
+            <a:avLst/>
+          </a:prstGeom>
+          <a:noFill/>
+          <a:ln>
+            <a:noFill/>
+          </a:ln>
+        </p:spPr>
+        <p:txBody>
+          <a:bodyPr wrap="square" lIns="0" tIns="0" rIns="0" bIns="0" rtlCol="0" anchor="ctr">
+            <a:normAutofit/>
+          </a:bodyPr>
+          <a:lstStyle/>
+          <a:p>
+            <a:pPr algn="ctr"/>
+            <a:r>
+              <a:rPr lang="en-US" sz="900" b="1" dirty="0" smtClean="0">
+                <a:solidFill>
+                  <a:schemeClr val="tx2"/>
+                </a:solidFill>
+              </a:rPr>
+              <a:t>UE Context DB</a:t>
+            </a:r>
+            <a:endParaRPr lang="en-US" sz="900" b="1" dirty="0">
+              <a:solidFill>
+                <a:schemeClr val="tx2"/>
+              </a:solidFill>
+            </a:endParaRPr>
+          </a:p>
+        </p:txBody>
+      </p:sp>
+      <p:sp>
+        <p:nvSpPr>
+          <p:cNvPr id="92" name="Rectangle 91"/>
+          <p:cNvSpPr/>
+          <p:nvPr/>
+        </p:nvSpPr>
+        <p:spPr>
+          <a:xfrm>
+            <a:off x="8359647" y="1466856"/>
+            <a:ext cx="2157294" cy="1107671"/>
+          </a:xfrm>
+          <a:prstGeom prst="rect">
+            <a:avLst/>
+          </a:prstGeom>
+          <a:solidFill>
+            <a:schemeClr val="bg1"/>
+          </a:solidFill>
+          <a:ln>
+            <a:solidFill>
+              <a:schemeClr val="bg2">
+                <a:lumMod val="75000"/>
+              </a:schemeClr>
+            </a:solidFill>
+          </a:ln>
+          <a:effectLst/>
+        </p:spPr>
+        <p:style>
+          <a:lnRef idx="1">
+            <a:schemeClr val="accent1"/>
+          </a:lnRef>
+          <a:fillRef idx="3">
+            <a:schemeClr val="accent1"/>
+          </a:fillRef>
+          <a:effectRef idx="2">
+            <a:schemeClr val="accent1"/>
+          </a:effectRef>
+          <a:fontRef idx="minor">
+            <a:schemeClr val="lt1"/>
+          </a:fontRef>
+        </p:style>
+        <p:txBody>
+          <a:bodyPr lIns="0" tIns="0" rIns="0" bIns="0" rtlCol="0" anchor="ctr">
+            <a:normAutofit/>
+          </a:bodyPr>
+          <a:lstStyle/>
+          <a:p>
+            <a:pPr algn="ctr"/>
+            <a:endParaRPr lang="en-US" sz="1200" dirty="0">
+              <a:solidFill>
+                <a:schemeClr val="tx2"/>
+              </a:solidFill>
+            </a:endParaRPr>
+          </a:p>
+        </p:txBody>
+      </p:sp>
+      <p:sp>
+        <p:nvSpPr>
+          <p:cNvPr id="93" name="Flowchart: Magnetic Disk 92"/>
+          <p:cNvSpPr/>
+          <p:nvPr/>
+        </p:nvSpPr>
+        <p:spPr>
+          <a:xfrm>
+            <a:off x="9372646" y="1852130"/>
+            <a:ext cx="926275" cy="333955"/>
+          </a:xfrm>
+          <a:prstGeom prst="flowChartMagneticDisk">
+            <a:avLst/>
+          </a:prstGeom>
+          <a:solidFill>
+            <a:schemeClr val="bg1"/>
+          </a:solidFill>
+          <a:ln w="12700">
+            <a:solidFill>
+              <a:schemeClr val="bg2">
+                <a:lumMod val="75000"/>
+              </a:schemeClr>
+            </a:solidFill>
+          </a:ln>
+          <a:effectLst/>
+        </p:spPr>
+        <p:style>
+          <a:lnRef idx="1">
+            <a:schemeClr val="accent1"/>
+          </a:lnRef>
+          <a:fillRef idx="3">
+            <a:schemeClr val="accent1"/>
+          </a:fillRef>
+          <a:effectRef idx="2">
+            <a:schemeClr val="accent1"/>
+          </a:effectRef>
+          <a:fontRef idx="minor">
+            <a:schemeClr val="lt1"/>
+          </a:fontRef>
+        </p:style>
+        <p:txBody>
+          <a:bodyPr rot="0" spcFirstLastPara="0" vertOverflow="overflow" horzOverflow="overflow" vert="horz" wrap="square" lIns="0" tIns="0" rIns="0" bIns="0" numCol="1" spcCol="0" rtlCol="0" fromWordArt="0" anchor="ctr" anchorCtr="0" forceAA="0" compatLnSpc="1">
+            <a:prstTxWarp prst="textNoShape">
+              <a:avLst/>
+            </a:prstTxWarp>
+            <a:normAutofit/>
+          </a:bodyPr>
+          <a:lstStyle/>
+          <a:p>
+            <a:pPr algn="ctr"/>
+            <a:r>
+              <a:rPr lang="en-US" sz="1050" dirty="0" err="1">
+                <a:solidFill>
+                  <a:schemeClr val="tx2"/>
+                </a:solidFill>
+              </a:rPr>
+              <a:t>bng_sla_hash</a:t>
+            </a:r>
+            <a:endParaRPr lang="en-US" sz="1050" dirty="0">
+              <a:solidFill>
+                <a:schemeClr val="tx2"/>
+              </a:solidFill>
+            </a:endParaRPr>
+          </a:p>
+        </p:txBody>
+      </p:sp>
+      <p:sp>
+        <p:nvSpPr>
+          <p:cNvPr id="95" name="Rectangle 94"/>
+          <p:cNvSpPr/>
+          <p:nvPr/>
+        </p:nvSpPr>
+        <p:spPr>
+          <a:xfrm>
+            <a:off x="8382048" y="1495207"/>
+            <a:ext cx="926275" cy="333955"/>
+          </a:xfrm>
+          <a:prstGeom prst="rect">
+            <a:avLst/>
+          </a:prstGeom>
+          <a:solidFill>
+            <a:schemeClr val="bg1"/>
+          </a:solidFill>
+          <a:ln>
+            <a:solidFill>
+              <a:schemeClr val="bg2">
+                <a:lumMod val="75000"/>
+              </a:schemeClr>
+            </a:solidFill>
+          </a:ln>
+          <a:effectLst/>
+        </p:spPr>
+        <p:style>
+          <a:lnRef idx="1">
+            <a:schemeClr val="accent1"/>
+          </a:lnRef>
+          <a:fillRef idx="3">
+            <a:schemeClr val="accent1"/>
+          </a:fillRef>
+          <a:effectRef idx="2">
+            <a:schemeClr val="accent1"/>
+          </a:effectRef>
+          <a:fontRef idx="minor">
+            <a:schemeClr val="lt1"/>
+          </a:fontRef>
+        </p:style>
+        <p:txBody>
+          <a:bodyPr lIns="0" tIns="0" rIns="0" bIns="0" rtlCol="0" anchor="ctr">
+            <a:normAutofit/>
+          </a:bodyPr>
+          <a:lstStyle/>
+          <a:p>
+            <a:pPr algn="ctr"/>
+            <a:r>
+              <a:rPr lang="en-US" sz="1000" dirty="0" smtClean="0">
+                <a:solidFill>
+                  <a:schemeClr val="tx2"/>
+                </a:solidFill>
+              </a:rPr>
+              <a:t>Select/Update engine</a:t>
+            </a:r>
+            <a:endParaRPr lang="en-US" sz="1000" dirty="0">
+              <a:solidFill>
+                <a:schemeClr val="tx2"/>
+              </a:solidFill>
+            </a:endParaRPr>
+          </a:p>
+        </p:txBody>
+      </p:sp>
+      <p:sp>
+        <p:nvSpPr>
+          <p:cNvPr id="96" name="Rectangle 95"/>
+          <p:cNvSpPr/>
+          <p:nvPr/>
+        </p:nvSpPr>
+        <p:spPr>
+          <a:xfrm>
+            <a:off x="8382048" y="1852130"/>
+            <a:ext cx="926275" cy="333955"/>
+          </a:xfrm>
+          <a:prstGeom prst="rect">
+            <a:avLst/>
+          </a:prstGeom>
+          <a:solidFill>
+            <a:schemeClr val="bg1"/>
+          </a:solidFill>
+          <a:ln>
+            <a:solidFill>
+              <a:schemeClr val="bg2">
+                <a:lumMod val="75000"/>
+              </a:schemeClr>
+            </a:solidFill>
+          </a:ln>
+          <a:effectLst/>
+        </p:spPr>
+        <p:style>
+          <a:lnRef idx="1">
+            <a:schemeClr val="accent1"/>
+          </a:lnRef>
+          <a:fillRef idx="3">
+            <a:schemeClr val="accent1"/>
+          </a:fillRef>
+          <a:effectRef idx="2">
+            <a:schemeClr val="accent1"/>
+          </a:effectRef>
+          <a:fontRef idx="minor">
+            <a:schemeClr val="lt1"/>
+          </a:fontRef>
+        </p:style>
+        <p:txBody>
+          <a:bodyPr lIns="0" tIns="0" rIns="0" bIns="0" rtlCol="0" anchor="ctr">
+            <a:normAutofit/>
+          </a:bodyPr>
+          <a:lstStyle/>
+          <a:p>
+            <a:pPr algn="ctr"/>
+            <a:r>
+              <a:rPr lang="en-US" sz="1000" dirty="0" smtClean="0">
+                <a:solidFill>
+                  <a:schemeClr val="tx2"/>
+                </a:solidFill>
+              </a:rPr>
+              <a:t>AVP Event Reflector </a:t>
+            </a:r>
+            <a:r>
+              <a:rPr lang="en-US" sz="1000" dirty="0" err="1" smtClean="0">
+                <a:solidFill>
+                  <a:schemeClr val="tx2"/>
+                </a:solidFill>
+              </a:rPr>
+              <a:t>Tbl</a:t>
+            </a:r>
+            <a:endParaRPr lang="en-US" sz="1000" dirty="0">
+              <a:solidFill>
+                <a:schemeClr val="tx2"/>
+              </a:solidFill>
+            </a:endParaRPr>
+          </a:p>
+        </p:txBody>
+      </p:sp>
+      <p:sp>
+        <p:nvSpPr>
+          <p:cNvPr id="97" name="Rectangle 96"/>
+          <p:cNvSpPr/>
+          <p:nvPr/>
+        </p:nvSpPr>
+        <p:spPr>
+          <a:xfrm>
+            <a:off x="8376486" y="2212568"/>
+            <a:ext cx="926275" cy="333955"/>
+          </a:xfrm>
+          <a:prstGeom prst="rect">
+            <a:avLst/>
+          </a:prstGeom>
+          <a:solidFill>
+            <a:schemeClr val="bg1"/>
+          </a:solidFill>
+          <a:ln>
+            <a:solidFill>
+              <a:schemeClr val="bg2">
+                <a:lumMod val="75000"/>
+              </a:schemeClr>
+            </a:solidFill>
+          </a:ln>
+          <a:effectLst/>
+        </p:spPr>
+        <p:style>
+          <a:lnRef idx="1">
+            <a:schemeClr val="accent1"/>
+          </a:lnRef>
+          <a:fillRef idx="3">
+            <a:schemeClr val="accent1"/>
+          </a:fillRef>
+          <a:effectRef idx="2">
+            <a:schemeClr val="accent1"/>
+          </a:effectRef>
+          <a:fontRef idx="minor">
+            <a:schemeClr val="lt1"/>
+          </a:fontRef>
+        </p:style>
+        <p:txBody>
+          <a:bodyPr lIns="0" tIns="0" rIns="0" bIns="0" rtlCol="0" anchor="ctr">
+            <a:normAutofit/>
+          </a:bodyPr>
+          <a:lstStyle/>
+          <a:p>
+            <a:pPr algn="ctr"/>
+            <a:r>
+              <a:rPr lang="en-US" sz="1000" dirty="0" smtClean="0">
+                <a:solidFill>
+                  <a:schemeClr val="tx2"/>
+                </a:solidFill>
+              </a:rPr>
+              <a:t>Query/Update engine</a:t>
+            </a:r>
+            <a:endParaRPr lang="en-US" sz="1000" dirty="0">
+              <a:solidFill>
+                <a:schemeClr val="tx2"/>
+              </a:solidFill>
+            </a:endParaRPr>
+          </a:p>
+        </p:txBody>
+      </p:sp>
+      <p:cxnSp>
+        <p:nvCxnSpPr>
+          <p:cNvPr id="98" name="Straight Arrow Connector 97"/>
+          <p:cNvCxnSpPr>
+            <a:stCxn id="96" idx="3"/>
+            <a:endCxn id="93" idx="2"/>
+          </p:cNvCxnSpPr>
+          <p:nvPr/>
+        </p:nvCxnSpPr>
+        <p:spPr>
+          <a:xfrm>
+            <a:off x="9308323" y="2019108"/>
+            <a:ext cx="64323" cy="0"/>
+          </a:xfrm>
+          <a:prstGeom prst="straightConnector1">
+            <a:avLst/>
+          </a:prstGeom>
+          <a:ln w="6350" cmpd="sng">
+            <a:solidFill>
+              <a:schemeClr val="accent6"/>
+            </a:solidFill>
+            <a:headEnd type="triangle"/>
+            <a:tailEnd type="triangle"/>
+          </a:ln>
+          <a:effectLst/>
+        </p:spPr>
+        <p:style>
+          <a:lnRef idx="2">
+            <a:schemeClr val="accent1"/>
+          </a:lnRef>
+          <a:fillRef idx="0">
+            <a:schemeClr val="accent1"/>
+          </a:fillRef>
+          <a:effectRef idx="1">
+            <a:schemeClr val="accent1"/>
+          </a:effectRef>
+          <a:fontRef idx="minor">
+            <a:schemeClr val="tx1"/>
+          </a:fontRef>
+        </p:style>
+      </p:cxnSp>
+      <p:sp>
+        <p:nvSpPr>
+          <p:cNvPr id="100" name="TextBox 99"/>
+          <p:cNvSpPr txBox="1"/>
+          <p:nvPr/>
+        </p:nvSpPr>
+        <p:spPr>
+          <a:xfrm>
+            <a:off x="9733185" y="1466855"/>
+            <a:ext cx="783756" cy="173367"/>
+          </a:xfrm>
+          <a:prstGeom prst="rect">
+            <a:avLst/>
+          </a:prstGeom>
+          <a:noFill/>
+          <a:ln>
+            <a:noFill/>
+          </a:ln>
+        </p:spPr>
+        <p:txBody>
+          <a:bodyPr wrap="square" lIns="0" tIns="0" rIns="0" bIns="0" rtlCol="0" anchor="ctr">
+            <a:normAutofit/>
+          </a:bodyPr>
+          <a:lstStyle/>
+          <a:p>
+            <a:pPr algn="ctr"/>
+            <a:r>
+              <a:rPr lang="en-US" sz="900" b="1" dirty="0" smtClean="0">
+                <a:solidFill>
+                  <a:schemeClr val="tx2"/>
+                </a:solidFill>
+              </a:rPr>
+              <a:t>Flow Rule DB</a:t>
+            </a:r>
+            <a:endParaRPr lang="en-US" sz="900" b="1" dirty="0">
+              <a:solidFill>
+                <a:schemeClr val="tx2"/>
+              </a:solidFill>
+            </a:endParaRPr>
+          </a:p>
+        </p:txBody>
+      </p:sp>
+      <p:cxnSp>
+        <p:nvCxnSpPr>
+          <p:cNvPr id="105" name="Straight Arrow Connector 104"/>
+          <p:cNvCxnSpPr>
+            <a:stCxn id="40" idx="2"/>
+            <a:endCxn id="39" idx="0"/>
+          </p:cNvCxnSpPr>
+          <p:nvPr/>
+        </p:nvCxnSpPr>
+        <p:spPr>
+          <a:xfrm>
+            <a:off x="2612986" y="785789"/>
+            <a:ext cx="1" cy="159274"/>
+          </a:xfrm>
+          <a:prstGeom prst="straightConnector1">
+            <a:avLst/>
+          </a:prstGeom>
+          <a:ln w="6350" cmpd="sng">
+            <a:solidFill>
+              <a:schemeClr val="accent6"/>
+            </a:solidFill>
+            <a:headEnd type="triangle"/>
+            <a:tailEnd type="triangle"/>
+          </a:ln>
+          <a:effectLst/>
+        </p:spPr>
+        <p:style>
+          <a:lnRef idx="2">
+            <a:schemeClr val="accent1"/>
+          </a:lnRef>
+          <a:fillRef idx="0">
+            <a:schemeClr val="accent1"/>
+          </a:fillRef>
+          <a:effectRef idx="1">
+            <a:schemeClr val="accent1"/>
+          </a:effectRef>
+          <a:fontRef idx="minor">
+            <a:schemeClr val="tx1"/>
+          </a:fontRef>
+        </p:style>
+      </p:cxnSp>
+      <p:sp>
+        <p:nvSpPr>
+          <p:cNvPr id="108" name="TextBox 107"/>
+          <p:cNvSpPr txBox="1"/>
+          <p:nvPr/>
+        </p:nvSpPr>
+        <p:spPr>
+          <a:xfrm>
+            <a:off x="2679282" y="819850"/>
+            <a:ext cx="476733" cy="125213"/>
+          </a:xfrm>
+          <a:prstGeom prst="rect">
+            <a:avLst/>
+          </a:prstGeom>
+          <a:noFill/>
+          <a:ln>
+            <a:noFill/>
+          </a:ln>
+        </p:spPr>
+        <p:txBody>
+          <a:bodyPr wrap="square" lIns="0" tIns="0" rIns="0" bIns="0" rtlCol="0">
+            <a:normAutofit fontScale="92500" lnSpcReduction="20000"/>
+          </a:bodyPr>
+          <a:lstStyle/>
+          <a:p>
+            <a:r>
+              <a:rPr lang="en-US" sz="1100" dirty="0" smtClean="0">
+                <a:solidFill>
+                  <a:schemeClr val="tx2"/>
+                </a:solidFill>
+              </a:rPr>
+              <a:t>S6a</a:t>
+            </a:r>
+            <a:endParaRPr lang="en-US" sz="1100" dirty="0">
+              <a:solidFill>
+                <a:schemeClr val="tx2"/>
+              </a:solidFill>
+            </a:endParaRPr>
+          </a:p>
+        </p:txBody>
+      </p:sp>
+      <p:cxnSp>
+        <p:nvCxnSpPr>
+          <p:cNvPr id="109" name="Straight Arrow Connector 108"/>
+          <p:cNvCxnSpPr>
+            <a:stCxn id="83" idx="0"/>
+            <a:endCxn id="33" idx="2"/>
+          </p:cNvCxnSpPr>
+          <p:nvPr/>
+        </p:nvCxnSpPr>
+        <p:spPr>
+          <a:xfrm flipH="1" flipV="1">
+            <a:off x="5012441" y="1279017"/>
+            <a:ext cx="5562" cy="216190"/>
+          </a:xfrm>
+          <a:prstGeom prst="straightConnector1">
+            <a:avLst/>
+          </a:prstGeom>
+          <a:ln w="6350" cmpd="sng">
+            <a:solidFill>
+              <a:schemeClr val="accent6"/>
+            </a:solidFill>
+            <a:headEnd type="triangle"/>
+            <a:tailEnd type="triangle"/>
+          </a:ln>
+          <a:effectLst/>
+        </p:spPr>
+        <p:style>
+          <a:lnRef idx="2">
+            <a:schemeClr val="accent1"/>
+          </a:lnRef>
+          <a:fillRef idx="0">
+            <a:schemeClr val="accent1"/>
+          </a:fillRef>
+          <a:effectRef idx="1">
+            <a:schemeClr val="accent1"/>
+          </a:effectRef>
+          <a:fontRef idx="minor">
+            <a:schemeClr val="tx1"/>
+          </a:fontRef>
+        </p:style>
+      </p:cxnSp>
+      <p:cxnSp>
+        <p:nvCxnSpPr>
+          <p:cNvPr id="115" name="Straight Arrow Connector 114"/>
+          <p:cNvCxnSpPr>
+            <a:stCxn id="95" idx="0"/>
+            <a:endCxn id="59" idx="2"/>
+          </p:cNvCxnSpPr>
+          <p:nvPr/>
+        </p:nvCxnSpPr>
+        <p:spPr>
+          <a:xfrm flipH="1" flipV="1">
+            <a:off x="8836299" y="1276750"/>
+            <a:ext cx="8887" cy="218457"/>
+          </a:xfrm>
+          <a:prstGeom prst="straightConnector1">
+            <a:avLst/>
+          </a:prstGeom>
+          <a:ln w="6350" cmpd="sng">
+            <a:solidFill>
+              <a:schemeClr val="accent6"/>
+            </a:solidFill>
+            <a:headEnd type="triangle"/>
+            <a:tailEnd type="triangle"/>
+          </a:ln>
+          <a:effectLst/>
+        </p:spPr>
+        <p:style>
+          <a:lnRef idx="2">
+            <a:schemeClr val="accent1"/>
+          </a:lnRef>
+          <a:fillRef idx="0">
+            <a:schemeClr val="accent1"/>
+          </a:fillRef>
+          <a:effectRef idx="1">
+            <a:schemeClr val="accent1"/>
+          </a:effectRef>
+          <a:fontRef idx="minor">
+            <a:schemeClr val="tx1"/>
+          </a:fontRef>
+        </p:style>
+      </p:cxnSp>
+      <p:sp>
+        <p:nvSpPr>
+          <p:cNvPr id="133" name="Rectangle 132"/>
+          <p:cNvSpPr/>
+          <p:nvPr/>
+        </p:nvSpPr>
+        <p:spPr>
+          <a:xfrm>
+            <a:off x="4026630" y="2807246"/>
+            <a:ext cx="6767744" cy="1957575"/>
+          </a:xfrm>
+          <a:prstGeom prst="rect">
+            <a:avLst/>
+          </a:prstGeom>
+          <a:solidFill>
+            <a:schemeClr val="bg1"/>
+          </a:solidFill>
+          <a:ln>
+            <a:solidFill>
+              <a:schemeClr val="bg2">
+                <a:lumMod val="75000"/>
+              </a:schemeClr>
+            </a:solidFill>
+          </a:ln>
+          <a:effectLst/>
+        </p:spPr>
+        <p:style>
+          <a:lnRef idx="1">
+            <a:schemeClr val="accent1"/>
+          </a:lnRef>
+          <a:fillRef idx="3">
+            <a:schemeClr val="accent1"/>
+          </a:fillRef>
+          <a:effectRef idx="2">
+            <a:schemeClr val="accent1"/>
+          </a:effectRef>
+          <a:fontRef idx="minor">
+            <a:schemeClr val="lt1"/>
+          </a:fontRef>
+        </p:style>
+        <p:txBody>
+          <a:bodyPr lIns="0" tIns="0" rIns="0" bIns="0" rtlCol="0" anchor="t">
+            <a:normAutofit/>
+          </a:bodyPr>
+          <a:lstStyle/>
+          <a:p>
+            <a:pPr algn="r"/>
+            <a:endParaRPr lang="en-US" sz="1200" dirty="0">
+              <a:solidFill>
+                <a:schemeClr val="tx2"/>
+              </a:solidFill>
+            </a:endParaRPr>
+          </a:p>
+        </p:txBody>
+      </p:sp>
+      <p:sp>
+        <p:nvSpPr>
+          <p:cNvPr id="124" name="Rounded Rectangle 123"/>
+          <p:cNvSpPr/>
+          <p:nvPr/>
+        </p:nvSpPr>
+        <p:spPr>
+          <a:xfrm>
+            <a:off x="4654551" y="4138505"/>
+            <a:ext cx="926274" cy="414408"/>
+          </a:xfrm>
+          <a:prstGeom prst="roundRect">
+            <a:avLst>
+              <a:gd name="adj" fmla="val 40477"/>
+            </a:avLst>
+          </a:prstGeom>
+          <a:solidFill>
+            <a:schemeClr val="bg1"/>
+          </a:solidFill>
+          <a:ln w="12700">
+            <a:solidFill>
+              <a:schemeClr val="bg2">
+                <a:lumMod val="75000"/>
+              </a:schemeClr>
+            </a:solidFill>
+          </a:ln>
+          <a:effectLst/>
+        </p:spPr>
+        <p:style>
+          <a:lnRef idx="1">
+            <a:schemeClr val="accent1"/>
+          </a:lnRef>
+          <a:fillRef idx="3">
+            <a:schemeClr val="accent1"/>
+          </a:fillRef>
+          <a:effectRef idx="2">
+            <a:schemeClr val="accent1"/>
+          </a:effectRef>
+          <a:fontRef idx="minor">
+            <a:schemeClr val="lt1"/>
+          </a:fontRef>
+        </p:style>
+        <p:txBody>
+          <a:bodyPr rot="0" spcFirstLastPara="0" vertOverflow="overflow" horzOverflow="overflow" vert="horz" wrap="square" lIns="0" tIns="0" rIns="0" bIns="0" numCol="1" spcCol="0" rtlCol="0" fromWordArt="0" anchor="ctr" anchorCtr="0" forceAA="0" compatLnSpc="1">
+            <a:prstTxWarp prst="textNoShape">
+              <a:avLst/>
+            </a:prstTxWarp>
+            <a:normAutofit/>
+          </a:bodyPr>
+          <a:lstStyle/>
+          <a:p>
+            <a:pPr algn="ctr"/>
+            <a:r>
+              <a:rPr lang="en-US" sz="1000" dirty="0" smtClean="0">
+                <a:solidFill>
+                  <a:schemeClr val="tx2"/>
+                </a:solidFill>
+              </a:rPr>
+              <a:t>GTP-U TEID Match</a:t>
+            </a:r>
+            <a:endParaRPr lang="en-US" sz="1000" dirty="0">
+              <a:solidFill>
+                <a:schemeClr val="tx2"/>
+              </a:solidFill>
+            </a:endParaRPr>
+          </a:p>
+        </p:txBody>
+      </p:sp>
+      <p:sp>
+        <p:nvSpPr>
+          <p:cNvPr id="125" name="Rounded Rectangle 124"/>
+          <p:cNvSpPr/>
+          <p:nvPr/>
+        </p:nvSpPr>
+        <p:spPr>
+          <a:xfrm>
+            <a:off x="5580825" y="4138505"/>
+            <a:ext cx="926274" cy="414408"/>
+          </a:xfrm>
+          <a:prstGeom prst="roundRect">
+            <a:avLst>
+              <a:gd name="adj" fmla="val 40477"/>
+            </a:avLst>
+          </a:prstGeom>
+          <a:solidFill>
+            <a:schemeClr val="bg1"/>
+          </a:solidFill>
+          <a:ln w="12700">
+            <a:solidFill>
+              <a:schemeClr val="bg2">
+                <a:lumMod val="75000"/>
+              </a:schemeClr>
+            </a:solidFill>
+          </a:ln>
+          <a:effectLst/>
+        </p:spPr>
+        <p:style>
+          <a:lnRef idx="1">
+            <a:schemeClr val="accent1"/>
+          </a:lnRef>
+          <a:fillRef idx="3">
+            <a:schemeClr val="accent1"/>
+          </a:fillRef>
+          <a:effectRef idx="2">
+            <a:schemeClr val="accent1"/>
+          </a:effectRef>
+          <a:fontRef idx="minor">
+            <a:schemeClr val="lt1"/>
+          </a:fontRef>
+        </p:style>
+        <p:txBody>
+          <a:bodyPr rot="0" spcFirstLastPara="0" vertOverflow="overflow" horzOverflow="overflow" vert="horz" wrap="square" lIns="0" tIns="0" rIns="0" bIns="0" numCol="1" spcCol="0" rtlCol="0" fromWordArt="0" anchor="ctr" anchorCtr="0" forceAA="0" compatLnSpc="1">
+            <a:prstTxWarp prst="textNoShape">
+              <a:avLst/>
+            </a:prstTxWarp>
+            <a:normAutofit/>
+          </a:bodyPr>
+          <a:lstStyle/>
+          <a:p>
+            <a:pPr algn="ctr"/>
+            <a:r>
+              <a:rPr lang="en-US" sz="1000" dirty="0" smtClean="0">
+                <a:solidFill>
+                  <a:schemeClr val="tx2"/>
+                </a:solidFill>
+              </a:rPr>
+              <a:t>UE Context</a:t>
+            </a:r>
+            <a:endParaRPr lang="en-US" sz="1000" dirty="0">
+              <a:solidFill>
+                <a:schemeClr val="tx2"/>
+              </a:solidFill>
+            </a:endParaRPr>
+          </a:p>
+        </p:txBody>
+      </p:sp>
+      <p:sp>
+        <p:nvSpPr>
+          <p:cNvPr id="126" name="Rounded Rectangle 125"/>
+          <p:cNvSpPr/>
+          <p:nvPr/>
+        </p:nvSpPr>
+        <p:spPr>
+          <a:xfrm>
+            <a:off x="6507099" y="4138505"/>
+            <a:ext cx="926274" cy="414408"/>
+          </a:xfrm>
+          <a:prstGeom prst="roundRect">
+            <a:avLst>
+              <a:gd name="adj" fmla="val 40477"/>
+            </a:avLst>
+          </a:prstGeom>
+          <a:solidFill>
+            <a:schemeClr val="bg1"/>
+          </a:solidFill>
+          <a:ln w="12700">
+            <a:solidFill>
+              <a:schemeClr val="bg2">
+                <a:lumMod val="75000"/>
+              </a:schemeClr>
+            </a:solidFill>
+          </a:ln>
+          <a:effectLst/>
+        </p:spPr>
+        <p:style>
+          <a:lnRef idx="1">
+            <a:schemeClr val="accent1"/>
+          </a:lnRef>
+          <a:fillRef idx="3">
+            <a:schemeClr val="accent1"/>
+          </a:fillRef>
+          <a:effectRef idx="2">
+            <a:schemeClr val="accent1"/>
+          </a:effectRef>
+          <a:fontRef idx="minor">
+            <a:schemeClr val="lt1"/>
+          </a:fontRef>
+        </p:style>
+        <p:txBody>
+          <a:bodyPr rot="0" spcFirstLastPara="0" vertOverflow="overflow" horzOverflow="overflow" vert="horz" wrap="square" lIns="0" tIns="0" rIns="0" bIns="0" numCol="1" spcCol="0" rtlCol="0" fromWordArt="0" anchor="ctr" anchorCtr="0" forceAA="0" compatLnSpc="1">
+            <a:prstTxWarp prst="textNoShape">
+              <a:avLst/>
+            </a:prstTxWarp>
+            <a:normAutofit/>
+          </a:bodyPr>
+          <a:lstStyle/>
+          <a:p>
+            <a:pPr algn="ctr"/>
+            <a:r>
+              <a:rPr lang="en-US" sz="1000" dirty="0" smtClean="0">
+                <a:solidFill>
+                  <a:schemeClr val="tx2"/>
+                </a:solidFill>
+              </a:rPr>
+              <a:t>SDF Filters (LPM)</a:t>
+            </a:r>
+            <a:endParaRPr lang="en-US" sz="1000" dirty="0">
+              <a:solidFill>
+                <a:schemeClr val="tx2"/>
+              </a:solidFill>
+            </a:endParaRPr>
+          </a:p>
+        </p:txBody>
+      </p:sp>
+      <p:sp>
+        <p:nvSpPr>
+          <p:cNvPr id="127" name="Rounded Rectangle 126"/>
+          <p:cNvSpPr/>
+          <p:nvPr/>
+        </p:nvSpPr>
+        <p:spPr>
+          <a:xfrm>
+            <a:off x="7433373" y="4138505"/>
+            <a:ext cx="926274" cy="414408"/>
+          </a:xfrm>
+          <a:prstGeom prst="roundRect">
+            <a:avLst>
+              <a:gd name="adj" fmla="val 40477"/>
+            </a:avLst>
+          </a:prstGeom>
+          <a:solidFill>
+            <a:schemeClr val="bg1"/>
+          </a:solidFill>
+          <a:ln w="12700">
+            <a:solidFill>
+              <a:schemeClr val="bg2">
+                <a:lumMod val="75000"/>
+              </a:schemeClr>
+            </a:solidFill>
+          </a:ln>
+          <a:effectLst/>
+        </p:spPr>
+        <p:style>
+          <a:lnRef idx="1">
+            <a:schemeClr val="accent1"/>
+          </a:lnRef>
+          <a:fillRef idx="3">
+            <a:schemeClr val="accent1"/>
+          </a:fillRef>
+          <a:effectRef idx="2">
+            <a:schemeClr val="accent1"/>
+          </a:effectRef>
+          <a:fontRef idx="minor">
+            <a:schemeClr val="lt1"/>
+          </a:fontRef>
+        </p:style>
+        <p:txBody>
+          <a:bodyPr rot="0" spcFirstLastPara="0" vertOverflow="overflow" horzOverflow="overflow" vert="horz" wrap="square" lIns="0" tIns="0" rIns="0" bIns="0" numCol="1" spcCol="0" rtlCol="0" fromWordArt="0" anchor="ctr" anchorCtr="0" forceAA="0" compatLnSpc="1">
+            <a:prstTxWarp prst="textNoShape">
+              <a:avLst/>
+            </a:prstTxWarp>
+            <a:normAutofit/>
+          </a:bodyPr>
+          <a:lstStyle/>
+          <a:p>
+            <a:pPr algn="ctr"/>
+            <a:r>
+              <a:rPr lang="en-US" sz="1000" dirty="0" smtClean="0">
+                <a:solidFill>
+                  <a:schemeClr val="tx2"/>
+                </a:solidFill>
+              </a:rPr>
+              <a:t>ACL Profile filters</a:t>
+            </a:r>
+            <a:endParaRPr lang="en-US" sz="1000" dirty="0">
+              <a:solidFill>
+                <a:schemeClr val="tx2"/>
+              </a:solidFill>
+            </a:endParaRPr>
+          </a:p>
+        </p:txBody>
+      </p:sp>
+      <p:sp>
+        <p:nvSpPr>
+          <p:cNvPr id="128" name="Rounded Rectangle 127"/>
+          <p:cNvSpPr/>
+          <p:nvPr/>
+        </p:nvSpPr>
+        <p:spPr>
+          <a:xfrm>
+            <a:off x="8359647" y="4146491"/>
+            <a:ext cx="926274" cy="414408"/>
+          </a:xfrm>
+          <a:prstGeom prst="roundRect">
+            <a:avLst>
+              <a:gd name="adj" fmla="val 40477"/>
+            </a:avLst>
+          </a:prstGeom>
+          <a:solidFill>
+            <a:schemeClr val="bg1"/>
+          </a:solidFill>
+          <a:ln w="12700">
+            <a:solidFill>
+              <a:schemeClr val="bg2">
+                <a:lumMod val="75000"/>
+              </a:schemeClr>
+            </a:solidFill>
+          </a:ln>
+          <a:effectLst/>
+        </p:spPr>
+        <p:style>
+          <a:lnRef idx="1">
+            <a:schemeClr val="accent1"/>
+          </a:lnRef>
+          <a:fillRef idx="3">
+            <a:schemeClr val="accent1"/>
+          </a:fillRef>
+          <a:effectRef idx="2">
+            <a:schemeClr val="accent1"/>
+          </a:effectRef>
+          <a:fontRef idx="minor">
+            <a:schemeClr val="lt1"/>
+          </a:fontRef>
+        </p:style>
+        <p:txBody>
+          <a:bodyPr rot="0" spcFirstLastPara="0" vertOverflow="overflow" horzOverflow="overflow" vert="horz" wrap="square" lIns="0" tIns="0" rIns="0" bIns="0" numCol="1" spcCol="0" rtlCol="0" fromWordArt="0" anchor="ctr" anchorCtr="0" forceAA="0" compatLnSpc="1">
+            <a:prstTxWarp prst="textNoShape">
+              <a:avLst/>
+            </a:prstTxWarp>
+            <a:normAutofit/>
+          </a:bodyPr>
+          <a:lstStyle/>
+          <a:p>
+            <a:pPr algn="ctr"/>
+            <a:r>
+              <a:rPr lang="en-US" sz="1000" dirty="0" err="1" smtClean="0">
+                <a:solidFill>
+                  <a:schemeClr val="tx2"/>
+                </a:solidFill>
+              </a:rPr>
+              <a:t>QoS</a:t>
+            </a:r>
+            <a:r>
+              <a:rPr lang="en-US" sz="1000" dirty="0" smtClean="0">
+                <a:solidFill>
+                  <a:schemeClr val="tx2"/>
+                </a:solidFill>
+              </a:rPr>
+              <a:t> Profile Filters</a:t>
+            </a:r>
+            <a:endParaRPr lang="en-US" sz="1000" dirty="0">
+              <a:solidFill>
+                <a:schemeClr val="tx2"/>
+              </a:solidFill>
+            </a:endParaRPr>
+          </a:p>
+        </p:txBody>
+      </p:sp>
+      <p:sp>
+        <p:nvSpPr>
+          <p:cNvPr id="129" name="Rounded Rectangle 128"/>
+          <p:cNvSpPr/>
+          <p:nvPr/>
+        </p:nvSpPr>
+        <p:spPr>
+          <a:xfrm>
+            <a:off x="9285921" y="4138505"/>
+            <a:ext cx="926274" cy="414408"/>
+          </a:xfrm>
+          <a:prstGeom prst="roundRect">
+            <a:avLst>
+              <a:gd name="adj" fmla="val 40477"/>
+            </a:avLst>
+          </a:prstGeom>
+          <a:solidFill>
+            <a:schemeClr val="bg1"/>
+          </a:solidFill>
+          <a:ln w="12700">
+            <a:solidFill>
+              <a:schemeClr val="bg2">
+                <a:lumMod val="75000"/>
+              </a:schemeClr>
+            </a:solidFill>
+          </a:ln>
+          <a:effectLst/>
+        </p:spPr>
+        <p:style>
+          <a:lnRef idx="1">
+            <a:schemeClr val="accent1"/>
+          </a:lnRef>
+          <a:fillRef idx="3">
+            <a:schemeClr val="accent1"/>
+          </a:fillRef>
+          <a:effectRef idx="2">
+            <a:schemeClr val="accent1"/>
+          </a:effectRef>
+          <a:fontRef idx="minor">
+            <a:schemeClr val="lt1"/>
+          </a:fontRef>
+        </p:style>
+        <p:txBody>
+          <a:bodyPr rot="0" spcFirstLastPara="0" vertOverflow="overflow" horzOverflow="overflow" vert="horz" wrap="square" lIns="0" tIns="0" rIns="0" bIns="0" numCol="1" spcCol="0" rtlCol="0" fromWordArt="0" anchor="ctr" anchorCtr="0" forceAA="0" compatLnSpc="1">
+            <a:prstTxWarp prst="textNoShape">
+              <a:avLst/>
+            </a:prstTxWarp>
+            <a:normAutofit/>
+          </a:bodyPr>
+          <a:lstStyle/>
+          <a:p>
+            <a:pPr algn="ctr"/>
+            <a:r>
+              <a:rPr lang="en-US" sz="1000" dirty="0" smtClean="0">
+                <a:solidFill>
+                  <a:schemeClr val="tx2"/>
+                </a:solidFill>
+              </a:rPr>
+              <a:t>TM (Shaper)</a:t>
+            </a:r>
+            <a:endParaRPr lang="en-US" sz="1000" dirty="0">
+              <a:solidFill>
+                <a:schemeClr val="tx2"/>
+              </a:solidFill>
+            </a:endParaRPr>
+          </a:p>
+        </p:txBody>
+      </p:sp>
+      <p:sp>
+        <p:nvSpPr>
+          <p:cNvPr id="131" name="Rectangle 130"/>
+          <p:cNvSpPr/>
+          <p:nvPr/>
+        </p:nvSpPr>
+        <p:spPr>
+          <a:xfrm>
+            <a:off x="3668010" y="4138505"/>
+            <a:ext cx="362029" cy="422394"/>
+          </a:xfrm>
+          <a:prstGeom prst="rect">
+            <a:avLst/>
+          </a:prstGeom>
+          <a:solidFill>
+            <a:schemeClr val="bg1"/>
+          </a:solidFill>
+          <a:ln>
+            <a:solidFill>
+              <a:schemeClr val="bg2">
+                <a:lumMod val="75000"/>
+              </a:schemeClr>
+            </a:solidFill>
+          </a:ln>
+          <a:effectLst/>
+        </p:spPr>
+        <p:style>
+          <a:lnRef idx="1">
+            <a:schemeClr val="accent1"/>
+          </a:lnRef>
+          <a:fillRef idx="3">
+            <a:schemeClr val="accent1"/>
+          </a:fillRef>
+          <a:effectRef idx="2">
+            <a:schemeClr val="accent1"/>
+          </a:effectRef>
+          <a:fontRef idx="minor">
+            <a:schemeClr val="lt1"/>
+          </a:fontRef>
+        </p:style>
+        <p:txBody>
+          <a:bodyPr lIns="0" tIns="0" rIns="0" bIns="0" rtlCol="0" anchor="ctr"/>
+          <a:lstStyle/>
+          <a:p>
+            <a:pPr algn="ctr"/>
+            <a:r>
+              <a:rPr lang="en-US" sz="1200" dirty="0" smtClean="0">
+                <a:solidFill>
+                  <a:schemeClr val="tx2"/>
+                </a:solidFill>
+              </a:rPr>
+              <a:t>S1U</a:t>
+            </a:r>
+            <a:endParaRPr lang="en-US" sz="1200" dirty="0">
+              <a:solidFill>
+                <a:schemeClr val="tx2"/>
+              </a:solidFill>
+            </a:endParaRPr>
+          </a:p>
+        </p:txBody>
+      </p:sp>
+      <p:sp>
+        <p:nvSpPr>
+          <p:cNvPr id="132" name="Rectangle 131"/>
+          <p:cNvSpPr/>
+          <p:nvPr/>
+        </p:nvSpPr>
+        <p:spPr>
+          <a:xfrm>
+            <a:off x="10794374" y="4138504"/>
+            <a:ext cx="362029" cy="414451"/>
+          </a:xfrm>
+          <a:prstGeom prst="rect">
+            <a:avLst/>
+          </a:prstGeom>
+          <a:solidFill>
+            <a:schemeClr val="bg1"/>
+          </a:solidFill>
+          <a:ln>
+            <a:solidFill>
+              <a:schemeClr val="bg2">
+                <a:lumMod val="75000"/>
+              </a:schemeClr>
+            </a:solidFill>
+          </a:ln>
+          <a:effectLst/>
+        </p:spPr>
+        <p:style>
+          <a:lnRef idx="1">
+            <a:schemeClr val="accent1"/>
+          </a:lnRef>
+          <a:fillRef idx="3">
+            <a:schemeClr val="accent1"/>
+          </a:fillRef>
+          <a:effectRef idx="2">
+            <a:schemeClr val="accent1"/>
+          </a:effectRef>
+          <a:fontRef idx="minor">
+            <a:schemeClr val="lt1"/>
+          </a:fontRef>
+        </p:style>
+        <p:txBody>
+          <a:bodyPr lIns="0" tIns="0" rIns="0" bIns="0" rtlCol="0" anchor="ctr"/>
+          <a:lstStyle/>
+          <a:p>
+            <a:pPr algn="ctr"/>
+            <a:r>
+              <a:rPr lang="en-US" sz="1200" dirty="0" err="1" smtClean="0">
+                <a:solidFill>
+                  <a:schemeClr val="tx2"/>
+                </a:solidFill>
+              </a:rPr>
               <a:t>SGi</a:t>
             </a:r>
-            <a:r>
-              <a:rPr lang="en-US" sz="1800" dirty="0"/>
-              <a:t> interfaces</a:t>
-            </a:r>
-          </a:p>
-          <a:p>
-            <a:pPr lvl="4"/>
-            <a:r>
-              <a:rPr lang="en-US" sz="1600" dirty="0"/>
-              <a:t>Hides subscriber GTP-U interface data</a:t>
-            </a:r>
-          </a:p>
-          <a:p>
-            <a:pPr lvl="4"/>
-            <a:r>
-              <a:rPr lang="en-US" sz="1600" dirty="0"/>
-              <a:t>OS does not see the subscriber address space/routes</a:t>
-            </a:r>
-          </a:p>
-          <a:p>
-            <a:pPr lvl="4"/>
-            <a:r>
-              <a:rPr lang="en-US" sz="1600" dirty="0"/>
-              <a:t>ICMP, ICMPv6 (RA, RS, ND), DHCP, DHCPv6 has to be handled by YANFF modules</a:t>
-            </a:r>
-          </a:p>
-          <a:p>
-            <a:pPr lvl="3"/>
-            <a:r>
-              <a:rPr lang="en-US" sz="1800" dirty="0"/>
-              <a:t>Provides logical </a:t>
-            </a:r>
-            <a:r>
-              <a:rPr lang="en-US" sz="1800" dirty="0" err="1"/>
-              <a:t>vETH</a:t>
-            </a:r>
-            <a:r>
-              <a:rPr lang="en-US" sz="1800" dirty="0"/>
-              <a:t> interface to OS</a:t>
-            </a:r>
-          </a:p>
-          <a:p>
-            <a:pPr lvl="3"/>
-            <a:r>
-              <a:rPr lang="en-US" sz="1800" dirty="0"/>
-              <a:t>Keep S11 as a separate physical interface from </a:t>
-            </a:r>
-            <a:r>
-              <a:rPr lang="en-US" sz="1800" dirty="0" err="1"/>
+            <a:endParaRPr lang="en-US" sz="1200" dirty="0">
+              <a:solidFill>
+                <a:schemeClr val="tx2"/>
+              </a:solidFill>
+            </a:endParaRPr>
+          </a:p>
+        </p:txBody>
+      </p:sp>
+      <p:sp>
+        <p:nvSpPr>
+          <p:cNvPr id="135" name="Flowchart: Magnetic Disk 134"/>
+          <p:cNvSpPr/>
+          <p:nvPr/>
+        </p:nvSpPr>
+        <p:spPr>
+          <a:xfrm>
+            <a:off x="5117688" y="3381424"/>
+            <a:ext cx="926275" cy="333955"/>
+          </a:xfrm>
+          <a:prstGeom prst="flowChartMagneticDisk">
+            <a:avLst/>
+          </a:prstGeom>
+          <a:solidFill>
+            <a:schemeClr val="bg1"/>
+          </a:solidFill>
+          <a:ln w="12700">
+            <a:solidFill>
+              <a:schemeClr val="bg2">
+                <a:lumMod val="75000"/>
+              </a:schemeClr>
+            </a:solidFill>
+          </a:ln>
+          <a:effectLst/>
+        </p:spPr>
+        <p:style>
+          <a:lnRef idx="1">
+            <a:schemeClr val="accent1"/>
+          </a:lnRef>
+          <a:fillRef idx="3">
+            <a:schemeClr val="accent1"/>
+          </a:fillRef>
+          <a:effectRef idx="2">
+            <a:schemeClr val="accent1"/>
+          </a:effectRef>
+          <a:fontRef idx="minor">
+            <a:schemeClr val="lt1"/>
+          </a:fontRef>
+        </p:style>
+        <p:txBody>
+          <a:bodyPr rot="0" spcFirstLastPara="0" vertOverflow="overflow" horzOverflow="overflow" vert="horz" wrap="square" lIns="0" tIns="0" rIns="0" bIns="0" numCol="1" spcCol="0" rtlCol="0" fromWordArt="0" anchor="ctr" anchorCtr="0" forceAA="0" compatLnSpc="1">
+            <a:prstTxWarp prst="textNoShape">
+              <a:avLst/>
+            </a:prstTxWarp>
+            <a:normAutofit/>
+          </a:bodyPr>
+          <a:lstStyle/>
+          <a:p>
+            <a:pPr algn="ctr"/>
+            <a:r>
+              <a:rPr lang="en-US" sz="1050" dirty="0" smtClean="0">
+                <a:solidFill>
+                  <a:schemeClr val="tx2"/>
+                </a:solidFill>
+              </a:rPr>
+              <a:t>UE/TEID Cache</a:t>
+            </a:r>
+            <a:endParaRPr lang="en-US" sz="1050" dirty="0">
+              <a:solidFill>
+                <a:schemeClr val="tx2"/>
+              </a:solidFill>
+            </a:endParaRPr>
+          </a:p>
+        </p:txBody>
+      </p:sp>
+      <p:sp>
+        <p:nvSpPr>
+          <p:cNvPr id="136" name="Flowchart: Magnetic Disk 135"/>
+          <p:cNvSpPr/>
+          <p:nvPr/>
+        </p:nvSpPr>
+        <p:spPr>
+          <a:xfrm>
+            <a:off x="8149974" y="3381423"/>
+            <a:ext cx="926275" cy="333955"/>
+          </a:xfrm>
+          <a:prstGeom prst="flowChartMagneticDisk">
+            <a:avLst/>
+          </a:prstGeom>
+          <a:solidFill>
+            <a:schemeClr val="bg1"/>
+          </a:solidFill>
+          <a:ln w="12700">
+            <a:solidFill>
+              <a:schemeClr val="bg2">
+                <a:lumMod val="75000"/>
+              </a:schemeClr>
+            </a:solidFill>
+          </a:ln>
+          <a:effectLst/>
+        </p:spPr>
+        <p:style>
+          <a:lnRef idx="1">
+            <a:schemeClr val="accent1"/>
+          </a:lnRef>
+          <a:fillRef idx="3">
+            <a:schemeClr val="accent1"/>
+          </a:fillRef>
+          <a:effectRef idx="2">
+            <a:schemeClr val="accent1"/>
+          </a:effectRef>
+          <a:fontRef idx="minor">
+            <a:schemeClr val="lt1"/>
+          </a:fontRef>
+        </p:style>
+        <p:txBody>
+          <a:bodyPr rot="0" spcFirstLastPara="0" vertOverflow="overflow" horzOverflow="overflow" vert="horz" wrap="square" lIns="0" tIns="0" rIns="0" bIns="0" numCol="1" spcCol="0" rtlCol="0" fromWordArt="0" anchor="ctr" anchorCtr="0" forceAA="0" compatLnSpc="1">
+            <a:prstTxWarp prst="textNoShape">
+              <a:avLst/>
+            </a:prstTxWarp>
+            <a:normAutofit/>
+          </a:bodyPr>
+          <a:lstStyle/>
+          <a:p>
+            <a:pPr algn="ctr"/>
+            <a:r>
+              <a:rPr lang="en-US" sz="1050" dirty="0" err="1">
+                <a:solidFill>
+                  <a:schemeClr val="tx2"/>
+                </a:solidFill>
+              </a:rPr>
+              <a:t>sla_profile_hash</a:t>
+            </a:r>
+            <a:endParaRPr lang="en-US" sz="1050" dirty="0">
+              <a:solidFill>
+                <a:schemeClr val="tx2"/>
+              </a:solidFill>
+            </a:endParaRPr>
+          </a:p>
+        </p:txBody>
+      </p:sp>
+      <p:sp>
+        <p:nvSpPr>
+          <p:cNvPr id="137" name="Rectangle 136"/>
+          <p:cNvSpPr/>
+          <p:nvPr/>
+        </p:nvSpPr>
+        <p:spPr>
+          <a:xfrm>
+            <a:off x="6689756" y="2903500"/>
+            <a:ext cx="926275" cy="333955"/>
+          </a:xfrm>
+          <a:prstGeom prst="rect">
+            <a:avLst/>
+          </a:prstGeom>
+          <a:solidFill>
+            <a:schemeClr val="bg1"/>
+          </a:solidFill>
+          <a:ln>
+            <a:solidFill>
+              <a:schemeClr val="bg2">
+                <a:lumMod val="75000"/>
+              </a:schemeClr>
+            </a:solidFill>
+          </a:ln>
+          <a:effectLst/>
+        </p:spPr>
+        <p:style>
+          <a:lnRef idx="1">
+            <a:schemeClr val="accent1"/>
+          </a:lnRef>
+          <a:fillRef idx="3">
+            <a:schemeClr val="accent1"/>
+          </a:fillRef>
+          <a:effectRef idx="2">
+            <a:schemeClr val="accent1"/>
+          </a:effectRef>
+          <a:fontRef idx="minor">
+            <a:schemeClr val="lt1"/>
+          </a:fontRef>
+        </p:style>
+        <p:txBody>
+          <a:bodyPr lIns="0" tIns="0" rIns="0" bIns="0" rtlCol="0" anchor="ctr">
+            <a:normAutofit/>
+          </a:bodyPr>
+          <a:lstStyle/>
+          <a:p>
+            <a:pPr algn="ctr"/>
+            <a:r>
+              <a:rPr lang="en-US" sz="1000" dirty="0" smtClean="0">
+                <a:solidFill>
+                  <a:schemeClr val="tx2"/>
+                </a:solidFill>
+              </a:rPr>
+              <a:t>Query/Update client</a:t>
+            </a:r>
+            <a:endParaRPr lang="en-US" sz="1000" dirty="0">
+              <a:solidFill>
+                <a:schemeClr val="tx2"/>
+              </a:solidFill>
+            </a:endParaRPr>
+          </a:p>
+        </p:txBody>
+      </p:sp>
+      <p:cxnSp>
+        <p:nvCxnSpPr>
+          <p:cNvPr id="140" name="Elbow Connector 139"/>
+          <p:cNvCxnSpPr>
+            <a:stCxn id="86" idx="2"/>
+            <a:endCxn id="137" idx="0"/>
+          </p:cNvCxnSpPr>
+          <p:nvPr/>
+        </p:nvCxnSpPr>
+        <p:spPr>
+          <a:xfrm rot="16200000" flipH="1">
+            <a:off x="5904179" y="1654784"/>
+            <a:ext cx="356977" cy="2140453"/>
+          </a:xfrm>
+          <a:prstGeom prst="bentConnector3">
+            <a:avLst/>
+          </a:prstGeom>
+          <a:ln w="6350" cmpd="sng">
+            <a:solidFill>
+              <a:schemeClr val="accent6"/>
+            </a:solidFill>
+            <a:headEnd type="triangle"/>
+            <a:tailEnd type="triangle"/>
+          </a:ln>
+          <a:effectLst/>
+        </p:spPr>
+        <p:style>
+          <a:lnRef idx="2">
+            <a:schemeClr val="accent1"/>
+          </a:lnRef>
+          <a:fillRef idx="0">
+            <a:schemeClr val="accent1"/>
+          </a:fillRef>
+          <a:effectRef idx="1">
+            <a:schemeClr val="accent1"/>
+          </a:effectRef>
+          <a:fontRef idx="minor">
+            <a:schemeClr val="tx1"/>
+          </a:fontRef>
+        </p:style>
+      </p:cxnSp>
+      <p:cxnSp>
+        <p:nvCxnSpPr>
+          <p:cNvPr id="141" name="Elbow Connector 140"/>
+          <p:cNvCxnSpPr>
+            <a:stCxn id="97" idx="2"/>
+            <a:endCxn id="137" idx="0"/>
+          </p:cNvCxnSpPr>
+          <p:nvPr/>
+        </p:nvCxnSpPr>
+        <p:spPr>
+          <a:xfrm rot="5400000">
+            <a:off x="7817771" y="1881646"/>
+            <a:ext cx="356977" cy="1686730"/>
+          </a:xfrm>
+          <a:prstGeom prst="bentConnector3">
+            <a:avLst>
+              <a:gd name="adj1" fmla="val 50000"/>
+            </a:avLst>
+          </a:prstGeom>
+          <a:ln w="6350" cmpd="sng">
+            <a:solidFill>
+              <a:schemeClr val="accent6"/>
+            </a:solidFill>
+            <a:headEnd type="triangle"/>
+            <a:tailEnd type="triangle"/>
+          </a:ln>
+          <a:effectLst/>
+        </p:spPr>
+        <p:style>
+          <a:lnRef idx="2">
+            <a:schemeClr val="accent1"/>
+          </a:lnRef>
+          <a:fillRef idx="0">
+            <a:schemeClr val="accent1"/>
+          </a:fillRef>
+          <a:effectRef idx="1">
+            <a:schemeClr val="accent1"/>
+          </a:effectRef>
+          <a:fontRef idx="minor">
+            <a:schemeClr val="tx1"/>
+          </a:fontRef>
+        </p:style>
+      </p:cxnSp>
+      <p:cxnSp>
+        <p:nvCxnSpPr>
+          <p:cNvPr id="144" name="Elbow Connector 143"/>
+          <p:cNvCxnSpPr>
+            <a:stCxn id="137" idx="1"/>
+            <a:endCxn id="135" idx="1"/>
+          </p:cNvCxnSpPr>
+          <p:nvPr/>
+        </p:nvCxnSpPr>
+        <p:spPr>
+          <a:xfrm rot="10800000" flipV="1">
+            <a:off x="5580826" y="3070478"/>
+            <a:ext cx="1108930" cy="310946"/>
+          </a:xfrm>
+          <a:prstGeom prst="bentConnector2">
+            <a:avLst/>
+          </a:prstGeom>
+          <a:ln w="6350" cmpd="sng">
+            <a:solidFill>
+              <a:schemeClr val="accent6"/>
+            </a:solidFill>
+            <a:headEnd type="triangle"/>
+            <a:tailEnd type="triangle"/>
+          </a:ln>
+          <a:effectLst/>
+        </p:spPr>
+        <p:style>
+          <a:lnRef idx="2">
+            <a:schemeClr val="accent1"/>
+          </a:lnRef>
+          <a:fillRef idx="0">
+            <a:schemeClr val="accent1"/>
+          </a:fillRef>
+          <a:effectRef idx="1">
+            <a:schemeClr val="accent1"/>
+          </a:effectRef>
+          <a:fontRef idx="minor">
+            <a:schemeClr val="tx1"/>
+          </a:fontRef>
+        </p:style>
+      </p:cxnSp>
+      <p:cxnSp>
+        <p:nvCxnSpPr>
+          <p:cNvPr id="147" name="Elbow Connector 146"/>
+          <p:cNvCxnSpPr>
+            <a:stCxn id="137" idx="3"/>
+            <a:endCxn id="136" idx="1"/>
+          </p:cNvCxnSpPr>
+          <p:nvPr/>
+        </p:nvCxnSpPr>
+        <p:spPr>
+          <a:xfrm>
+            <a:off x="7616031" y="3070478"/>
+            <a:ext cx="997081" cy="310945"/>
+          </a:xfrm>
+          <a:prstGeom prst="bentConnector2">
+            <a:avLst/>
+          </a:prstGeom>
+          <a:ln w="6350" cmpd="sng">
+            <a:solidFill>
+              <a:schemeClr val="accent6"/>
+            </a:solidFill>
+            <a:headEnd type="triangle"/>
+            <a:tailEnd type="triangle"/>
+          </a:ln>
+          <a:effectLst/>
+        </p:spPr>
+        <p:style>
+          <a:lnRef idx="2">
+            <a:schemeClr val="accent1"/>
+          </a:lnRef>
+          <a:fillRef idx="0">
+            <a:schemeClr val="accent1"/>
+          </a:fillRef>
+          <a:effectRef idx="1">
+            <a:schemeClr val="accent1"/>
+          </a:effectRef>
+          <a:fontRef idx="minor">
+            <a:schemeClr val="tx1"/>
+          </a:fontRef>
+        </p:style>
+      </p:cxnSp>
+      <p:cxnSp>
+        <p:nvCxnSpPr>
+          <p:cNvPr id="154" name="Elbow Connector 153"/>
+          <p:cNvCxnSpPr>
+            <a:stCxn id="135" idx="3"/>
+            <a:endCxn id="124" idx="0"/>
+          </p:cNvCxnSpPr>
+          <p:nvPr/>
+        </p:nvCxnSpPr>
+        <p:spPr>
+          <a:xfrm rot="5400000">
+            <a:off x="5137694" y="3695373"/>
+            <a:ext cx="423126" cy="463138"/>
+          </a:xfrm>
+          <a:prstGeom prst="bentConnector3">
+            <a:avLst>
+              <a:gd name="adj1" fmla="val 50000"/>
+            </a:avLst>
+          </a:prstGeom>
+          <a:ln w="6350" cmpd="sng">
+            <a:solidFill>
+              <a:schemeClr val="accent6"/>
+            </a:solidFill>
+            <a:headEnd type="triangle"/>
+            <a:tailEnd type="triangle"/>
+          </a:ln>
+          <a:effectLst/>
+        </p:spPr>
+        <p:style>
+          <a:lnRef idx="2">
+            <a:schemeClr val="accent1"/>
+          </a:lnRef>
+          <a:fillRef idx="0">
+            <a:schemeClr val="accent1"/>
+          </a:fillRef>
+          <a:effectRef idx="1">
+            <a:schemeClr val="accent1"/>
+          </a:effectRef>
+          <a:fontRef idx="minor">
+            <a:schemeClr val="tx1"/>
+          </a:fontRef>
+        </p:style>
+      </p:cxnSp>
+      <p:cxnSp>
+        <p:nvCxnSpPr>
+          <p:cNvPr id="157" name="Elbow Connector 156"/>
+          <p:cNvCxnSpPr>
+            <a:stCxn id="135" idx="3"/>
+            <a:endCxn id="125" idx="0"/>
+          </p:cNvCxnSpPr>
+          <p:nvPr/>
+        </p:nvCxnSpPr>
+        <p:spPr>
+          <a:xfrm rot="16200000" flipH="1">
+            <a:off x="5600831" y="3695374"/>
+            <a:ext cx="423126" cy="463136"/>
+          </a:xfrm>
+          <a:prstGeom prst="bentConnector3">
+            <a:avLst>
+              <a:gd name="adj1" fmla="val 50000"/>
+            </a:avLst>
+          </a:prstGeom>
+          <a:ln w="6350" cmpd="sng">
+            <a:solidFill>
+              <a:schemeClr val="accent6"/>
+            </a:solidFill>
+            <a:headEnd type="triangle"/>
+            <a:tailEnd type="triangle"/>
+          </a:ln>
+          <a:effectLst/>
+        </p:spPr>
+        <p:style>
+          <a:lnRef idx="2">
+            <a:schemeClr val="accent1"/>
+          </a:lnRef>
+          <a:fillRef idx="0">
+            <a:schemeClr val="accent1"/>
+          </a:fillRef>
+          <a:effectRef idx="1">
+            <a:schemeClr val="accent1"/>
+          </a:effectRef>
+          <a:fontRef idx="minor">
+            <a:schemeClr val="tx1"/>
+          </a:fontRef>
+        </p:style>
+      </p:cxnSp>
+      <p:cxnSp>
+        <p:nvCxnSpPr>
+          <p:cNvPr id="160" name="Elbow Connector 159"/>
+          <p:cNvCxnSpPr>
+            <a:stCxn id="136" idx="3"/>
+            <a:endCxn id="126" idx="0"/>
+          </p:cNvCxnSpPr>
+          <p:nvPr/>
+        </p:nvCxnSpPr>
+        <p:spPr>
+          <a:xfrm rot="5400000">
+            <a:off x="7580111" y="3105503"/>
+            <a:ext cx="423127" cy="1642876"/>
+          </a:xfrm>
+          <a:prstGeom prst="bentConnector3">
+            <a:avLst>
+              <a:gd name="adj1" fmla="val 50000"/>
+            </a:avLst>
+          </a:prstGeom>
+          <a:ln w="6350" cmpd="sng">
+            <a:solidFill>
+              <a:schemeClr val="accent6"/>
+            </a:solidFill>
+            <a:headEnd type="triangle"/>
+            <a:tailEnd type="triangle"/>
+          </a:ln>
+          <a:effectLst/>
+        </p:spPr>
+        <p:style>
+          <a:lnRef idx="2">
+            <a:schemeClr val="accent1"/>
+          </a:lnRef>
+          <a:fillRef idx="0">
+            <a:schemeClr val="accent1"/>
+          </a:fillRef>
+          <a:effectRef idx="1">
+            <a:schemeClr val="accent1"/>
+          </a:effectRef>
+          <a:fontRef idx="minor">
+            <a:schemeClr val="tx1"/>
+          </a:fontRef>
+        </p:style>
+      </p:cxnSp>
+      <p:cxnSp>
+        <p:nvCxnSpPr>
+          <p:cNvPr id="164" name="Elbow Connector 163"/>
+          <p:cNvCxnSpPr>
+            <a:stCxn id="136" idx="3"/>
+            <a:endCxn id="127" idx="0"/>
+          </p:cNvCxnSpPr>
+          <p:nvPr/>
+        </p:nvCxnSpPr>
+        <p:spPr>
+          <a:xfrm rot="5400000">
+            <a:off x="8043248" y="3568640"/>
+            <a:ext cx="423127" cy="716602"/>
+          </a:xfrm>
+          <a:prstGeom prst="bentConnector3">
+            <a:avLst>
+              <a:gd name="adj1" fmla="val 50000"/>
+            </a:avLst>
+          </a:prstGeom>
+          <a:ln w="6350" cmpd="sng">
+            <a:solidFill>
+              <a:schemeClr val="accent6"/>
+            </a:solidFill>
+            <a:headEnd type="triangle"/>
+            <a:tailEnd type="triangle"/>
+          </a:ln>
+          <a:effectLst/>
+        </p:spPr>
+        <p:style>
+          <a:lnRef idx="2">
+            <a:schemeClr val="accent1"/>
+          </a:lnRef>
+          <a:fillRef idx="0">
+            <a:schemeClr val="accent1"/>
+          </a:fillRef>
+          <a:effectRef idx="1">
+            <a:schemeClr val="accent1"/>
+          </a:effectRef>
+          <a:fontRef idx="minor">
+            <a:schemeClr val="tx1"/>
+          </a:fontRef>
+        </p:style>
+      </p:cxnSp>
+      <p:cxnSp>
+        <p:nvCxnSpPr>
+          <p:cNvPr id="167" name="Elbow Connector 166"/>
+          <p:cNvCxnSpPr>
+            <a:stCxn id="136" idx="3"/>
+            <a:endCxn id="128" idx="0"/>
+          </p:cNvCxnSpPr>
+          <p:nvPr/>
+        </p:nvCxnSpPr>
+        <p:spPr>
+          <a:xfrm rot="16200000" flipH="1">
+            <a:off x="8502392" y="3826098"/>
+            <a:ext cx="431113" cy="209672"/>
+          </a:xfrm>
+          <a:prstGeom prst="bentConnector3">
+            <a:avLst>
+              <a:gd name="adj1" fmla="val 50000"/>
+            </a:avLst>
+          </a:prstGeom>
+          <a:ln w="6350" cmpd="sng">
+            <a:solidFill>
+              <a:schemeClr val="accent6"/>
+            </a:solidFill>
+            <a:headEnd type="triangle"/>
+            <a:tailEnd type="triangle"/>
+          </a:ln>
+          <a:effectLst/>
+        </p:spPr>
+        <p:style>
+          <a:lnRef idx="2">
+            <a:schemeClr val="accent1"/>
+          </a:lnRef>
+          <a:fillRef idx="0">
+            <a:schemeClr val="accent1"/>
+          </a:fillRef>
+          <a:effectRef idx="1">
+            <a:schemeClr val="accent1"/>
+          </a:effectRef>
+          <a:fontRef idx="minor">
+            <a:schemeClr val="tx1"/>
+          </a:fontRef>
+        </p:style>
+      </p:cxnSp>
+      <p:cxnSp>
+        <p:nvCxnSpPr>
+          <p:cNvPr id="170" name="Elbow Connector 169"/>
+          <p:cNvCxnSpPr>
+            <a:stCxn id="136" idx="3"/>
+            <a:endCxn id="129" idx="0"/>
+          </p:cNvCxnSpPr>
+          <p:nvPr/>
+        </p:nvCxnSpPr>
+        <p:spPr>
+          <a:xfrm rot="16200000" flipH="1">
+            <a:off x="8969522" y="3358968"/>
+            <a:ext cx="423127" cy="1135946"/>
+          </a:xfrm>
+          <a:prstGeom prst="bentConnector3">
+            <a:avLst>
+              <a:gd name="adj1" fmla="val 50000"/>
+            </a:avLst>
+          </a:prstGeom>
+          <a:ln w="6350" cmpd="sng">
+            <a:solidFill>
+              <a:schemeClr val="accent6"/>
+            </a:solidFill>
+            <a:headEnd type="triangle"/>
+            <a:tailEnd type="triangle"/>
+          </a:ln>
+          <a:effectLst/>
+        </p:spPr>
+        <p:style>
+          <a:lnRef idx="2">
+            <a:schemeClr val="accent1"/>
+          </a:lnRef>
+          <a:fillRef idx="0">
+            <a:schemeClr val="accent1"/>
+          </a:fillRef>
+          <a:effectRef idx="1">
+            <a:schemeClr val="accent1"/>
+          </a:effectRef>
+          <a:fontRef idx="minor">
+            <a:schemeClr val="tx1"/>
+          </a:fontRef>
+        </p:style>
+      </p:cxnSp>
+      <p:sp>
+        <p:nvSpPr>
+          <p:cNvPr id="176" name="TextBox 175"/>
+          <p:cNvSpPr txBox="1"/>
+          <p:nvPr/>
+        </p:nvSpPr>
+        <p:spPr>
+          <a:xfrm>
+            <a:off x="9588913" y="2807245"/>
+            <a:ext cx="1205462" cy="463391"/>
+          </a:xfrm>
+          <a:prstGeom prst="rect">
+            <a:avLst/>
+          </a:prstGeom>
+          <a:noFill/>
+          <a:ln>
+            <a:noFill/>
+          </a:ln>
+        </p:spPr>
+        <p:txBody>
+          <a:bodyPr wrap="square" lIns="0" tIns="0" rIns="0" bIns="0" rtlCol="0" anchor="ctr">
+            <a:normAutofit/>
+          </a:bodyPr>
+          <a:lstStyle/>
+          <a:p>
+            <a:pPr algn="ctr"/>
+            <a:r>
+              <a:rPr lang="en-US" sz="1100" b="1" dirty="0" smtClean="0">
+                <a:solidFill>
+                  <a:schemeClr val="tx2"/>
+                </a:solidFill>
+              </a:rPr>
+              <a:t>BNG-PGW NFF </a:t>
+            </a:r>
+          </a:p>
+          <a:p>
+            <a:pPr algn="ctr"/>
+            <a:r>
+              <a:rPr lang="en-US" sz="1100" b="1" dirty="0" smtClean="0">
+                <a:solidFill>
+                  <a:schemeClr val="tx2"/>
+                </a:solidFill>
+              </a:rPr>
+              <a:t>Data Path (DP)</a:t>
+            </a:r>
+            <a:endParaRPr lang="en-US" sz="1100" b="1" dirty="0">
+              <a:solidFill>
+                <a:schemeClr val="tx2"/>
+              </a:solidFill>
+            </a:endParaRPr>
+          </a:p>
+        </p:txBody>
+      </p:sp>
+      <p:sp>
+        <p:nvSpPr>
+          <p:cNvPr id="181" name="Rectangle 180"/>
+          <p:cNvSpPr/>
+          <p:nvPr/>
+        </p:nvSpPr>
+        <p:spPr>
+          <a:xfrm>
+            <a:off x="11416355" y="3921019"/>
+            <a:ext cx="559275" cy="843148"/>
+          </a:xfrm>
+          <a:prstGeom prst="rect">
+            <a:avLst/>
+          </a:prstGeom>
+          <a:solidFill>
+            <a:schemeClr val="bg1"/>
+          </a:solidFill>
+          <a:ln>
+            <a:solidFill>
+              <a:schemeClr val="bg2">
+                <a:lumMod val="75000"/>
+              </a:schemeClr>
+            </a:solidFill>
+          </a:ln>
+          <a:effectLst/>
+        </p:spPr>
+        <p:style>
+          <a:lnRef idx="1">
+            <a:schemeClr val="accent1"/>
+          </a:lnRef>
+          <a:fillRef idx="3">
+            <a:schemeClr val="accent1"/>
+          </a:fillRef>
+          <a:effectRef idx="2">
+            <a:schemeClr val="accent1"/>
+          </a:effectRef>
+          <a:fontRef idx="minor">
+            <a:schemeClr val="lt1"/>
+          </a:fontRef>
+        </p:style>
+        <p:txBody>
+          <a:bodyPr lIns="0" tIns="0" rIns="0" bIns="0" rtlCol="0" anchor="ctr">
+            <a:normAutofit/>
+          </a:bodyPr>
+          <a:lstStyle/>
+          <a:p>
+            <a:pPr algn="ctr"/>
+            <a:r>
+              <a:rPr lang="en-US" sz="1200" dirty="0" smtClean="0">
+                <a:solidFill>
+                  <a:schemeClr val="tx2"/>
+                </a:solidFill>
+              </a:rPr>
+              <a:t>App.</a:t>
+            </a:r>
+          </a:p>
+          <a:p>
+            <a:pPr algn="ctr"/>
+            <a:r>
+              <a:rPr lang="en-US" sz="1200" dirty="0" smtClean="0">
+                <a:solidFill>
+                  <a:schemeClr val="tx2"/>
+                </a:solidFill>
+              </a:rPr>
+              <a:t>Servers</a:t>
+            </a:r>
+            <a:endParaRPr lang="en-US" sz="1200" dirty="0">
+              <a:solidFill>
+                <a:schemeClr val="tx2"/>
+              </a:solidFill>
+            </a:endParaRPr>
+          </a:p>
+        </p:txBody>
+      </p:sp>
+      <p:cxnSp>
+        <p:nvCxnSpPr>
+          <p:cNvPr id="182" name="Straight Arrow Connector 181"/>
+          <p:cNvCxnSpPr>
+            <a:stCxn id="132" idx="3"/>
+            <a:endCxn id="181" idx="1"/>
+          </p:cNvCxnSpPr>
+          <p:nvPr/>
+        </p:nvCxnSpPr>
+        <p:spPr>
+          <a:xfrm flipV="1">
+            <a:off x="11156403" y="4342593"/>
+            <a:ext cx="259952" cy="3137"/>
+          </a:xfrm>
+          <a:prstGeom prst="straightConnector1">
+            <a:avLst/>
+          </a:prstGeom>
+          <a:ln w="6350" cmpd="sng">
+            <a:solidFill>
+              <a:schemeClr val="accent6"/>
+            </a:solidFill>
+            <a:headEnd type="triangle"/>
+            <a:tailEnd type="triangle"/>
+          </a:ln>
+          <a:effectLst/>
+        </p:spPr>
+        <p:style>
+          <a:lnRef idx="2">
+            <a:schemeClr val="accent1"/>
+          </a:lnRef>
+          <a:fillRef idx="0">
+            <a:schemeClr val="accent1"/>
+          </a:fillRef>
+          <a:effectRef idx="1">
+            <a:schemeClr val="accent1"/>
+          </a:effectRef>
+          <a:fontRef idx="minor">
+            <a:schemeClr val="tx1"/>
+          </a:fontRef>
+        </p:style>
+      </p:cxnSp>
+      <p:sp>
+        <p:nvSpPr>
+          <p:cNvPr id="185" name="TextBox 184"/>
+          <p:cNvSpPr txBox="1"/>
+          <p:nvPr/>
+        </p:nvSpPr>
+        <p:spPr>
+          <a:xfrm>
+            <a:off x="124229" y="36714"/>
+            <a:ext cx="3681722" cy="492649"/>
+          </a:xfrm>
+          <a:prstGeom prst="rect">
+            <a:avLst/>
+          </a:prstGeom>
+          <a:noFill/>
+          <a:ln>
+            <a:noFill/>
+          </a:ln>
+        </p:spPr>
+        <p:txBody>
+          <a:bodyPr wrap="square" lIns="0" tIns="0" rIns="0" bIns="0" rtlCol="0" anchor="ctr">
+            <a:normAutofit/>
+          </a:bodyPr>
+          <a:lstStyle/>
+          <a:p>
+            <a:pPr algn="ctr"/>
+            <a:r>
+              <a:rPr lang="en-US" sz="2000" b="1" dirty="0" smtClean="0">
+                <a:solidFill>
+                  <a:schemeClr val="tx2"/>
+                </a:solidFill>
+              </a:rPr>
+              <a:t>BNG-PGW on GO | NFF </a:t>
+            </a:r>
+            <a:r>
+              <a:rPr lang="en-US" sz="2000" b="1" dirty="0" smtClean="0">
+                <a:solidFill>
+                  <a:schemeClr val="tx2"/>
+                </a:solidFill>
+              </a:rPr>
+              <a:t>Design_v1</a:t>
+            </a:r>
+            <a:endParaRPr lang="en-US" sz="2000" b="1" dirty="0">
+              <a:solidFill>
+                <a:schemeClr val="tx2"/>
+              </a:solidFill>
+            </a:endParaRPr>
+          </a:p>
+        </p:txBody>
+      </p:sp>
+      <p:sp>
+        <p:nvSpPr>
+          <p:cNvPr id="186" name="TextBox 185"/>
+          <p:cNvSpPr txBox="1"/>
+          <p:nvPr/>
+        </p:nvSpPr>
+        <p:spPr>
+          <a:xfrm>
+            <a:off x="312235" y="5084956"/>
+            <a:ext cx="4028760" cy="1605776"/>
+          </a:xfrm>
+          <a:prstGeom prst="rect">
+            <a:avLst/>
+          </a:prstGeom>
+          <a:noFill/>
+          <a:ln>
+            <a:noFill/>
+          </a:ln>
+        </p:spPr>
+        <p:txBody>
+          <a:bodyPr wrap="square" lIns="0" tIns="0" rIns="0" bIns="0" rtlCol="0">
+            <a:normAutofit fontScale="85000" lnSpcReduction="20000"/>
+          </a:bodyPr>
+          <a:lstStyle/>
+          <a:p>
+            <a:r>
+              <a:rPr lang="en-US" sz="1400" b="1" dirty="0" smtClean="0">
+                <a:solidFill>
+                  <a:schemeClr val="tx2"/>
+                </a:solidFill>
+              </a:rPr>
+              <a:t>Preliminary Requirement/Feature set: Phase 1 Q1’18:</a:t>
+            </a:r>
+          </a:p>
+          <a:p>
+            <a:pPr marL="233363" indent="-233363">
+              <a:spcBef>
+                <a:spcPts val="600"/>
+              </a:spcBef>
+              <a:buFontTx/>
+              <a:buChar char="-"/>
+            </a:pPr>
+            <a:r>
+              <a:rPr lang="en-US" sz="1400" dirty="0" err="1">
+                <a:solidFill>
+                  <a:schemeClr val="tx2"/>
+                </a:solidFill>
+              </a:rPr>
+              <a:t>UE+NodeB</a:t>
+            </a:r>
+            <a:r>
+              <a:rPr lang="en-US" sz="1400" dirty="0">
+                <a:solidFill>
+                  <a:schemeClr val="tx2"/>
+                </a:solidFill>
+              </a:rPr>
+              <a:t>, MME, HSS ng4T emulation </a:t>
+            </a:r>
+          </a:p>
+          <a:p>
+            <a:pPr marL="233363" indent="-233363">
+              <a:spcBef>
+                <a:spcPts val="600"/>
+              </a:spcBef>
+              <a:buFontTx/>
+              <a:buChar char="-"/>
+            </a:pPr>
+            <a:r>
+              <a:rPr lang="en-US" sz="1400" dirty="0">
+                <a:solidFill>
+                  <a:schemeClr val="tx2"/>
+                </a:solidFill>
+              </a:rPr>
+              <a:t>IPv4 on all interfaces (S1-MME, S11, S1U, </a:t>
+            </a:r>
+            <a:r>
+              <a:rPr lang="en-US" sz="1400" dirty="0" err="1">
+                <a:solidFill>
+                  <a:schemeClr val="tx2"/>
+                </a:solidFill>
+              </a:rPr>
               <a:t>SGi</a:t>
             </a:r>
             <a:r>
-              <a:rPr lang="en-US" sz="1800" dirty="0"/>
-              <a:t> and S1-U</a:t>
-            </a:r>
-          </a:p>
-          <a:p>
-            <a:pPr lvl="3"/>
-            <a:r>
-              <a:rPr lang="en-US" sz="1800" dirty="0"/>
-              <a:t>Initially prefer </a:t>
-            </a:r>
-            <a:r>
-              <a:rPr lang="en-US" sz="1800" dirty="0" err="1"/>
+              <a:rPr lang="en-US" sz="1400" dirty="0">
+                <a:solidFill>
+                  <a:schemeClr val="tx2"/>
+                </a:solidFill>
+              </a:rPr>
+              <a:t>). </a:t>
+            </a:r>
+          </a:p>
+          <a:p>
+            <a:pPr marL="233363" indent="-233363">
+              <a:spcBef>
+                <a:spcPts val="600"/>
+              </a:spcBef>
+              <a:buFontTx/>
+              <a:buChar char="-"/>
+            </a:pPr>
+            <a:r>
+              <a:rPr lang="en-US" sz="1400" dirty="0" smtClean="0">
+                <a:solidFill>
+                  <a:schemeClr val="tx2"/>
+                </a:solidFill>
+              </a:rPr>
+              <a:t>#</a:t>
+            </a:r>
+            <a:r>
+              <a:rPr lang="en-US" sz="1400" dirty="0">
+                <a:solidFill>
+                  <a:schemeClr val="tx2"/>
+                </a:solidFill>
+              </a:rPr>
+              <a:t>of UEs/Flows = 10K; 1 </a:t>
+            </a:r>
+            <a:r>
+              <a:rPr lang="en-US" sz="1400" dirty="0" smtClean="0">
+                <a:solidFill>
+                  <a:schemeClr val="tx2"/>
+                </a:solidFill>
+              </a:rPr>
+              <a:t>MPPS</a:t>
+            </a:r>
+          </a:p>
+          <a:p>
+            <a:pPr marL="233363" indent="-233363">
+              <a:spcBef>
+                <a:spcPts val="600"/>
+              </a:spcBef>
+              <a:buFontTx/>
+              <a:buChar char="-"/>
+            </a:pPr>
+            <a:r>
+              <a:rPr lang="en-US" sz="1400" dirty="0" err="1" smtClean="0">
+                <a:solidFill>
+                  <a:schemeClr val="bg2">
+                    <a:lumMod val="75000"/>
+                  </a:schemeClr>
+                </a:solidFill>
+              </a:rPr>
+              <a:t>QoS</a:t>
+            </a:r>
+            <a:r>
+              <a:rPr lang="en-US" sz="1400" dirty="0" smtClean="0">
+                <a:solidFill>
+                  <a:schemeClr val="bg2">
+                    <a:lumMod val="75000"/>
+                  </a:schemeClr>
+                </a:solidFill>
+              </a:rPr>
+              <a:t>/TM Shaper Phase 2 ~Q2’18 </a:t>
+            </a:r>
+            <a:endParaRPr lang="en-US" sz="1400" dirty="0">
+              <a:solidFill>
+                <a:schemeClr val="bg2">
+                  <a:lumMod val="75000"/>
+                </a:schemeClr>
+              </a:solidFill>
+            </a:endParaRPr>
+          </a:p>
+          <a:p>
+            <a:pPr marL="233363" indent="-233363">
+              <a:spcBef>
+                <a:spcPts val="600"/>
+              </a:spcBef>
+              <a:buFontTx/>
+              <a:buChar char="-"/>
+            </a:pPr>
+            <a:r>
+              <a:rPr lang="en-US" sz="1400" dirty="0" smtClean="0">
+                <a:solidFill>
+                  <a:schemeClr val="bg2">
+                    <a:lumMod val="75000"/>
+                  </a:schemeClr>
+                </a:solidFill>
+              </a:rPr>
+              <a:t>ARP on S1U/</a:t>
+            </a:r>
+            <a:r>
+              <a:rPr lang="en-US" sz="1400" dirty="0" err="1" smtClean="0">
+                <a:solidFill>
+                  <a:schemeClr val="bg2">
+                    <a:lumMod val="75000"/>
+                  </a:schemeClr>
+                </a:solidFill>
+              </a:rPr>
               <a:t>SGi</a:t>
             </a:r>
             <a:r>
-              <a:rPr lang="en-US" sz="1800" dirty="0"/>
-              <a:t> and S1-U be separate</a:t>
+              <a:rPr lang="en-US" sz="1400" dirty="0" smtClean="0">
+                <a:solidFill>
+                  <a:schemeClr val="bg2">
+                    <a:lumMod val="75000"/>
+                  </a:schemeClr>
+                </a:solidFill>
+              </a:rPr>
+              <a:t>. ICMP Phase 2 ~Q2’18</a:t>
+            </a:r>
+          </a:p>
+          <a:p>
+            <a:pPr marL="233363" indent="-233363">
+              <a:spcBef>
+                <a:spcPts val="600"/>
+              </a:spcBef>
+              <a:buFontTx/>
+              <a:buChar char="-"/>
+            </a:pPr>
+            <a:r>
+              <a:rPr lang="en-US" sz="1400" dirty="0" smtClean="0">
+                <a:solidFill>
+                  <a:schemeClr val="bg2">
+                    <a:lumMod val="75000"/>
+                  </a:schemeClr>
+                </a:solidFill>
+              </a:rPr>
+              <a:t>IPv6 Phase 2 Q2’18 target</a:t>
+            </a:r>
+          </a:p>
+        </p:txBody>
+      </p:sp>
+      <p:sp>
+        <p:nvSpPr>
+          <p:cNvPr id="75" name="TextBox 74"/>
+          <p:cNvSpPr txBox="1"/>
+          <p:nvPr/>
+        </p:nvSpPr>
+        <p:spPr>
+          <a:xfrm>
+            <a:off x="10640838" y="1393825"/>
+            <a:ext cx="887437" cy="346076"/>
+          </a:xfrm>
+          <a:prstGeom prst="rect">
+            <a:avLst/>
+          </a:prstGeom>
+          <a:noFill/>
+          <a:ln>
+            <a:noFill/>
+          </a:ln>
+        </p:spPr>
+        <p:txBody>
+          <a:bodyPr wrap="square" lIns="0" tIns="0" rIns="0" bIns="0" rtlCol="0" anchor="ctr">
+            <a:normAutofit/>
+          </a:bodyPr>
+          <a:lstStyle/>
+          <a:p>
+            <a:pPr algn="ctr"/>
+            <a:r>
+              <a:rPr lang="en-US" sz="900" b="1" dirty="0" smtClean="0">
+                <a:solidFill>
+                  <a:schemeClr val="tx2"/>
+                </a:solidFill>
+              </a:rPr>
+              <a:t>BNG-PGW NFF </a:t>
+            </a:r>
+          </a:p>
+          <a:p>
+            <a:pPr algn="ctr"/>
+            <a:r>
+              <a:rPr lang="en-US" sz="900" b="1" dirty="0" smtClean="0">
+                <a:solidFill>
+                  <a:schemeClr val="tx2"/>
+                </a:solidFill>
+              </a:rPr>
+              <a:t>Control Plane (CP)</a:t>
+            </a:r>
+            <a:endParaRPr lang="en-US" sz="900" b="1" dirty="0">
+              <a:solidFill>
+                <a:schemeClr val="tx2"/>
+              </a:solidFill>
+            </a:endParaRPr>
+          </a:p>
+        </p:txBody>
+      </p:sp>
+      <p:sp>
+        <p:nvSpPr>
+          <p:cNvPr id="77" name="Flowchart: Magnetic Disk 76"/>
+          <p:cNvSpPr/>
+          <p:nvPr/>
+        </p:nvSpPr>
+        <p:spPr>
+          <a:xfrm>
+            <a:off x="9539058" y="2145579"/>
+            <a:ext cx="926275" cy="333955"/>
+          </a:xfrm>
+          <a:prstGeom prst="flowChartMagneticDisk">
+            <a:avLst/>
+          </a:prstGeom>
+          <a:solidFill>
+            <a:schemeClr val="bg1"/>
+          </a:solidFill>
+          <a:ln w="12700">
+            <a:solidFill>
+              <a:schemeClr val="bg2">
+                <a:lumMod val="75000"/>
+              </a:schemeClr>
+            </a:solidFill>
+          </a:ln>
+          <a:effectLst/>
+        </p:spPr>
+        <p:style>
+          <a:lnRef idx="1">
+            <a:schemeClr val="accent1"/>
+          </a:lnRef>
+          <a:fillRef idx="3">
+            <a:schemeClr val="accent1"/>
+          </a:fillRef>
+          <a:effectRef idx="2">
+            <a:schemeClr val="accent1"/>
+          </a:effectRef>
+          <a:fontRef idx="minor">
+            <a:schemeClr val="lt1"/>
+          </a:fontRef>
+        </p:style>
+        <p:txBody>
+          <a:bodyPr rot="0" spcFirstLastPara="0" vertOverflow="overflow" horzOverflow="overflow" vert="horz" wrap="square" lIns="0" tIns="0" rIns="0" bIns="0" numCol="1" spcCol="0" rtlCol="0" fromWordArt="0" anchor="ctr" anchorCtr="0" forceAA="0" compatLnSpc="1">
+            <a:prstTxWarp prst="textNoShape">
+              <a:avLst/>
+            </a:prstTxWarp>
+            <a:normAutofit/>
+          </a:bodyPr>
+          <a:lstStyle/>
+          <a:p>
+            <a:pPr algn="ctr"/>
+            <a:r>
+              <a:rPr lang="en-US" sz="1050" dirty="0" err="1">
+                <a:solidFill>
+                  <a:schemeClr val="tx2"/>
+                </a:solidFill>
+              </a:rPr>
+              <a:t>bng_sla_hash</a:t>
+            </a:r>
+            <a:endParaRPr lang="en-US" sz="1050" dirty="0">
+              <a:solidFill>
+                <a:schemeClr val="tx2"/>
+              </a:solidFill>
+            </a:endParaRPr>
+          </a:p>
+        </p:txBody>
+      </p:sp>
+      <p:sp>
+        <p:nvSpPr>
+          <p:cNvPr id="9" name="Parallelogram 8"/>
+          <p:cNvSpPr/>
+          <p:nvPr/>
+        </p:nvSpPr>
+        <p:spPr>
+          <a:xfrm>
+            <a:off x="9391419" y="1660294"/>
+            <a:ext cx="1057274" cy="201455"/>
+          </a:xfrm>
+          <a:prstGeom prst="parallelogram">
+            <a:avLst/>
+          </a:prstGeom>
+          <a:noFill/>
+          <a:ln>
+            <a:solidFill>
+              <a:schemeClr val="tx2"/>
+            </a:solidFill>
+          </a:ln>
+          <a:effectLst/>
+        </p:spPr>
+        <p:style>
+          <a:lnRef idx="1">
+            <a:schemeClr val="accent1"/>
+          </a:lnRef>
+          <a:fillRef idx="3">
+            <a:schemeClr val="accent1"/>
+          </a:fillRef>
+          <a:effectRef idx="2">
+            <a:schemeClr val="accent1"/>
+          </a:effectRef>
+          <a:fontRef idx="minor">
+            <a:schemeClr val="lt1"/>
+          </a:fontRef>
+        </p:style>
+        <p:txBody>
+          <a:bodyPr lIns="0" tIns="0" rIns="0" bIns="0" rtlCol="0" anchor="ctr">
+            <a:normAutofit/>
+          </a:bodyPr>
+          <a:lstStyle/>
+          <a:p>
+            <a:pPr algn="ctr"/>
+            <a:r>
+              <a:rPr lang="en-US" sz="900" dirty="0" err="1" smtClean="0">
+                <a:solidFill>
+                  <a:schemeClr val="tx2"/>
+                </a:solidFill>
+              </a:rPr>
+              <a:t>imsi_profile_grp</a:t>
+            </a:r>
+            <a:r>
+              <a:rPr lang="en-US" sz="900" dirty="0" smtClean="0">
+                <a:solidFill>
+                  <a:schemeClr val="tx2"/>
+                </a:solidFill>
+              </a:rPr>
+              <a:t>[]</a:t>
+            </a:r>
+          </a:p>
+        </p:txBody>
+      </p:sp>
+      <p:sp>
+        <p:nvSpPr>
+          <p:cNvPr id="70" name="Flowchart: Magnetic Disk 69"/>
+          <p:cNvSpPr/>
+          <p:nvPr/>
+        </p:nvSpPr>
+        <p:spPr>
+          <a:xfrm>
+            <a:off x="7675849" y="471797"/>
+            <a:ext cx="926275" cy="333955"/>
+          </a:xfrm>
+          <a:prstGeom prst="flowChartMagneticDisk">
+            <a:avLst/>
+          </a:prstGeom>
+          <a:solidFill>
+            <a:schemeClr val="bg1"/>
+          </a:solidFill>
+          <a:ln w="12700">
+            <a:solidFill>
+              <a:schemeClr val="bg2">
+                <a:lumMod val="75000"/>
+              </a:schemeClr>
+            </a:solidFill>
+          </a:ln>
+          <a:effectLst/>
+        </p:spPr>
+        <p:style>
+          <a:lnRef idx="1">
+            <a:schemeClr val="accent1"/>
+          </a:lnRef>
+          <a:fillRef idx="3">
+            <a:schemeClr val="accent1"/>
+          </a:fillRef>
+          <a:effectRef idx="2">
+            <a:schemeClr val="accent1"/>
+          </a:effectRef>
+          <a:fontRef idx="minor">
+            <a:schemeClr val="lt1"/>
+          </a:fontRef>
+        </p:style>
+        <p:txBody>
+          <a:bodyPr rot="0" spcFirstLastPara="0" vertOverflow="overflow" horzOverflow="overflow" vert="horz" wrap="square" lIns="0" tIns="0" rIns="0" bIns="0" numCol="1" spcCol="0" rtlCol="0" fromWordArt="0" anchor="ctr" anchorCtr="0" forceAA="0" compatLnSpc="1">
+            <a:prstTxWarp prst="textNoShape">
+              <a:avLst/>
+            </a:prstTxWarp>
+            <a:normAutofit/>
+          </a:bodyPr>
+          <a:lstStyle/>
+          <a:p>
+            <a:pPr algn="ctr"/>
+            <a:r>
+              <a:rPr lang="en-US" sz="1050" dirty="0" err="1">
+                <a:solidFill>
+                  <a:schemeClr val="tx2"/>
+                </a:solidFill>
+              </a:rPr>
+              <a:t>sla_profile_db</a:t>
+            </a:r>
+            <a:endParaRPr lang="en-US" sz="1050" dirty="0">
+              <a:solidFill>
+                <a:schemeClr val="tx2"/>
+              </a:solidFill>
+            </a:endParaRPr>
+          </a:p>
+        </p:txBody>
+      </p:sp>
+      <p:sp>
+        <p:nvSpPr>
+          <p:cNvPr id="72" name="Flowchart: Magnetic Disk 71"/>
+          <p:cNvSpPr/>
+          <p:nvPr/>
+        </p:nvSpPr>
+        <p:spPr>
+          <a:xfrm>
+            <a:off x="8705306" y="465436"/>
+            <a:ext cx="926275" cy="333955"/>
+          </a:xfrm>
+          <a:prstGeom prst="flowChartMagneticDisk">
+            <a:avLst/>
+          </a:prstGeom>
+          <a:solidFill>
+            <a:schemeClr val="bg1"/>
+          </a:solidFill>
+          <a:ln w="12700">
+            <a:solidFill>
+              <a:schemeClr val="bg2">
+                <a:lumMod val="75000"/>
+              </a:schemeClr>
+            </a:solidFill>
+          </a:ln>
+          <a:effectLst/>
+        </p:spPr>
+        <p:style>
+          <a:lnRef idx="1">
+            <a:schemeClr val="accent1"/>
+          </a:lnRef>
+          <a:fillRef idx="3">
+            <a:schemeClr val="accent1"/>
+          </a:fillRef>
+          <a:effectRef idx="2">
+            <a:schemeClr val="accent1"/>
+          </a:effectRef>
+          <a:fontRef idx="minor">
+            <a:schemeClr val="lt1"/>
+          </a:fontRef>
+        </p:style>
+        <p:txBody>
+          <a:bodyPr rot="0" spcFirstLastPara="0" vertOverflow="overflow" horzOverflow="overflow" vert="horz" wrap="square" lIns="0" tIns="0" rIns="0" bIns="0" numCol="1" spcCol="0" rtlCol="0" fromWordArt="0" anchor="ctr" anchorCtr="0" forceAA="0" compatLnSpc="1">
+            <a:prstTxWarp prst="textNoShape">
+              <a:avLst/>
+            </a:prstTxWarp>
+            <a:normAutofit/>
+          </a:bodyPr>
+          <a:lstStyle/>
+          <a:p>
+            <a:pPr algn="ctr"/>
+            <a:r>
+              <a:rPr lang="en-US" sz="1050" dirty="0" err="1" smtClean="0">
+                <a:solidFill>
+                  <a:schemeClr val="tx2"/>
+                </a:solidFill>
+              </a:rPr>
+              <a:t>imsi_DB</a:t>
+            </a:r>
+            <a:r>
+              <a:rPr lang="en-US" sz="1050" dirty="0" smtClean="0">
+                <a:solidFill>
+                  <a:schemeClr val="tx2"/>
+                </a:solidFill>
+              </a:rPr>
+              <a:t>-LDAP</a:t>
+            </a:r>
+            <a:endParaRPr lang="en-US" sz="1050" dirty="0">
+              <a:solidFill>
+                <a:schemeClr val="tx2"/>
+              </a:solidFill>
+            </a:endParaRPr>
+          </a:p>
+        </p:txBody>
+      </p:sp>
+      <p:sp>
+        <p:nvSpPr>
+          <p:cNvPr id="73" name="Flowchart: Magnetic Disk 72"/>
+          <p:cNvSpPr/>
+          <p:nvPr/>
+        </p:nvSpPr>
+        <p:spPr>
+          <a:xfrm>
+            <a:off x="9734179" y="474416"/>
+            <a:ext cx="926275" cy="333955"/>
+          </a:xfrm>
+          <a:prstGeom prst="flowChartMagneticDisk">
+            <a:avLst/>
+          </a:prstGeom>
+          <a:solidFill>
+            <a:schemeClr val="bg1"/>
+          </a:solidFill>
+          <a:ln w="12700">
+            <a:solidFill>
+              <a:schemeClr val="bg2">
+                <a:lumMod val="75000"/>
+              </a:schemeClr>
+            </a:solidFill>
+          </a:ln>
+          <a:effectLst/>
+        </p:spPr>
+        <p:style>
+          <a:lnRef idx="1">
+            <a:schemeClr val="accent1"/>
+          </a:lnRef>
+          <a:fillRef idx="3">
+            <a:schemeClr val="accent1"/>
+          </a:fillRef>
+          <a:effectRef idx="2">
+            <a:schemeClr val="accent1"/>
+          </a:effectRef>
+          <a:fontRef idx="minor">
+            <a:schemeClr val="lt1"/>
+          </a:fontRef>
+        </p:style>
+        <p:txBody>
+          <a:bodyPr rot="0" spcFirstLastPara="0" vertOverflow="overflow" horzOverflow="overflow" vert="horz" wrap="square" lIns="0" tIns="0" rIns="0" bIns="0" numCol="1" spcCol="0" rtlCol="0" fromWordArt="0" anchor="ctr" anchorCtr="0" forceAA="0" compatLnSpc="1">
+            <a:prstTxWarp prst="textNoShape">
+              <a:avLst/>
+            </a:prstTxWarp>
+            <a:normAutofit/>
+          </a:bodyPr>
+          <a:lstStyle/>
+          <a:p>
+            <a:pPr algn="ctr"/>
+            <a:r>
+              <a:rPr lang="en-US" sz="1050" dirty="0" err="1" smtClean="0">
+                <a:solidFill>
+                  <a:schemeClr val="tx2"/>
+                </a:solidFill>
+              </a:rPr>
+              <a:t>sla_DB</a:t>
+            </a:r>
+            <a:r>
+              <a:rPr lang="en-US" sz="1050" dirty="0" smtClean="0">
+                <a:solidFill>
+                  <a:schemeClr val="tx2"/>
+                </a:solidFill>
+              </a:rPr>
+              <a:t>-LDAP</a:t>
+            </a:r>
+            <a:endParaRPr lang="en-US" sz="1050" dirty="0">
+              <a:solidFill>
+                <a:schemeClr val="tx2"/>
+              </a:solidFill>
+            </a:endParaRPr>
+          </a:p>
+        </p:txBody>
+      </p:sp>
+      <p:cxnSp>
+        <p:nvCxnSpPr>
+          <p:cNvPr id="85" name="Elbow Connector 84"/>
+          <p:cNvCxnSpPr>
+            <a:stCxn id="70" idx="3"/>
+            <a:endCxn id="59" idx="0"/>
+          </p:cNvCxnSpPr>
+          <p:nvPr/>
+        </p:nvCxnSpPr>
+        <p:spPr>
+          <a:xfrm rot="16200000" flipH="1">
+            <a:off x="8354480" y="590259"/>
+            <a:ext cx="266327" cy="697312"/>
+          </a:xfrm>
+          <a:prstGeom prst="bentConnector3">
+            <a:avLst/>
+          </a:prstGeom>
+          <a:ln w="6350" cmpd="sng">
+            <a:solidFill>
+              <a:schemeClr val="accent6"/>
+            </a:solidFill>
+            <a:headEnd type="triangle"/>
+            <a:tailEnd type="triangle"/>
+          </a:ln>
+          <a:effectLst/>
+        </p:spPr>
+        <p:style>
+          <a:lnRef idx="2">
+            <a:schemeClr val="accent1"/>
+          </a:lnRef>
+          <a:fillRef idx="0">
+            <a:schemeClr val="accent1"/>
+          </a:fillRef>
+          <a:effectRef idx="1">
+            <a:schemeClr val="accent1"/>
+          </a:effectRef>
+          <a:fontRef idx="minor">
+            <a:schemeClr val="tx1"/>
+          </a:fontRef>
+        </p:style>
+      </p:cxnSp>
+      <p:cxnSp>
+        <p:nvCxnSpPr>
+          <p:cNvPr id="87" name="Elbow Connector 86"/>
+          <p:cNvCxnSpPr>
+            <a:stCxn id="72" idx="3"/>
+            <a:endCxn id="59" idx="0"/>
+          </p:cNvCxnSpPr>
+          <p:nvPr/>
+        </p:nvCxnSpPr>
+        <p:spPr>
+          <a:xfrm rot="5400000">
+            <a:off x="8866028" y="769663"/>
+            <a:ext cx="272688" cy="332145"/>
+          </a:xfrm>
+          <a:prstGeom prst="bentConnector3">
+            <a:avLst/>
+          </a:prstGeom>
+          <a:ln w="6350" cmpd="sng">
+            <a:solidFill>
+              <a:schemeClr val="accent6"/>
+            </a:solidFill>
+            <a:headEnd type="triangle"/>
+            <a:tailEnd type="triangle"/>
+          </a:ln>
+          <a:effectLst/>
+        </p:spPr>
+        <p:style>
+          <a:lnRef idx="2">
+            <a:schemeClr val="accent1"/>
+          </a:lnRef>
+          <a:fillRef idx="0">
+            <a:schemeClr val="accent1"/>
+          </a:fillRef>
+          <a:effectRef idx="1">
+            <a:schemeClr val="accent1"/>
+          </a:effectRef>
+          <a:fontRef idx="minor">
+            <a:schemeClr val="tx1"/>
+          </a:fontRef>
+        </p:style>
+      </p:cxnSp>
+      <p:cxnSp>
+        <p:nvCxnSpPr>
+          <p:cNvPr id="94" name="Elbow Connector 93"/>
+          <p:cNvCxnSpPr>
+            <a:stCxn id="73" idx="3"/>
+            <a:endCxn id="59" idx="0"/>
+          </p:cNvCxnSpPr>
+          <p:nvPr/>
+        </p:nvCxnSpPr>
+        <p:spPr>
+          <a:xfrm rot="5400000">
+            <a:off x="9384954" y="259716"/>
+            <a:ext cx="263708" cy="1361018"/>
+          </a:xfrm>
+          <a:prstGeom prst="bentConnector3">
+            <a:avLst>
+              <a:gd name="adj1" fmla="val 50000"/>
+            </a:avLst>
+          </a:prstGeom>
+          <a:ln w="6350" cmpd="sng">
+            <a:solidFill>
+              <a:schemeClr val="accent6"/>
+            </a:solidFill>
+            <a:headEnd type="triangle"/>
+            <a:tailEnd type="triangle"/>
+          </a:ln>
+          <a:effectLst/>
+        </p:spPr>
+        <p:style>
+          <a:lnRef idx="2">
+            <a:schemeClr val="accent1"/>
+          </a:lnRef>
+          <a:fillRef idx="0">
+            <a:schemeClr val="accent1"/>
+          </a:fillRef>
+          <a:effectRef idx="1">
+            <a:schemeClr val="accent1"/>
+          </a:effectRef>
+          <a:fontRef idx="minor">
+            <a:schemeClr val="tx1"/>
+          </a:fontRef>
+        </p:style>
+      </p:cxnSp>
+      <p:sp>
+        <p:nvSpPr>
+          <p:cNvPr id="99" name="TextBox 98"/>
+          <p:cNvSpPr txBox="1"/>
+          <p:nvPr/>
+        </p:nvSpPr>
+        <p:spPr>
+          <a:xfrm>
+            <a:off x="9977120" y="204209"/>
+            <a:ext cx="817747" cy="247626"/>
+          </a:xfrm>
+          <a:prstGeom prst="rect">
+            <a:avLst/>
+          </a:prstGeom>
+          <a:noFill/>
+          <a:ln>
+            <a:noFill/>
+          </a:ln>
+        </p:spPr>
+        <p:txBody>
+          <a:bodyPr wrap="square" lIns="0" tIns="0" rIns="0" bIns="0" rtlCol="0" anchor="ctr">
+            <a:normAutofit/>
+          </a:bodyPr>
+          <a:lstStyle/>
+          <a:p>
+            <a:pPr algn="ctr"/>
+            <a:r>
+              <a:rPr lang="en-US" sz="900" b="1" dirty="0" smtClean="0">
+                <a:solidFill>
+                  <a:schemeClr val="tx2"/>
+                </a:solidFill>
+              </a:rPr>
+              <a:t>AT&amp;T OSS,BSS</a:t>
+            </a:r>
+            <a:endParaRPr lang="en-US" sz="900" b="1" dirty="0">
+              <a:solidFill>
+                <a:schemeClr val="tx2"/>
+              </a:solidFill>
+            </a:endParaRPr>
+          </a:p>
+        </p:txBody>
+      </p:sp>
+      <p:sp>
+        <p:nvSpPr>
+          <p:cNvPr id="101" name="TextBox 100"/>
+          <p:cNvSpPr txBox="1"/>
+          <p:nvPr/>
+        </p:nvSpPr>
+        <p:spPr>
+          <a:xfrm>
+            <a:off x="6875054" y="2672877"/>
+            <a:ext cx="558319" cy="125213"/>
+          </a:xfrm>
+          <a:prstGeom prst="rect">
+            <a:avLst/>
+          </a:prstGeom>
+          <a:solidFill>
+            <a:schemeClr val="bg1">
+              <a:lumMod val="85000"/>
+            </a:schemeClr>
+          </a:solidFill>
+          <a:ln>
+            <a:noFill/>
+          </a:ln>
+        </p:spPr>
+        <p:txBody>
+          <a:bodyPr wrap="square" lIns="0" tIns="0" rIns="0" bIns="0" rtlCol="0" anchor="ctr">
+            <a:normAutofit fontScale="55000" lnSpcReduction="20000"/>
+          </a:bodyPr>
+          <a:lstStyle/>
+          <a:p>
+            <a:pPr algn="ctr"/>
+            <a:r>
+              <a:rPr lang="en-US" sz="1100" dirty="0" smtClean="0">
+                <a:solidFill>
+                  <a:schemeClr val="tx2"/>
+                </a:solidFill>
+              </a:rPr>
+              <a:t>ZMQ: PUB|SUB</a:t>
+            </a:r>
+            <a:endParaRPr lang="en-US" sz="1100" dirty="0">
+              <a:solidFill>
+                <a:schemeClr val="tx2"/>
+              </a:solidFill>
+            </a:endParaRPr>
+          </a:p>
+        </p:txBody>
+      </p:sp>
+      <p:sp>
+        <p:nvSpPr>
+          <p:cNvPr id="104" name="TextBox 103"/>
+          <p:cNvSpPr txBox="1"/>
+          <p:nvPr/>
+        </p:nvSpPr>
+        <p:spPr>
+          <a:xfrm>
+            <a:off x="4340995" y="5084956"/>
+            <a:ext cx="4028760" cy="1619595"/>
+          </a:xfrm>
+          <a:prstGeom prst="rect">
+            <a:avLst/>
+          </a:prstGeom>
+          <a:noFill/>
+          <a:ln>
+            <a:noFill/>
+          </a:ln>
+        </p:spPr>
+        <p:txBody>
+          <a:bodyPr wrap="square" lIns="0" tIns="0" rIns="0" bIns="0" rtlCol="0">
+            <a:normAutofit/>
+          </a:bodyPr>
+          <a:lstStyle/>
+          <a:p>
+            <a:r>
+              <a:rPr lang="en-US" sz="1400" b="1" dirty="0" smtClean="0">
+                <a:solidFill>
+                  <a:schemeClr val="tx2"/>
+                </a:solidFill>
+              </a:rPr>
+              <a:t>Phase 1 Q1’18 stages:</a:t>
+            </a:r>
+          </a:p>
+          <a:p>
+            <a:pPr marL="233363" indent="-233363">
+              <a:spcBef>
+                <a:spcPts val="600"/>
+              </a:spcBef>
+              <a:buFontTx/>
+              <a:buChar char="-"/>
+            </a:pPr>
+            <a:r>
+              <a:rPr lang="en-US" sz="1400" dirty="0" smtClean="0">
+                <a:solidFill>
+                  <a:schemeClr val="tx2"/>
+                </a:solidFill>
+              </a:rPr>
+              <a:t>#1: Areg + Ashok</a:t>
+            </a:r>
+            <a:endParaRPr lang="en-US" sz="1400" dirty="0">
+              <a:solidFill>
+                <a:schemeClr val="tx2"/>
+              </a:solidFill>
+            </a:endParaRPr>
+          </a:p>
+          <a:p>
+            <a:pPr marL="233363" indent="-233363">
+              <a:spcBef>
+                <a:spcPts val="600"/>
+              </a:spcBef>
+              <a:buFontTx/>
+              <a:buChar char="-"/>
+            </a:pPr>
+            <a:r>
+              <a:rPr lang="en-US" sz="1400" dirty="0" smtClean="0">
+                <a:solidFill>
+                  <a:schemeClr val="tx2"/>
+                </a:solidFill>
+              </a:rPr>
+              <a:t>#2: Ashok + ng4T</a:t>
+            </a:r>
+            <a:endParaRPr lang="en-US" sz="1400" dirty="0">
+              <a:solidFill>
+                <a:schemeClr val="tx2"/>
+              </a:solidFill>
+            </a:endParaRPr>
+          </a:p>
+          <a:p>
+            <a:pPr marL="233363" indent="-233363">
+              <a:spcBef>
+                <a:spcPts val="600"/>
+              </a:spcBef>
+              <a:buFontTx/>
+              <a:buChar char="-"/>
+            </a:pPr>
+            <a:r>
+              <a:rPr lang="en-US" sz="1400" dirty="0" smtClean="0">
+                <a:solidFill>
+                  <a:schemeClr val="tx2"/>
+                </a:solidFill>
+              </a:rPr>
+              <a:t>#3: Ashok + ng4T + Areg </a:t>
             </a:r>
           </a:p>
         </p:txBody>
@@ -29792,7 +34558,7 @@
     </p:spTree>
     <p:extLst>
       <p:ext uri="{BB962C8B-B14F-4D97-AF65-F5344CB8AC3E}">
-        <p14:creationId xmlns:p14="http://schemas.microsoft.com/office/powerpoint/2010/main" val="899437449"/>
+        <p14:creationId xmlns:p14="http://schemas.microsoft.com/office/powerpoint/2010/main" val="1579725994"/>
       </p:ext>
     </p:extLst>
   </p:cSld>
@@ -29857,14 +34623,19 @@
             <p:ph type="title"/>
           </p:nvPr>
         </p:nvSpPr>
-        <p:spPr/>
+        <p:spPr>
+          <a:xfrm>
+            <a:off x="1890768" y="276465"/>
+            <a:ext cx="8408988" cy="342206"/>
+          </a:xfrm>
+        </p:spPr>
         <p:txBody>
           <a:bodyPr/>
           <a:lstStyle/>
           <a:p>
             <a:r>
               <a:rPr lang="en-US" dirty="0" smtClean="0"/>
-              <a:t>Requirements   (* = Not Day One)</a:t>
+              <a:t>BNG Forwarded Architecture Model – high level</a:t>
             </a:r>
             <a:endParaRPr lang="en-US" dirty="0"/>
           </a:p>
@@ -29880,329 +34651,115 @@
             <p:ph sz="quarter" idx="12"/>
           </p:nvPr>
         </p:nvSpPr>
-        <p:spPr/>
+        <p:spPr>
+          <a:xfrm>
+            <a:off x="1890768" y="1034595"/>
+            <a:ext cx="8408988" cy="6004380"/>
+          </a:xfrm>
+        </p:spPr>
         <p:txBody>
           <a:bodyPr/>
           <a:lstStyle/>
           <a:p>
             <a:r>
-              <a:rPr lang="en-US" sz="1200" dirty="0">
-                <a:solidFill>
-                  <a:schemeClr val="tx2"/>
-                </a:solidFill>
-              </a:rPr>
-              <a:t>Subscriber = GTP-U TEID session (no MDU/</a:t>
-            </a:r>
-            <a:r>
-              <a:rPr lang="en-US" sz="1200" dirty="0" err="1">
-                <a:solidFill>
-                  <a:schemeClr val="tx2"/>
-                </a:solidFill>
-              </a:rPr>
-              <a:t>multisubscriber</a:t>
-            </a:r>
-            <a:r>
-              <a:rPr lang="en-US" sz="1200" dirty="0">
-                <a:solidFill>
-                  <a:schemeClr val="tx2"/>
-                </a:solidFill>
-              </a:rPr>
-              <a:t>); IMSI is identifier</a:t>
-            </a:r>
-          </a:p>
-          <a:p>
-            <a:pPr marL="171450" indent="-171450">
-              <a:buFont typeface="Arial" panose="020B0604020202020204" pitchFamily="34" charset="0"/>
-              <a:buChar char="•"/>
-            </a:pPr>
-            <a:r>
-              <a:rPr lang="en-US" sz="1200" dirty="0">
-                <a:solidFill>
-                  <a:schemeClr val="tx2"/>
-                </a:solidFill>
-              </a:rPr>
-              <a:t>Subscriber “context” – all traffic to/from GTP session [eventually, would like to support dedicated bearers in same PDP session]</a:t>
-            </a:r>
-          </a:p>
-          <a:p>
-            <a:r>
-              <a:rPr lang="en-US" sz="1200" dirty="0">
-                <a:solidFill>
-                  <a:schemeClr val="tx2"/>
-                </a:solidFill>
-              </a:rPr>
-              <a:t>Will only do the minimal requirements for S1-U and S-11 necessary for fixed wireless</a:t>
-            </a:r>
-          </a:p>
-          <a:p>
-            <a:r>
-              <a:rPr lang="en-US" sz="1200" dirty="0">
-                <a:solidFill>
-                  <a:schemeClr val="tx2"/>
-                </a:solidFill>
-              </a:rPr>
-              <a:t>	e.g., for S1-U, will not support GTP sequence numbers, or extension headers</a:t>
-            </a:r>
-          </a:p>
-          <a:p>
-            <a:endParaRPr lang="en-US" sz="1200" dirty="0">
-              <a:solidFill>
-                <a:schemeClr val="tx2"/>
-              </a:solidFill>
-            </a:endParaRPr>
-          </a:p>
-          <a:p>
-            <a:r>
-              <a:rPr lang="en-US" sz="1200" dirty="0">
-                <a:solidFill>
-                  <a:schemeClr val="tx2"/>
-                </a:solidFill>
-              </a:rPr>
-              <a:t>ACL filtering, classification and marking</a:t>
-            </a:r>
-          </a:p>
-          <a:p>
-            <a:r>
-              <a:rPr lang="en-US" sz="1200" dirty="0">
-                <a:solidFill>
-                  <a:schemeClr val="tx2"/>
-                </a:solidFill>
-              </a:rPr>
-              <a:t>IPv6 transport (e.g., for GTP)</a:t>
-            </a:r>
-          </a:p>
-          <a:p>
-            <a:r>
-              <a:rPr lang="en-US" sz="1200" dirty="0">
-                <a:solidFill>
-                  <a:schemeClr val="tx2"/>
-                </a:solidFill>
-              </a:rPr>
-              <a:t>ipv4v6 bearer type</a:t>
-            </a:r>
-          </a:p>
-          <a:p>
-            <a:r>
-              <a:rPr lang="en-US" sz="1200" dirty="0">
-                <a:solidFill>
-                  <a:schemeClr val="tx2"/>
-                </a:solidFill>
-              </a:rPr>
-              <a:t>Traffic manager – per subscriber shaper  *?</a:t>
-            </a:r>
-          </a:p>
-          <a:p>
-            <a:r>
-              <a:rPr lang="en-US" sz="1200" dirty="0">
-                <a:solidFill>
-                  <a:schemeClr val="tx2"/>
-                </a:solidFill>
-              </a:rPr>
-              <a:t>Counters (byte, packet) by </a:t>
-            </a:r>
-            <a:r>
-              <a:rPr lang="en-US" sz="1200" dirty="0" err="1">
-                <a:solidFill>
-                  <a:schemeClr val="tx2"/>
-                </a:solidFill>
-              </a:rPr>
-              <a:t>subscriber+class</a:t>
-            </a:r>
-            <a:endParaRPr lang="en-US" sz="1200" dirty="0">
-              <a:solidFill>
-                <a:schemeClr val="tx2"/>
-              </a:solidFill>
-            </a:endParaRPr>
-          </a:p>
-          <a:p>
-            <a:r>
-              <a:rPr lang="en-US" sz="1200" dirty="0">
-                <a:solidFill>
-                  <a:schemeClr val="tx2"/>
-                </a:solidFill>
-              </a:rPr>
-              <a:t>DHCP, DCHPv6 – for RG support (not UE addressing bearer addressing)</a:t>
-            </a:r>
-          </a:p>
-          <a:p>
-            <a:r>
-              <a:rPr lang="en-US" sz="1200" dirty="0">
-                <a:solidFill>
-                  <a:schemeClr val="tx2"/>
-                </a:solidFill>
-              </a:rPr>
-              <a:t>	single host model per subscriber context, i.e., a new host (MAC) replaces lease of previous host; single NA and PD per sub</a:t>
-            </a:r>
-          </a:p>
-          <a:p>
-            <a:r>
-              <a:rPr lang="en-US" sz="1200" dirty="0" err="1">
-                <a:solidFill>
-                  <a:schemeClr val="tx2"/>
-                </a:solidFill>
-              </a:rPr>
-              <a:t>icmp</a:t>
-            </a:r>
-            <a:r>
-              <a:rPr lang="en-US" sz="1200" dirty="0">
-                <a:solidFill>
-                  <a:schemeClr val="tx2"/>
-                </a:solidFill>
-              </a:rPr>
-              <a:t>/icmp6 error and application handling (RA, RS, ND)</a:t>
-            </a:r>
-          </a:p>
-          <a:p>
-            <a:r>
-              <a:rPr lang="en-US" sz="1200" dirty="0">
-                <a:solidFill>
-                  <a:schemeClr val="tx2"/>
-                </a:solidFill>
-              </a:rPr>
-              <a:t>RADIUS – for subscriber policy and networks behind UE</a:t>
-            </a:r>
-          </a:p>
-          <a:p>
-            <a:r>
-              <a:rPr lang="en-US" sz="1200" dirty="0">
-                <a:solidFill>
-                  <a:schemeClr val="tx2"/>
-                </a:solidFill>
-              </a:rPr>
-              <a:t>BGP – for advertising pools on </a:t>
-            </a:r>
-            <a:r>
-              <a:rPr lang="en-US" sz="1200" dirty="0" err="1">
-                <a:solidFill>
-                  <a:schemeClr val="tx2"/>
-                </a:solidFill>
-              </a:rPr>
+              <a:rPr lang="en-US" sz="2400" dirty="0"/>
+              <a:t>YANFF BNG</a:t>
+            </a:r>
+          </a:p>
+          <a:p>
+            <a:pPr lvl="3"/>
+            <a:r>
+              <a:rPr lang="en-US" sz="1800" dirty="0"/>
+              <a:t>In user space</a:t>
+            </a:r>
+          </a:p>
+          <a:p>
+            <a:pPr lvl="3"/>
+            <a:r>
+              <a:rPr lang="en-US" sz="1800" dirty="0"/>
+              <a:t>Owns SR-IOV S1U and </a:t>
+            </a:r>
+            <a:r>
+              <a:rPr lang="en-US" sz="1800" dirty="0" err="1"/>
               <a:t>SGi</a:t>
             </a:r>
             <a:r>
-              <a:rPr lang="en-US" sz="1200" dirty="0">
-                <a:solidFill>
-                  <a:schemeClr val="tx2"/>
-                </a:solidFill>
-              </a:rPr>
-              <a:t> to PDN</a:t>
-            </a:r>
-          </a:p>
-          <a:p>
-            <a:r>
-              <a:rPr lang="en-US" sz="1200" dirty="0">
-                <a:solidFill>
-                  <a:schemeClr val="tx2"/>
-                </a:solidFill>
-              </a:rPr>
-              <a:t>* MTU check with fragmentation/reassembly</a:t>
-            </a:r>
-          </a:p>
-          <a:p>
-            <a:r>
-              <a:rPr lang="en-US" sz="1200" dirty="0">
-                <a:solidFill>
-                  <a:schemeClr val="tx2"/>
-                </a:solidFill>
-              </a:rPr>
-              <a:t>* Failure/reboot recovery – preserve GTP-C info?  How is reset done in GTP-C?</a:t>
-            </a:r>
-          </a:p>
-          <a:p>
-            <a:r>
-              <a:rPr lang="en-US" sz="1200" dirty="0">
-                <a:solidFill>
-                  <a:schemeClr val="tx2"/>
-                </a:solidFill>
-              </a:rPr>
-              <a:t>	* Subscriber service info – persistent (survive restart?), redundant?</a:t>
-            </a:r>
-          </a:p>
-          <a:p>
-            <a:r>
-              <a:rPr lang="en-US" sz="1200" dirty="0">
-                <a:solidFill>
-                  <a:schemeClr val="tx2"/>
-                </a:solidFill>
-              </a:rPr>
-              <a:t>*yang model for base </a:t>
-            </a:r>
-            <a:r>
-              <a:rPr lang="en-US" sz="1200" dirty="0" err="1">
-                <a:solidFill>
-                  <a:schemeClr val="tx2"/>
-                </a:solidFill>
-              </a:rPr>
-              <a:t>config</a:t>
-            </a:r>
-            <a:r>
-              <a:rPr lang="en-US" sz="1200" dirty="0">
-                <a:solidFill>
-                  <a:schemeClr val="tx2"/>
-                </a:solidFill>
-              </a:rPr>
-              <a:t> (pools, RADIUS, BGP, interfaces, ACL and QoS policies, logging)</a:t>
-            </a:r>
-          </a:p>
-          <a:p>
-            <a:r>
-              <a:rPr lang="en-US" sz="1200" dirty="0">
-                <a:solidFill>
-                  <a:schemeClr val="tx2"/>
-                </a:solidFill>
-              </a:rPr>
-              <a:t>*Subscriber mirroring (lawful intercept)</a:t>
-            </a:r>
-          </a:p>
-          <a:p>
-            <a:r>
-              <a:rPr lang="en-US" sz="1200" dirty="0">
-                <a:solidFill>
-                  <a:schemeClr val="tx2"/>
-                </a:solidFill>
-              </a:rPr>
-              <a:t>*Combine/share physical interface supporting logical VFs for S1u, </a:t>
-            </a:r>
-            <a:r>
-              <a:rPr lang="en-US" sz="1200" dirty="0" err="1">
-                <a:solidFill>
-                  <a:schemeClr val="tx2"/>
-                </a:solidFill>
-              </a:rPr>
+              <a:rPr lang="en-US" sz="1800" dirty="0"/>
+              <a:t> interfaces</a:t>
+            </a:r>
+          </a:p>
+          <a:p>
+            <a:pPr lvl="4"/>
+            <a:r>
+              <a:rPr lang="en-US" sz="1600" dirty="0"/>
+              <a:t>Hides subscriber GTP-U interface data</a:t>
+            </a:r>
+          </a:p>
+          <a:p>
+            <a:pPr lvl="4"/>
+            <a:r>
+              <a:rPr lang="en-US" sz="1600" dirty="0"/>
+              <a:t>OS does not see the subscriber address space/routes</a:t>
+            </a:r>
+          </a:p>
+          <a:p>
+            <a:pPr lvl="4"/>
+            <a:r>
+              <a:rPr lang="en-US" sz="1600" dirty="0"/>
+              <a:t>ICMP, ICMPv6 (RA, RS, ND), DHCP, DHCPv6 has to be handled by YANFF modules</a:t>
+            </a:r>
+          </a:p>
+          <a:p>
+            <a:pPr lvl="3"/>
+            <a:r>
+              <a:rPr lang="en-US" sz="1800" dirty="0"/>
+              <a:t>Provides logical </a:t>
+            </a:r>
+            <a:r>
+              <a:rPr lang="en-US" sz="1800" dirty="0" err="1"/>
+              <a:t>vETH</a:t>
+            </a:r>
+            <a:r>
+              <a:rPr lang="en-US" sz="1800" dirty="0"/>
+              <a:t> interface to OS</a:t>
+            </a:r>
+          </a:p>
+          <a:p>
+            <a:pPr lvl="3"/>
+            <a:r>
+              <a:rPr lang="en-US" sz="1800" dirty="0"/>
+              <a:t>Keep S11 as a separate physical interface from </a:t>
+            </a:r>
+            <a:r>
+              <a:rPr lang="en-US" sz="1800" dirty="0" err="1"/>
               <a:t>SGi</a:t>
             </a:r>
             <a:r>
-              <a:rPr lang="en-US" sz="1200" dirty="0">
-                <a:solidFill>
-                  <a:schemeClr val="tx2"/>
-                </a:solidFill>
-              </a:rPr>
-              <a:t> and S11</a:t>
-            </a:r>
-          </a:p>
-          <a:p>
-            <a:r>
-              <a:rPr lang="en-US" sz="1200" dirty="0">
-                <a:solidFill>
-                  <a:schemeClr val="tx2"/>
-                </a:solidFill>
-              </a:rPr>
-              <a:t>*GTP echo?</a:t>
-            </a:r>
-          </a:p>
-          <a:p>
-            <a:endParaRPr lang="en-US" sz="1200" dirty="0">
-              <a:solidFill>
-                <a:schemeClr val="tx2"/>
-              </a:solidFill>
-            </a:endParaRPr>
+              <a:rPr lang="en-US" sz="1800" dirty="0"/>
+              <a:t> and S1-U</a:t>
+            </a:r>
+          </a:p>
+          <a:p>
+            <a:pPr lvl="3"/>
+            <a:r>
+              <a:rPr lang="en-US" sz="1800" dirty="0"/>
+              <a:t>Initially prefer </a:t>
+            </a:r>
+            <a:r>
+              <a:rPr lang="en-US" sz="1800" dirty="0" err="1"/>
+              <a:t>SGi</a:t>
+            </a:r>
+            <a:r>
+              <a:rPr lang="en-US" sz="1800" dirty="0"/>
+              <a:t> and S1-U be separate</a:t>
+            </a:r>
           </a:p>
         </p:txBody>
       </p:sp>
     </p:spTree>
     <p:extLst>
       <p:ext uri="{BB962C8B-B14F-4D97-AF65-F5344CB8AC3E}">
-        <p14:creationId xmlns:p14="http://schemas.microsoft.com/office/powerpoint/2010/main" val="1401447702"/>
+        <p14:creationId xmlns:p14="http://schemas.microsoft.com/office/powerpoint/2010/main" val="899437449"/>
       </p:ext>
     </p:extLst>
   </p:cSld>
@@ -30274,7 +34831,7 @@
           <a:p>
             <a:r>
               <a:rPr lang="en-US" dirty="0" smtClean="0"/>
-              <a:t>IP applications on subscriber interfaces</a:t>
+              <a:t>Requirements   (* = Not Day One)</a:t>
             </a:r>
             <a:endParaRPr lang="en-US" dirty="0"/>
           </a:p>
@@ -30296,138 +34853,129 @@
           <a:lstStyle/>
           <a:p>
             <a:r>
-              <a:rPr lang="en-US" dirty="0" smtClean="0">
+              <a:rPr lang="en-US" sz="1200" dirty="0">
                 <a:solidFill>
                   <a:schemeClr val="tx2"/>
                 </a:solidFill>
               </a:rPr>
-              <a:t>These applications need to be in the BNG forwarding engine for the S1-U interface</a:t>
-            </a:r>
-          </a:p>
-          <a:p>
-            <a:r>
-              <a:rPr lang="en-US" dirty="0" smtClean="0">
+              <a:t>Subscriber = GTP-U TEID session (no MDU/</a:t>
+            </a:r>
+            <a:r>
+              <a:rPr lang="en-US" sz="1200" dirty="0" err="1">
                 <a:solidFill>
                   <a:schemeClr val="tx2"/>
                 </a:solidFill>
               </a:rPr>
-              <a:t>Very low rate (although need DOS/abuse protection rate limiter)</a:t>
-            </a:r>
-          </a:p>
-          <a:p>
-            <a:r>
-              <a:rPr lang="en-US" dirty="0" smtClean="0">
+              <a:t>multisubscriber</a:t>
+            </a:r>
+            <a:r>
+              <a:rPr lang="en-US" sz="1200" dirty="0">
                 <a:solidFill>
                   <a:schemeClr val="tx2"/>
                 </a:solidFill>
               </a:rPr>
-              <a:t>Subscriber interfaces here = PDP context</a:t>
-            </a:r>
-          </a:p>
-          <a:p>
-            <a:endParaRPr lang="en-US" dirty="0">
+              <a:t>); IMSI is identifier</a:t>
+            </a:r>
+          </a:p>
+          <a:p>
+            <a:pPr marL="171450" indent="-171450">
+              <a:buFont typeface="Arial" panose="020B0604020202020204" pitchFamily="34" charset="0"/>
+              <a:buChar char="•"/>
+            </a:pPr>
+            <a:r>
+              <a:rPr lang="en-US" sz="1200" dirty="0">
+                <a:solidFill>
+                  <a:schemeClr val="tx2"/>
+                </a:solidFill>
+              </a:rPr>
+              <a:t>Subscriber “context” – all traffic to/from GTP session [eventually, would like to support dedicated bearers in same PDP session]</a:t>
+            </a:r>
+          </a:p>
+          <a:p>
+            <a:r>
+              <a:rPr lang="en-US" sz="1200" dirty="0">
+                <a:solidFill>
+                  <a:schemeClr val="tx2"/>
+                </a:solidFill>
+              </a:rPr>
+              <a:t>Will only do the minimal requirements for S1-U and S-11 necessary for fixed wireless</a:t>
+            </a:r>
+          </a:p>
+          <a:p>
+            <a:r>
+              <a:rPr lang="en-US" sz="1200" dirty="0">
+                <a:solidFill>
+                  <a:schemeClr val="tx2"/>
+                </a:solidFill>
+              </a:rPr>
+              <a:t>	e.g., for S1-U, will not support GTP sequence numbers, or extension headers</a:t>
+            </a:r>
+          </a:p>
+          <a:p>
+            <a:endParaRPr lang="en-US" sz="1200" dirty="0">
               <a:solidFill>
                 <a:schemeClr val="tx2"/>
               </a:solidFill>
             </a:endParaRPr>
           </a:p>
           <a:p>
-            <a:pPr marL="628650" lvl="1" indent="-342900"/>
-            <a:r>
-              <a:rPr lang="en-US" dirty="0" smtClean="0">
+            <a:r>
+              <a:rPr lang="en-US" sz="1200" dirty="0">
                 <a:solidFill>
                   <a:schemeClr val="tx2"/>
                 </a:solidFill>
               </a:rPr>
-              <a:t>IPv6: RA, RS and ND processing</a:t>
-            </a:r>
-          </a:p>
-          <a:p>
-            <a:pPr marL="628650" lvl="1" indent="-342900"/>
-            <a:r>
-              <a:rPr lang="en-US" dirty="0" smtClean="0">
+              <a:t>ACL filtering, classification and marking</a:t>
+            </a:r>
+          </a:p>
+          <a:p>
+            <a:r>
+              <a:rPr lang="en-US" sz="1200" dirty="0">
                 <a:solidFill>
                   <a:schemeClr val="tx2"/>
                 </a:solidFill>
               </a:rPr>
-              <a:t>ping (</a:t>
-            </a:r>
-            <a:r>
-              <a:rPr lang="en-US" dirty="0" err="1" smtClean="0">
+              <a:t>IPv6 transport (e.g., for GTP)</a:t>
+            </a:r>
+          </a:p>
+          <a:p>
+            <a:r>
+              <a:rPr lang="en-US" sz="1200" dirty="0">
                 <a:solidFill>
                   <a:schemeClr val="tx2"/>
                 </a:solidFill>
               </a:rPr>
-              <a:t>icmp</a:t>
-            </a:r>
-            <a:r>
-              <a:rPr lang="en-US" dirty="0" smtClean="0">
+              <a:t>ipv4v6 bearer type</a:t>
+            </a:r>
+          </a:p>
+          <a:p>
+            <a:r>
+              <a:rPr lang="en-US" sz="1200" dirty="0">
                 <a:solidFill>
                   <a:schemeClr val="tx2"/>
                 </a:solidFill>
               </a:rPr>
-              <a:t> echo)  - also need hook to inject and return response to management plane</a:t>
-            </a:r>
-          </a:p>
-          <a:p>
-            <a:pPr marL="628650" lvl="1" indent="-342900"/>
-            <a:r>
-              <a:rPr lang="en-US" dirty="0" err="1" smtClean="0">
+              <a:t>Traffic manager – per subscriber shaper  *?</a:t>
+            </a:r>
+          </a:p>
+          <a:p>
+            <a:r>
+              <a:rPr lang="en-US" sz="1200" dirty="0">
                 <a:solidFill>
                   <a:schemeClr val="tx2"/>
                 </a:solidFill>
               </a:rPr>
-              <a:t>icmp</a:t>
-            </a:r>
-            <a:r>
-              <a:rPr lang="en-US" dirty="0" smtClean="0">
+              <a:t>Counters (byte, packet) by </a:t>
+            </a:r>
+            <a:r>
+              <a:rPr lang="en-US" sz="1200" dirty="0" err="1">
                 <a:solidFill>
                   <a:schemeClr val="tx2"/>
                 </a:solidFill>
               </a:rPr>
-              <a:t> error processing (TTL, packet too big)</a:t>
-            </a:r>
-          </a:p>
-          <a:p>
-            <a:pPr marL="628650" lvl="1" indent="-342900"/>
-            <a:r>
-              <a:rPr lang="en-US" dirty="0" smtClean="0">
-                <a:solidFill>
-                  <a:schemeClr val="tx2"/>
-                </a:solidFill>
-              </a:rPr>
-              <a:t>packet capture/mirroring (</a:t>
-            </a:r>
-            <a:r>
-              <a:rPr lang="en-US" dirty="0" err="1" smtClean="0">
-                <a:solidFill>
-                  <a:schemeClr val="tx2"/>
-                </a:solidFill>
-              </a:rPr>
-              <a:t>e.g</a:t>
-            </a:r>
-            <a:r>
-              <a:rPr lang="en-US" dirty="0" smtClean="0">
-                <a:solidFill>
-                  <a:schemeClr val="tx2"/>
-                </a:solidFill>
-              </a:rPr>
-              <a:t>, for operations or lawful intercept)</a:t>
-            </a:r>
-          </a:p>
-          <a:p>
-            <a:pPr marL="628650" lvl="1" indent="-342900"/>
-            <a:r>
-              <a:rPr lang="en-US" dirty="0" smtClean="0">
-                <a:solidFill>
-                  <a:schemeClr val="tx2"/>
-                </a:solidFill>
-              </a:rPr>
-              <a:t>DHCP/DHCPv6 (this is for networks behind UE, not the UE PDN session addresses)</a:t>
-            </a:r>
-          </a:p>
-          <a:p>
-            <a:endParaRPr lang="en-US" dirty="0">
+              <a:t>subscriber+class</a:t>
+            </a:r>
+            <a:endParaRPr lang="en-US" sz="1200" dirty="0">
               <a:solidFill>
                 <a:schemeClr val="tx2"/>
               </a:solidFill>
@@ -30435,15 +34983,27 @@
           </a:p>
           <a:p>
             <a:r>
-              <a:rPr lang="en-US" dirty="0" smtClean="0">
+              <a:rPr lang="en-US" sz="1200" dirty="0">
                 <a:solidFill>
                   <a:schemeClr val="tx2"/>
                 </a:solidFill>
               </a:rPr>
-              <a:t>Also need </a:t>
-            </a:r>
-            <a:r>
-              <a:rPr lang="en-US" dirty="0" err="1" smtClean="0">
+              <a:t>DHCP, DCHPv6 – for RG support (not UE addressing bearer addressing)</a:t>
+            </a:r>
+          </a:p>
+          <a:p>
+            <a:r>
+              <a:rPr lang="en-US" sz="1200" dirty="0">
+                <a:solidFill>
+                  <a:schemeClr val="tx2"/>
+                </a:solidFill>
+              </a:rPr>
+              <a:t>	single host model per subscriber context, i.e., a new host (MAC) replaces lease of previous host; single NA and PD per sub</a:t>
+            </a:r>
+          </a:p>
+          <a:p>
+            <a:r>
+              <a:rPr lang="en-US" sz="1200" dirty="0" err="1">
                 <a:solidFill>
                   <a:schemeClr val="tx2"/>
                 </a:solidFill>
@@ -30451,15 +35011,35 @@
               <a:t>icmp</a:t>
             </a:r>
             <a:r>
-              <a:rPr lang="en-US" dirty="0" smtClean="0">
+              <a:rPr lang="en-US" sz="1200" dirty="0">
                 <a:solidFill>
                   <a:schemeClr val="tx2"/>
                 </a:solidFill>
               </a:rPr>
-              <a:t> and ARP processing for </a:t>
-            </a:r>
-            <a:r>
-              <a:rPr lang="en-US" dirty="0" err="1" smtClean="0">
+              <a:t>/icmp6 error and application handling (RA, RS, ND)</a:t>
+            </a:r>
+          </a:p>
+          <a:p>
+            <a:r>
+              <a:rPr lang="en-US" sz="1200" dirty="0">
+                <a:solidFill>
+                  <a:schemeClr val="tx2"/>
+                </a:solidFill>
+              </a:rPr>
+              <a:t>RADIUS – for subscriber policy and networks behind UE</a:t>
+            </a:r>
+          </a:p>
+          <a:p>
+            <a:r>
+              <a:rPr lang="en-US" sz="1200" dirty="0">
+                <a:solidFill>
+                  <a:schemeClr val="tx2"/>
+                </a:solidFill>
+              </a:rPr>
+              <a:t>BGP – for advertising pools on </a:t>
+            </a:r>
+            <a:r>
+              <a:rPr lang="en-US" sz="1200" dirty="0" err="1">
                 <a:solidFill>
                   <a:schemeClr val="tx2"/>
                 </a:solidFill>
@@ -30467,32 +35047,129 @@
               <a:t>SGi</a:t>
             </a:r>
             <a:r>
-              <a:rPr lang="en-US" dirty="0" smtClean="0">
+              <a:rPr lang="en-US" sz="1200" dirty="0">
                 <a:solidFill>
                   <a:schemeClr val="tx2"/>
                 </a:solidFill>
               </a:rPr>
-              <a:t> interface in the BNG</a:t>
-            </a:r>
-          </a:p>
-          <a:p>
-            <a:endParaRPr lang="en-US" dirty="0" smtClean="0"/>
-          </a:p>
-          <a:p>
-            <a:endParaRPr lang="en-US" dirty="0" smtClean="0"/>
-          </a:p>
-          <a:p>
-            <a:endParaRPr lang="en-US" dirty="0" smtClean="0"/>
-          </a:p>
-          <a:p>
-            <a:endParaRPr lang="en-US" dirty="0"/>
+              <a:t> to PDN</a:t>
+            </a:r>
+          </a:p>
+          <a:p>
+            <a:r>
+              <a:rPr lang="en-US" sz="1200" dirty="0">
+                <a:solidFill>
+                  <a:schemeClr val="tx2"/>
+                </a:solidFill>
+              </a:rPr>
+              <a:t>* MTU check with fragmentation/reassembly</a:t>
+            </a:r>
+          </a:p>
+          <a:p>
+            <a:r>
+              <a:rPr lang="en-US" sz="1200" dirty="0">
+                <a:solidFill>
+                  <a:schemeClr val="tx2"/>
+                </a:solidFill>
+              </a:rPr>
+              <a:t>* Failure/reboot recovery – preserve GTP-C info?  How is reset done in GTP-C?</a:t>
+            </a:r>
+          </a:p>
+          <a:p>
+            <a:r>
+              <a:rPr lang="en-US" sz="1200" dirty="0">
+                <a:solidFill>
+                  <a:schemeClr val="tx2"/>
+                </a:solidFill>
+              </a:rPr>
+              <a:t>	* Subscriber service info – persistent (survive restart?), redundant?</a:t>
+            </a:r>
+          </a:p>
+          <a:p>
+            <a:r>
+              <a:rPr lang="en-US" sz="1200" dirty="0">
+                <a:solidFill>
+                  <a:schemeClr val="tx2"/>
+                </a:solidFill>
+              </a:rPr>
+              <a:t>*yang model for base </a:t>
+            </a:r>
+            <a:r>
+              <a:rPr lang="en-US" sz="1200" dirty="0" err="1">
+                <a:solidFill>
+                  <a:schemeClr val="tx2"/>
+                </a:solidFill>
+              </a:rPr>
+              <a:t>config</a:t>
+            </a:r>
+            <a:r>
+              <a:rPr lang="en-US" sz="1200" dirty="0">
+                <a:solidFill>
+                  <a:schemeClr val="tx2"/>
+                </a:solidFill>
+              </a:rPr>
+              <a:t> (pools, RADIUS, BGP, interfaces, ACL and QoS policies, logging)</a:t>
+            </a:r>
+          </a:p>
+          <a:p>
+            <a:r>
+              <a:rPr lang="en-US" sz="1200" dirty="0">
+                <a:solidFill>
+                  <a:schemeClr val="tx2"/>
+                </a:solidFill>
+              </a:rPr>
+              <a:t>*Subscriber mirroring (lawful intercept)</a:t>
+            </a:r>
+          </a:p>
+          <a:p>
+            <a:r>
+              <a:rPr lang="en-US" sz="1200" dirty="0">
+                <a:solidFill>
+                  <a:schemeClr val="tx2"/>
+                </a:solidFill>
+              </a:rPr>
+              <a:t>*Combine/share physical interface supporting logical VFs for S1u, </a:t>
+            </a:r>
+            <a:r>
+              <a:rPr lang="en-US" sz="1200" dirty="0" err="1">
+                <a:solidFill>
+                  <a:schemeClr val="tx2"/>
+                </a:solidFill>
+              </a:rPr>
+              <a:t>SGi</a:t>
+            </a:r>
+            <a:r>
+              <a:rPr lang="en-US" sz="1200" dirty="0">
+                <a:solidFill>
+                  <a:schemeClr val="tx2"/>
+                </a:solidFill>
+              </a:rPr>
+              <a:t> and S11</a:t>
+            </a:r>
+          </a:p>
+          <a:p>
+            <a:r>
+              <a:rPr lang="en-US" sz="1200" dirty="0">
+                <a:solidFill>
+                  <a:schemeClr val="tx2"/>
+                </a:solidFill>
+              </a:rPr>
+              <a:t>*GTP echo?</a:t>
+            </a:r>
+          </a:p>
+          <a:p>
+            <a:endParaRPr lang="en-US" sz="1200" dirty="0">
+              <a:solidFill>
+                <a:schemeClr val="tx2"/>
+              </a:solidFill>
+            </a:endParaRPr>
           </a:p>
         </p:txBody>
       </p:sp>
     </p:spTree>
     <p:extLst>
       <p:ext uri="{BB962C8B-B14F-4D97-AF65-F5344CB8AC3E}">
-        <p14:creationId xmlns:p14="http://schemas.microsoft.com/office/powerpoint/2010/main" val="2806641607"/>
+        <p14:creationId xmlns:p14="http://schemas.microsoft.com/office/powerpoint/2010/main" val="1401447702"/>
       </p:ext>
     </p:extLst>
   </p:cSld>
@@ -30557,19 +35234,14 @@
             <p:ph type="title"/>
           </p:nvPr>
         </p:nvSpPr>
-        <p:spPr>
-          <a:xfrm>
-            <a:off x="1890768" y="153208"/>
-            <a:ext cx="8408988" cy="342206"/>
-          </a:xfrm>
-        </p:spPr>
+        <p:spPr/>
         <p:txBody>
           <a:bodyPr/>
           <a:lstStyle/>
           <a:p>
             <a:r>
               <a:rPr lang="en-US" dirty="0" smtClean="0"/>
-              <a:t>Miscellaneous notes/comments</a:t>
+              <a:t>IP applications on subscriber interfaces</a:t>
             </a:r>
             <a:endParaRPr lang="en-US" dirty="0"/>
           </a:p>
@@ -30585,124 +35257,209 @@
             <p:ph sz="quarter" idx="12"/>
           </p:nvPr>
         </p:nvSpPr>
-        <p:spPr>
-          <a:xfrm>
-            <a:off x="1890768" y="744906"/>
-            <a:ext cx="8408988" cy="4812167"/>
-          </a:xfrm>
-        </p:spPr>
+        <p:spPr/>
         <p:txBody>
           <a:bodyPr/>
           <a:lstStyle/>
           <a:p>
             <a:r>
-              <a:rPr lang="en-US" sz="1800" dirty="0">
+              <a:rPr lang="en-US" dirty="0" smtClean="0">
                 <a:solidFill>
                   <a:schemeClr val="tx2"/>
                 </a:solidFill>
               </a:rPr>
-              <a:t>Networks behind UE model:</a:t>
-            </a:r>
-          </a:p>
-          <a:p>
-            <a:pPr lvl="1"/>
-            <a:r>
-              <a:rPr lang="en-US" sz="1400" dirty="0"/>
-              <a:t>Why does this require so many networks?   UE IPv4, RG WAN IPv4, UE IPv6 /64, RG WAN IPv6 /64, RG LAN IPv6 PD (/60);  Plus an optional static IPv4 LAN subnet.</a:t>
-            </a:r>
-          </a:p>
-          <a:p>
-            <a:pPr lvl="3"/>
-            <a:r>
-              <a:rPr lang="en-US" sz="1400" dirty="0"/>
-              <a:t>For broadband service we now have networks behind the mobile UE and not just a single UE host.  The mobile hotspot approach is very limiting and would have problems supporting some home network setups and business broadband network setups.</a:t>
-            </a:r>
-          </a:p>
-          <a:p>
-            <a:pPr lvl="3"/>
-            <a:r>
-              <a:rPr lang="en-US" sz="1400" dirty="0"/>
-              <a:t>Alternatively: do a </a:t>
-            </a:r>
-            <a:r>
-              <a:rPr lang="en-US" sz="1400" dirty="0" err="1"/>
-              <a:t>passthrough</a:t>
-            </a:r>
-            <a:r>
-              <a:rPr lang="en-US" sz="1400" dirty="0"/>
-              <a:t> type model with one route for IPv4 and one for IPv6</a:t>
-            </a:r>
-          </a:p>
-          <a:p>
-            <a:pPr lvl="4"/>
-            <a:r>
-              <a:rPr lang="en-US" sz="1200" dirty="0"/>
-              <a:t>UE gets public IPv4 and passes through to RG WAN.  UE intercepts certain IPv4 traffic for its own purposes (assuming not running a separate management APN on UE)</a:t>
-            </a:r>
-          </a:p>
-          <a:p>
-            <a:pPr lvl="4"/>
-            <a:r>
-              <a:rPr lang="en-US" sz="1200" dirty="0"/>
-              <a:t>For IPv6 use a /59 – first /64 goes to UE, second /64 goes to RG WAN, second /60 goes to RG LAN PD.  UE does DHCPv6 for a PD and gets the /59 with the Prefix Exclude Option covering the UE /64</a:t>
-            </a:r>
-          </a:p>
-          <a:p>
-            <a:pPr lvl="3"/>
-            <a:r>
-              <a:rPr lang="en-US" sz="1400" dirty="0"/>
-              <a:t>However, our target model for broadband is to keep user Internet traffic addressing separate from internal management.   </a:t>
-            </a:r>
-          </a:p>
-          <a:p>
-            <a:pPr lvl="4"/>
-            <a:r>
-              <a:rPr lang="en-US" sz="1200" dirty="0"/>
-              <a:t>The RG WAN IPv4 is Internet </a:t>
-            </a:r>
-            <a:r>
-              <a:rPr lang="en-US" sz="1200" dirty="0" err="1"/>
-              <a:t>routeable</a:t>
-            </a:r>
-            <a:r>
-              <a:rPr lang="en-US" sz="1200" dirty="0"/>
-              <a:t> and used for the customers home traffic and for management.  We have to use difficult to manage whitelists for RG management.  </a:t>
-            </a:r>
-          </a:p>
-          <a:p>
-            <a:pPr lvl="4"/>
-            <a:r>
-              <a:rPr lang="en-US" sz="1200" dirty="0"/>
-              <a:t>Would prefer that the UE IPv4 management not use the same address as the RG and then also have to implement whitelist management.</a:t>
-            </a:r>
-          </a:p>
-          <a:p>
-            <a:pPr lvl="4"/>
-            <a:r>
-              <a:rPr lang="en-US" sz="1200" dirty="0"/>
-              <a:t>For IPv6 subscriber Internet traffic uses the /60 on the LAN and comes from an Internet reachable address space.  The RG WAN IPv6 comes from a different address space that is not routed to the Internet, but only routed inside AT&amp;T networks.  Again, don’t want the UE address space to be combined with RG LAN.</a:t>
-            </a:r>
-          </a:p>
-          <a:p>
-            <a:pPr lvl="4"/>
-            <a:r>
-              <a:rPr lang="en-US" sz="1200" dirty="0"/>
-              <a:t>Could save one network by using a /63 to create the UE bearer /64 and RG WAN /64 or could try passing through the UE /64 for the RG WAN.  But would still the RG LAN /60 PD.</a:t>
-            </a:r>
-          </a:p>
-          <a:p>
-            <a:pPr lvl="4"/>
-            <a:r>
-              <a:rPr lang="en-US" sz="1200" dirty="0"/>
-              <a:t>If we have 10,000 subs and 5 routes each then that is 50,000 routes.  That should not be a problem for a longest prefix match FIB, when compared to the internet route table that has ~700,000 routes inside AT&amp;T backbone</a:t>
-            </a:r>
+              <a:t>These applications need to be in the BNG forwarding engine for the S1-U interface</a:t>
+            </a:r>
+          </a:p>
+          <a:p>
+            <a:r>
+              <a:rPr lang="en-US" dirty="0" smtClean="0">
+                <a:solidFill>
+                  <a:schemeClr val="tx2"/>
+                </a:solidFill>
+              </a:rPr>
+              <a:t>Very low rate (although need DOS/abuse protection rate limiter)</a:t>
+            </a:r>
+          </a:p>
+          <a:p>
+            <a:r>
+              <a:rPr lang="en-US" dirty="0" smtClean="0">
+                <a:solidFill>
+                  <a:schemeClr val="tx2"/>
+                </a:solidFill>
+              </a:rPr>
+              <a:t>Subscriber interfaces here = PDP context</a:t>
+            </a:r>
+          </a:p>
+          <a:p>
+            <a:endParaRPr lang="en-US" dirty="0">
+              <a:solidFill>
+                <a:schemeClr val="tx2"/>
+              </a:solidFill>
+            </a:endParaRPr>
+          </a:p>
+          <a:p>
+            <a:pPr marL="628650" lvl="1" indent="-342900"/>
+            <a:r>
+              <a:rPr lang="en-US" dirty="0" smtClean="0">
+                <a:solidFill>
+                  <a:schemeClr val="tx2"/>
+                </a:solidFill>
+              </a:rPr>
+              <a:t>IPv6: RA, RS and ND processing</a:t>
+            </a:r>
+          </a:p>
+          <a:p>
+            <a:pPr marL="628650" lvl="1" indent="-342900"/>
+            <a:r>
+              <a:rPr lang="en-US" dirty="0" smtClean="0">
+                <a:solidFill>
+                  <a:schemeClr val="tx2"/>
+                </a:solidFill>
+              </a:rPr>
+              <a:t>ping (</a:t>
+            </a:r>
+            <a:r>
+              <a:rPr lang="en-US" dirty="0" err="1" smtClean="0">
+                <a:solidFill>
+                  <a:schemeClr val="tx2"/>
+                </a:solidFill>
+              </a:rPr>
+              <a:t>icmp</a:t>
+            </a:r>
+            <a:r>
+              <a:rPr lang="en-US" dirty="0" smtClean="0">
+                <a:solidFill>
+                  <a:schemeClr val="tx2"/>
+                </a:solidFill>
+              </a:rPr>
+              <a:t> echo)  - also need hook to inject and return response to management plane</a:t>
+            </a:r>
+          </a:p>
+          <a:p>
+            <a:pPr marL="628650" lvl="1" indent="-342900"/>
+            <a:r>
+              <a:rPr lang="en-US" dirty="0" err="1" smtClean="0">
+                <a:solidFill>
+                  <a:schemeClr val="tx2"/>
+                </a:solidFill>
+              </a:rPr>
+              <a:t>icmp</a:t>
+            </a:r>
+            <a:r>
+              <a:rPr lang="en-US" dirty="0" smtClean="0">
+                <a:solidFill>
+                  <a:schemeClr val="tx2"/>
+                </a:solidFill>
+              </a:rPr>
+              <a:t> error processing (TTL, packet too big)</a:t>
+            </a:r>
+          </a:p>
+          <a:p>
+            <a:pPr marL="628650" lvl="1" indent="-342900"/>
+            <a:r>
+              <a:rPr lang="en-US" dirty="0" smtClean="0">
+                <a:solidFill>
+                  <a:schemeClr val="tx2"/>
+                </a:solidFill>
+              </a:rPr>
+              <a:t>packet capture/mirroring (</a:t>
+            </a:r>
+            <a:r>
+              <a:rPr lang="en-US" dirty="0" err="1" smtClean="0">
+                <a:solidFill>
+                  <a:schemeClr val="tx2"/>
+                </a:solidFill>
+              </a:rPr>
+              <a:t>e.g</a:t>
+            </a:r>
+            <a:r>
+              <a:rPr lang="en-US" dirty="0" smtClean="0">
+                <a:solidFill>
+                  <a:schemeClr val="tx2"/>
+                </a:solidFill>
+              </a:rPr>
+              <a:t>, for operations or lawful intercept)</a:t>
+            </a:r>
+          </a:p>
+          <a:p>
+            <a:pPr marL="628650" lvl="1" indent="-342900"/>
+            <a:r>
+              <a:rPr lang="en-US" dirty="0" smtClean="0">
+                <a:solidFill>
+                  <a:schemeClr val="tx2"/>
+                </a:solidFill>
+              </a:rPr>
+              <a:t>DHCP/DHCPv6 (this is for networks behind UE, not the UE PDN session addresses)</a:t>
+            </a:r>
+          </a:p>
+          <a:p>
+            <a:endParaRPr lang="en-US" dirty="0">
+              <a:solidFill>
+                <a:schemeClr val="tx2"/>
+              </a:solidFill>
+            </a:endParaRPr>
+          </a:p>
+          <a:p>
+            <a:r>
+              <a:rPr lang="en-US" dirty="0" smtClean="0">
+                <a:solidFill>
+                  <a:schemeClr val="tx2"/>
+                </a:solidFill>
+              </a:rPr>
+              <a:t>Also need </a:t>
+            </a:r>
+            <a:r>
+              <a:rPr lang="en-US" dirty="0" err="1" smtClean="0">
+                <a:solidFill>
+                  <a:schemeClr val="tx2"/>
+                </a:solidFill>
+              </a:rPr>
+              <a:t>icmp</a:t>
+            </a:r>
+            <a:r>
+              <a:rPr lang="en-US" dirty="0" smtClean="0">
+                <a:solidFill>
+                  <a:schemeClr val="tx2"/>
+                </a:solidFill>
+              </a:rPr>
+              <a:t> and ARP processing for </a:t>
+            </a:r>
+            <a:r>
+              <a:rPr lang="en-US" dirty="0" err="1" smtClean="0">
+                <a:solidFill>
+                  <a:schemeClr val="tx2"/>
+                </a:solidFill>
+              </a:rPr>
+              <a:t>SGi</a:t>
+            </a:r>
+            <a:r>
+              <a:rPr lang="en-US" dirty="0" smtClean="0">
+                <a:solidFill>
+                  <a:schemeClr val="tx2"/>
+                </a:solidFill>
+              </a:rPr>
+              <a:t> interface in the BNG</a:t>
+            </a:r>
+          </a:p>
+          <a:p>
+            <a:endParaRPr lang="en-US" dirty="0" smtClean="0"/>
+          </a:p>
+          <a:p>
+            <a:endParaRPr lang="en-US" dirty="0" smtClean="0"/>
+          </a:p>
+          <a:p>
+            <a:endParaRPr lang="en-US" dirty="0" smtClean="0"/>
+          </a:p>
+          <a:p>
+            <a:endParaRPr lang="en-US" dirty="0"/>
           </a:p>
         </p:txBody>
       </p:sp>
     </p:spTree>
     <p:extLst>
       <p:ext uri="{BB962C8B-B14F-4D97-AF65-F5344CB8AC3E}">
-        <p14:creationId xmlns:p14="http://schemas.microsoft.com/office/powerpoint/2010/main" val="1121663276"/>
+        <p14:creationId xmlns:p14="http://schemas.microsoft.com/office/powerpoint/2010/main" val="2806641607"/>
       </p:ext>
     </p:extLst>
   </p:cSld>
